--- a/Présentation oral.pptx
+++ b/Présentation oral.pptx
@@ -28,23 +28,24 @@
     <p:sldId id="273" r:id="rId23"/>
     <p:sldId id="274" r:id="rId24"/>
     <p:sldId id="275" r:id="rId25"/>
+    <p:sldId id="276" r:id="rId26"/>
   </p:sldIdLst>
   <p:sldSz cy="5143500" cx="9144000"/>
   <p:notesSz cx="6858000" cy="9144000"/>
   <p:embeddedFontLst>
     <p:embeddedFont>
       <p:font typeface="Montserrat"/>
-      <p:regular r:id="rId26"/>
-      <p:bold r:id="rId27"/>
-      <p:italic r:id="rId28"/>
-      <p:boldItalic r:id="rId29"/>
+      <p:regular r:id="rId27"/>
+      <p:bold r:id="rId28"/>
+      <p:italic r:id="rId29"/>
+      <p:boldItalic r:id="rId30"/>
     </p:embeddedFont>
     <p:embeddedFont>
       <p:font typeface="Lato"/>
-      <p:regular r:id="rId30"/>
-      <p:bold r:id="rId31"/>
-      <p:italic r:id="rId32"/>
-      <p:boldItalic r:id="rId33"/>
+      <p:regular r:id="rId31"/>
+      <p:bold r:id="rId32"/>
+      <p:italic r:id="rId33"/>
+      <p:boldItalic r:id="rId34"/>
     </p:embeddedFont>
   </p:embeddedFontLst>
   <p:defaultTextStyle>
@@ -825,7 +826,7 @@
   <p:cSld>
     <p:spTree>
       <p:nvGrpSpPr>
-        <p:cNvPr id="210" name="Shape 210"/>
+        <p:cNvPr id="208" name="Shape 208"/>
         <p:cNvGrpSpPr/>
         <p:nvPr/>
       </p:nvGrpSpPr>
@@ -839,7 +840,7 @@
       </p:grpSpPr>
       <p:sp>
         <p:nvSpPr>
-          <p:cNvPr id="211" name="Google Shape;211;g159463dec81_0_496:notes"/>
+          <p:cNvPr id="209" name="Google Shape;209;g159463dec81_0_496:notes"/>
           <p:cNvSpPr/>
           <p:nvPr>
             <p:ph idx="2" type="sldImg"/>
@@ -874,7 +875,7 @@
       </p:sp>
       <p:sp>
         <p:nvSpPr>
-          <p:cNvPr id="212" name="Google Shape;212;g159463dec81_0_496:notes"/>
+          <p:cNvPr id="210" name="Google Shape;210;g159463dec81_0_496:notes"/>
           <p:cNvSpPr txBox="1"/>
           <p:nvPr>
             <p:ph idx="1" type="body"/>
@@ -924,7 +925,7 @@
   <p:cSld>
     <p:spTree>
       <p:nvGrpSpPr>
-        <p:cNvPr id="216" name="Shape 216"/>
+        <p:cNvPr id="214" name="Shape 214"/>
         <p:cNvGrpSpPr/>
         <p:nvPr/>
       </p:nvGrpSpPr>
@@ -938,7 +939,7 @@
       </p:grpSpPr>
       <p:sp>
         <p:nvSpPr>
-          <p:cNvPr id="217" name="Google Shape;217;g15a88f1c4d5_0_33:notes"/>
+          <p:cNvPr id="215" name="Google Shape;215;g159463dec81_0_513:notes"/>
           <p:cNvSpPr/>
           <p:nvPr>
             <p:ph idx="2" type="sldImg"/>
@@ -973,7 +974,7 @@
       </p:sp>
       <p:sp>
         <p:nvSpPr>
-          <p:cNvPr id="218" name="Google Shape;218;g15a88f1c4d5_0_33:notes"/>
+          <p:cNvPr id="216" name="Google Shape;216;g159463dec81_0_513:notes"/>
           <p:cNvSpPr txBox="1"/>
           <p:nvPr>
             <p:ph idx="1" type="body"/>
@@ -1023,7 +1024,7 @@
   <p:cSld>
     <p:spTree>
       <p:nvGrpSpPr>
-        <p:cNvPr id="227" name="Shape 227"/>
+        <p:cNvPr id="225" name="Shape 225"/>
         <p:cNvGrpSpPr/>
         <p:nvPr/>
       </p:nvGrpSpPr>
@@ -1037,7 +1038,7 @@
       </p:grpSpPr>
       <p:sp>
         <p:nvSpPr>
-          <p:cNvPr id="228" name="Google Shape;228;g159463dec81_0_503:notes"/>
+          <p:cNvPr id="226" name="Google Shape;226;g15a88f1c4d5_0_33:notes"/>
           <p:cNvSpPr/>
           <p:nvPr>
             <p:ph idx="2" type="sldImg"/>
@@ -1072,7 +1073,7 @@
       </p:sp>
       <p:sp>
         <p:nvSpPr>
-          <p:cNvPr id="229" name="Google Shape;229;g159463dec81_0_503:notes"/>
+          <p:cNvPr id="227" name="Google Shape;227;g15a88f1c4d5_0_33:notes"/>
           <p:cNvSpPr txBox="1"/>
           <p:nvPr>
             <p:ph idx="1" type="body"/>
@@ -1122,7 +1123,7 @@
   <p:cSld>
     <p:spTree>
       <p:nvGrpSpPr>
-        <p:cNvPr id="237" name="Shape 237"/>
+        <p:cNvPr id="236" name="Shape 236"/>
         <p:cNvGrpSpPr/>
         <p:nvPr/>
       </p:nvGrpSpPr>
@@ -1136,7 +1137,7 @@
       </p:grpSpPr>
       <p:sp>
         <p:nvSpPr>
-          <p:cNvPr id="238" name="Google Shape;238;g159463dec81_0_513:notes"/>
+          <p:cNvPr id="237" name="Google Shape;237;g159463dec81_0_503:notes"/>
           <p:cNvSpPr/>
           <p:nvPr>
             <p:ph idx="2" type="sldImg"/>
@@ -1171,7 +1172,7 @@
       </p:sp>
       <p:sp>
         <p:nvSpPr>
-          <p:cNvPr id="239" name="Google Shape;239;g159463dec81_0_513:notes"/>
+          <p:cNvPr id="238" name="Google Shape;238;g159463dec81_0_503:notes"/>
           <p:cNvSpPr txBox="1"/>
           <p:nvPr>
             <p:ph idx="1" type="body"/>
@@ -1221,7 +1222,7 @@
   <p:cSld>
     <p:spTree>
       <p:nvGrpSpPr>
-        <p:cNvPr id="248" name="Shape 248"/>
+        <p:cNvPr id="246" name="Shape 246"/>
         <p:cNvGrpSpPr/>
         <p:nvPr/>
       </p:nvGrpSpPr>
@@ -1235,7 +1236,7 @@
       </p:grpSpPr>
       <p:sp>
         <p:nvSpPr>
-          <p:cNvPr id="249" name="Google Shape;249;g159463dec81_0_533:notes"/>
+          <p:cNvPr id="247" name="Google Shape;247;g159463dec81_0_533:notes"/>
           <p:cNvSpPr/>
           <p:nvPr>
             <p:ph idx="2" type="sldImg"/>
@@ -1270,7 +1271,7 @@
       </p:sp>
       <p:sp>
         <p:nvSpPr>
-          <p:cNvPr id="250" name="Google Shape;250;g159463dec81_0_533:notes"/>
+          <p:cNvPr id="248" name="Google Shape;248;g159463dec81_0_533:notes"/>
           <p:cNvSpPr txBox="1"/>
           <p:nvPr>
             <p:ph idx="1" type="body"/>
@@ -1320,7 +1321,7 @@
   <p:cSld>
     <p:spTree>
       <p:nvGrpSpPr>
-        <p:cNvPr id="277" name="Shape 277"/>
+        <p:cNvPr id="275" name="Shape 275"/>
         <p:cNvGrpSpPr/>
         <p:nvPr/>
       </p:nvGrpSpPr>
@@ -1334,7 +1335,7 @@
       </p:grpSpPr>
       <p:sp>
         <p:nvSpPr>
-          <p:cNvPr id="278" name="Google Shape;278;g15a88f1c4d5_0_40:notes"/>
+          <p:cNvPr id="276" name="Google Shape;276;g15a88f1c4d5_0_40:notes"/>
           <p:cNvSpPr/>
           <p:nvPr>
             <p:ph idx="2" type="sldImg"/>
@@ -1369,7 +1370,7 @@
       </p:sp>
       <p:sp>
         <p:nvSpPr>
-          <p:cNvPr id="279" name="Google Shape;279;g15a88f1c4d5_0_40:notes"/>
+          <p:cNvPr id="277" name="Google Shape;277;g15a88f1c4d5_0_40:notes"/>
           <p:cNvSpPr txBox="1"/>
           <p:nvPr>
             <p:ph idx="1" type="body"/>
@@ -1419,7 +1420,7 @@
   <p:cSld>
     <p:spTree>
       <p:nvGrpSpPr>
-        <p:cNvPr id="293" name="Shape 293"/>
+        <p:cNvPr id="291" name="Shape 291"/>
         <p:cNvGrpSpPr/>
         <p:nvPr/>
       </p:nvGrpSpPr>
@@ -1433,7 +1434,7 @@
       </p:grpSpPr>
       <p:sp>
         <p:nvSpPr>
-          <p:cNvPr id="294" name="Google Shape;294;g15a88f1c4d5_0_90:notes"/>
+          <p:cNvPr id="292" name="Google Shape;292;g15a88f1c4d5_0_90:notes"/>
           <p:cNvSpPr/>
           <p:nvPr>
             <p:ph idx="2" type="sldImg"/>
@@ -1468,7 +1469,7 @@
       </p:sp>
       <p:sp>
         <p:nvSpPr>
-          <p:cNvPr id="295" name="Google Shape;295;g15a88f1c4d5_0_90:notes"/>
+          <p:cNvPr id="293" name="Google Shape;293;g15a88f1c4d5_0_90:notes"/>
           <p:cNvSpPr txBox="1"/>
           <p:nvPr>
             <p:ph idx="1" type="body"/>
@@ -1518,7 +1519,7 @@
   <p:cSld>
     <p:spTree>
       <p:nvGrpSpPr>
-        <p:cNvPr id="320" name="Shape 320"/>
+        <p:cNvPr id="318" name="Shape 318"/>
         <p:cNvGrpSpPr/>
         <p:nvPr/>
       </p:nvGrpSpPr>
@@ -1532,7 +1533,7 @@
       </p:grpSpPr>
       <p:sp>
         <p:nvSpPr>
-          <p:cNvPr id="321" name="Google Shape;321;g159463dec81_0_544:notes"/>
+          <p:cNvPr id="319" name="Google Shape;319;g159463dec81_0_544:notes"/>
           <p:cNvSpPr/>
           <p:nvPr>
             <p:ph idx="2" type="sldImg"/>
@@ -1567,7 +1568,7 @@
       </p:sp>
       <p:sp>
         <p:nvSpPr>
-          <p:cNvPr id="322" name="Google Shape;322;g159463dec81_0_544:notes"/>
+          <p:cNvPr id="320" name="Google Shape;320;g159463dec81_0_544:notes"/>
           <p:cNvSpPr txBox="1"/>
           <p:nvPr>
             <p:ph idx="1" type="body"/>
@@ -1617,7 +1618,7 @@
   <p:cSld>
     <p:spTree>
       <p:nvGrpSpPr>
-        <p:cNvPr id="328" name="Shape 328"/>
+        <p:cNvPr id="326" name="Shape 326"/>
         <p:cNvGrpSpPr/>
         <p:nvPr/>
       </p:nvGrpSpPr>
@@ -1631,7 +1632,7 @@
       </p:grpSpPr>
       <p:sp>
         <p:nvSpPr>
-          <p:cNvPr id="329" name="Google Shape;329;g159463dec81_0_552:notes"/>
+          <p:cNvPr id="327" name="Google Shape;327;g159463dec81_0_552:notes"/>
           <p:cNvSpPr/>
           <p:nvPr>
             <p:ph idx="2" type="sldImg"/>
@@ -1666,7 +1667,7 @@
       </p:sp>
       <p:sp>
         <p:nvSpPr>
-          <p:cNvPr id="330" name="Google Shape;330;g159463dec81_0_552:notes"/>
+          <p:cNvPr id="328" name="Google Shape;328;g159463dec81_0_552:notes"/>
           <p:cNvSpPr txBox="1"/>
           <p:nvPr>
             <p:ph idx="1" type="body"/>
@@ -1688,48 +1689,8 @@
           <a:lstStyle/>
           <a:p>
             <a:pPr indent="0" lvl="0" marL="0" rtl="0" algn="l">
-              <a:lnSpc>
-                <a:spcPct val="115000"/>
-              </a:lnSpc>
-              <a:spcBef>
-                <a:spcPts val="0"/>
-              </a:spcBef>
-              <a:spcAft>
-                <a:spcPts val="0"/>
-              </a:spcAft>
-              <a:buClr>
-                <a:schemeClr val="dk1"/>
-              </a:buClr>
-              <a:buSzPts val="1100"/>
-              <a:buFont typeface="Arial"/>
-              <a:buNone/>
-            </a:pPr>
-            <a:r>
-              <a:rPr lang="fr" sz="1300">
-                <a:solidFill>
-                  <a:schemeClr val="dk1"/>
-                </a:solidFill>
-                <a:latin typeface="Lato"/>
-                <a:ea typeface="Lato"/>
-                <a:cs typeface="Lato"/>
-                <a:sym typeface="Lato"/>
-              </a:rPr>
-              <a:t>Durant ce projet nous avons eu comme principale difficulté la construction de l’API pour les graphiques. Il a fallu créer des fonctions assez génériques afin de générer les différentes réponses concernant les questions en gérant les différents cas possibles de chacune.</a:t>
-            </a:r>
-            <a:endParaRPr sz="1300">
-              <a:solidFill>
-                <a:schemeClr val="dk1"/>
-              </a:solidFill>
-              <a:latin typeface="Lato"/>
-              <a:ea typeface="Lato"/>
-              <a:cs typeface="Lato"/>
-              <a:sym typeface="Lato"/>
-            </a:endParaRPr>
-          </a:p>
-          <a:p>
-            <a:pPr indent="0" lvl="0" marL="0" rtl="0" algn="l">
-              <a:spcBef>
-                <a:spcPts val="1200"/>
+              <a:spcBef>
+                <a:spcPts val="0"/>
               </a:spcBef>
               <a:spcAft>
                 <a:spcPts val="0"/>
@@ -1760,7 +1721,7 @@
   <p:cSld>
     <p:spTree>
       <p:nvGrpSpPr>
-        <p:cNvPr id="334" name="Shape 334"/>
+        <p:cNvPr id="332" name="Shape 332"/>
         <p:cNvGrpSpPr/>
         <p:nvPr/>
       </p:nvGrpSpPr>
@@ -1774,7 +1735,7 @@
       </p:grpSpPr>
       <p:sp>
         <p:nvSpPr>
-          <p:cNvPr id="335" name="Google Shape;335;g159463dec81_0_558:notes"/>
+          <p:cNvPr id="333" name="Google Shape;333;g159463dec81_0_558:notes"/>
           <p:cNvSpPr/>
           <p:nvPr>
             <p:ph idx="2" type="sldImg"/>
@@ -1809,7 +1770,7 @@
       </p:sp>
       <p:sp>
         <p:nvSpPr>
-          <p:cNvPr id="336" name="Google Shape;336;g159463dec81_0_558:notes"/>
+          <p:cNvPr id="334" name="Google Shape;334;g159463dec81_0_558:notes"/>
           <p:cNvSpPr txBox="1"/>
           <p:nvPr>
             <p:ph idx="1" type="body"/>
@@ -1947,12 +1908,7 @@
               <a:buNone/>
             </a:pPr>
             <a:r>
-              <a:rPr lang="fr" sz="1200">
-                <a:solidFill>
-                  <a:schemeClr val="dk1"/>
-                </a:solidFill>
-              </a:rPr>
-              <a:t>Bigscreen est une entreprise travaillant dans la VR qui est un secteur en forte expansion et à besoin d’avoir un outil qui leur permettrait de mieux cibler leur clientèle d’où la réalisation d’une application de sondage leur permettant de connaître leur attente.</a:t>
+              <a:t/>
             </a:r>
             <a:endParaRPr/>
           </a:p>
@@ -1971,7 +1927,7 @@
   <p:cSld>
     <p:spTree>
       <p:nvGrpSpPr>
-        <p:cNvPr id="343" name="Shape 343"/>
+        <p:cNvPr id="341" name="Shape 341"/>
         <p:cNvGrpSpPr/>
         <p:nvPr/>
       </p:nvGrpSpPr>
@@ -1985,7 +1941,7 @@
       </p:grpSpPr>
       <p:sp>
         <p:nvSpPr>
-          <p:cNvPr id="344" name="Google Shape;344;g15d7d46ca40_0_0:notes"/>
+          <p:cNvPr id="342" name="Google Shape;342;g161491b499f_0_1:notes"/>
           <p:cNvSpPr/>
           <p:nvPr>
             <p:ph idx="2" type="sldImg"/>
@@ -2020,7 +1976,106 @@
       </p:sp>
       <p:sp>
         <p:nvSpPr>
-          <p:cNvPr id="345" name="Google Shape;345;g15d7d46ca40_0_0:notes"/>
+          <p:cNvPr id="343" name="Google Shape;343;g161491b499f_0_1:notes"/>
+          <p:cNvSpPr txBox="1"/>
+          <p:nvPr>
+            <p:ph idx="1" type="body"/>
+          </p:nvPr>
+        </p:nvSpPr>
+        <p:spPr>
+          <a:xfrm>
+            <a:off x="685800" y="4343400"/>
+            <a:ext cx="5486400" cy="4114800"/>
+          </a:xfrm>
+          <a:prstGeom prst="rect">
+            <a:avLst/>
+          </a:prstGeom>
+        </p:spPr>
+        <p:txBody>
+          <a:bodyPr anchorCtr="0" anchor="t" bIns="91425" lIns="91425" spcFirstLastPara="1" rIns="91425" wrap="square" tIns="91425">
+            <a:noAutofit/>
+          </a:bodyPr>
+          <a:lstStyle/>
+          <a:p>
+            <a:pPr indent="0" lvl="0" marL="0" rtl="0" algn="l">
+              <a:spcBef>
+                <a:spcPts val="0"/>
+              </a:spcBef>
+              <a:spcAft>
+                <a:spcPts val="0"/>
+              </a:spcAft>
+              <a:buNone/>
+            </a:pPr>
+            <a:r>
+              <a:t/>
+            </a:r>
+            <a:endParaRPr/>
+          </a:p>
+        </p:txBody>
+      </p:sp>
+    </p:spTree>
+  </p:cSld>
+  <p:clrMapOvr>
+    <a:masterClrMapping/>
+  </p:clrMapOvr>
+</p:notes>
+</file>
+
+<file path=ppt/notesSlides/notesSlide21.xml><?xml version="1.0" encoding="utf-8"?>
+<p:notes xmlns:a="http://schemas.openxmlformats.org/drawingml/2006/main" xmlns:r="http://schemas.openxmlformats.org/officeDocument/2006/relationships" xmlns:mc="http://schemas.openxmlformats.org/markup-compatibility/2006" xmlns:mv="urn:schemas-microsoft-com:mac:vml" xmlns:p="http://schemas.openxmlformats.org/presentationml/2006/main" xmlns:c="http://schemas.openxmlformats.org/drawingml/2006/chart" xmlns:dgm="http://schemas.openxmlformats.org/drawingml/2006/diagram" xmlns:o="urn:schemas-microsoft-com:office:office" xmlns:v="urn:schemas-microsoft-com:vml" xmlns:pvml="urn:schemas-microsoft-com:office:powerpoint" xmlns:com="http://schemas.openxmlformats.org/drawingml/2006/compatibility" xmlns:p14="http://schemas.microsoft.com/office/powerpoint/2010/main" xmlns:p15="http://schemas.microsoft.com/office/powerpoint/2012/main" xmlns:ahyp="http://schemas.microsoft.com/office/drawing/2018/hyperlinkcolor" showMasterPhAnim="0" showMasterSp="0">
+  <p:cSld>
+    <p:spTree>
+      <p:nvGrpSpPr>
+        <p:cNvPr id="350" name="Shape 350"/>
+        <p:cNvGrpSpPr/>
+        <p:nvPr/>
+      </p:nvGrpSpPr>
+      <p:grpSpPr>
+        <a:xfrm>
+          <a:off x="0" y="0"/>
+          <a:ext cx="0" cy="0"/>
+          <a:chOff x="0" y="0"/>
+          <a:chExt cx="0" cy="0"/>
+        </a:xfrm>
+      </p:grpSpPr>
+      <p:sp>
+        <p:nvSpPr>
+          <p:cNvPr id="351" name="Google Shape;351;g15d7d46ca40_0_0:notes"/>
+          <p:cNvSpPr/>
+          <p:nvPr>
+            <p:ph idx="2" type="sldImg"/>
+          </p:nvPr>
+        </p:nvSpPr>
+        <p:spPr>
+          <a:xfrm>
+            <a:off x="381300" y="685800"/>
+            <a:ext cx="6096000" cy="3429000"/>
+          </a:xfrm>
+          <a:custGeom>
+            <a:rect b="b" l="l" r="r" t="t"/>
+            <a:pathLst>
+              <a:path extrusionOk="0" h="120000" w="120000">
+                <a:moveTo>
+                  <a:pt x="0" y="0"/>
+                </a:moveTo>
+                <a:lnTo>
+                  <a:pt x="120000" y="0"/>
+                </a:lnTo>
+                <a:lnTo>
+                  <a:pt x="120000" y="120000"/>
+                </a:lnTo>
+                <a:lnTo>
+                  <a:pt x="0" y="120000"/>
+                </a:lnTo>
+                <a:close/>
+              </a:path>
+            </a:pathLst>
+          </a:custGeom>
+        </p:spPr>
+      </p:sp>
+      <p:sp>
+        <p:nvSpPr>
+          <p:cNvPr id="352" name="Google Shape;352;g15d7d46ca40_0_0:notes"/>
           <p:cNvSpPr txBox="1"/>
           <p:nvPr>
             <p:ph idx="1" type="body"/>
@@ -2356,153 +2411,7 @@
               <a:buNone/>
             </a:pPr>
             <a:r>
-              <a:rPr lang="fr" sz="1200">
-                <a:solidFill>
-                  <a:schemeClr val="dk1"/>
-                </a:solidFill>
-              </a:rPr>
-              <a:t>Nous utiliserons la méthodologie agile car elle permet de s’adapter à la charge de travail en délivrant un travail fonctionnel en continue et permet de mieux diviser le travail étape par étape.</a:t>
-            </a:r>
-            <a:endParaRPr sz="1200">
-              <a:solidFill>
-                <a:schemeClr val="dk1"/>
-              </a:solidFill>
-            </a:endParaRPr>
-          </a:p>
-          <a:p>
-            <a:pPr indent="0" lvl="0" marL="0" rtl="0" algn="l">
-              <a:lnSpc>
-                <a:spcPct val="115000"/>
-              </a:lnSpc>
-              <a:spcBef>
-                <a:spcPts val="0"/>
-              </a:spcBef>
-              <a:spcAft>
-                <a:spcPts val="0"/>
-              </a:spcAft>
-              <a:buClr>
-                <a:schemeClr val="dk1"/>
-              </a:buClr>
-              <a:buSzPts val="1100"/>
-              <a:buFont typeface="Arial"/>
-              <a:buNone/>
-            </a:pPr>
-            <a:r>
               <a:t/>
-            </a:r>
-            <a:endParaRPr sz="1200">
-              <a:solidFill>
-                <a:schemeClr val="dk1"/>
-              </a:solidFill>
-            </a:endParaRPr>
-          </a:p>
-          <a:p>
-            <a:pPr indent="0" lvl="0" marL="0" rtl="0" algn="l">
-              <a:lnSpc>
-                <a:spcPct val="115000"/>
-              </a:lnSpc>
-              <a:spcBef>
-                <a:spcPts val="0"/>
-              </a:spcBef>
-              <a:spcAft>
-                <a:spcPts val="0"/>
-              </a:spcAft>
-              <a:buClr>
-                <a:schemeClr val="dk1"/>
-              </a:buClr>
-              <a:buSzPts val="1100"/>
-              <a:buFont typeface="Arial"/>
-              <a:buNone/>
-            </a:pPr>
-            <a:r>
-              <a:rPr lang="fr" sz="1200">
-                <a:solidFill>
-                  <a:schemeClr val="dk1"/>
-                </a:solidFill>
-              </a:rPr>
-              <a:t>Pour gérer le versionning nous utilisons la méthodologie git flow. Nous partons d’une branche main qui contient le code finalisé. A partir de celle-ci nous créons une branche par tâche de travail. Lorsque nous avons terminé la fonctionnalité du code nous faisons un merge dans la branche main. Ceci nous permet de travailler en équipe de façon efficace et structurée.</a:t>
-            </a:r>
-            <a:endParaRPr sz="1200">
-              <a:solidFill>
-                <a:schemeClr val="dk1"/>
-              </a:solidFill>
-            </a:endParaRPr>
-          </a:p>
-          <a:p>
-            <a:pPr indent="0" lvl="0" marL="0" rtl="0" algn="l">
-              <a:lnSpc>
-                <a:spcPct val="115000"/>
-              </a:lnSpc>
-              <a:spcBef>
-                <a:spcPts val="0"/>
-              </a:spcBef>
-              <a:spcAft>
-                <a:spcPts val="0"/>
-              </a:spcAft>
-              <a:buClr>
-                <a:schemeClr val="dk1"/>
-              </a:buClr>
-              <a:buSzPts val="1100"/>
-              <a:buFont typeface="Arial"/>
-              <a:buNone/>
-            </a:pPr>
-            <a:r>
-              <a:t/>
-            </a:r>
-            <a:endParaRPr sz="1200">
-              <a:solidFill>
-                <a:schemeClr val="dk1"/>
-              </a:solidFill>
-            </a:endParaRPr>
-          </a:p>
-          <a:p>
-            <a:pPr indent="0" lvl="0" marL="0" rtl="0" algn="l">
-              <a:lnSpc>
-                <a:spcPct val="115000"/>
-              </a:lnSpc>
-              <a:spcBef>
-                <a:spcPts val="0"/>
-              </a:spcBef>
-              <a:spcAft>
-                <a:spcPts val="0"/>
-              </a:spcAft>
-              <a:buClr>
-                <a:schemeClr val="dk1"/>
-              </a:buClr>
-              <a:buSzPts val="1100"/>
-              <a:buFont typeface="Arial"/>
-              <a:buNone/>
-            </a:pPr>
-            <a:r>
-              <a:rPr lang="fr" sz="1200">
-                <a:solidFill>
-                  <a:schemeClr val="dk1"/>
-                </a:solidFill>
-              </a:rPr>
-              <a:t>Nous utiliserons la convention de commit (détail </a:t>
-            </a:r>
-            <a:r>
-              <a:rPr lang="fr" sz="1200" u="sng">
-                <a:solidFill>
-                  <a:srgbClr val="1155CC"/>
-                </a:solidFill>
-                <a:hlinkClick r:id="rId2">
-                  <a:extLst>
-                    <a:ext uri="{A12FA001-AC4F-418D-AE19-62706E023703}">
-                      <ahyp:hlinkClr val="tx"/>
-                    </a:ext>
-                  </a:extLst>
-                </a:hlinkClick>
-              </a:rPr>
-              <a:t>ici</a:t>
-            </a:r>
-            <a:r>
-              <a:rPr lang="fr" sz="1200">
-                <a:solidFill>
-                  <a:schemeClr val="dk1"/>
-                </a:solidFill>
-              </a:rPr>
-              <a:t>) qui permet d’avoir une vue globale et simple des différents commits réalisés durant ce projet.</a:t>
             </a:r>
             <a:endParaRPr/>
           </a:p>
@@ -2521,7 +2430,7 @@
   <p:cSld>
     <p:spTree>
       <p:nvGrpSpPr>
-        <p:cNvPr id="180" name="Shape 180"/>
+        <p:cNvPr id="178" name="Shape 178"/>
         <p:cNvGrpSpPr/>
         <p:nvPr/>
       </p:nvGrpSpPr>
@@ -2535,7 +2444,7 @@
       </p:grpSpPr>
       <p:sp>
         <p:nvSpPr>
-          <p:cNvPr id="181" name="Google Shape;181;g15d5a191cf7_2_4:notes"/>
+          <p:cNvPr id="179" name="Google Shape;179;g15d5a191cf7_2_4:notes"/>
           <p:cNvSpPr/>
           <p:nvPr>
             <p:ph idx="2" type="sldImg"/>
@@ -2570,7 +2479,7 @@
       </p:sp>
       <p:sp>
         <p:nvSpPr>
-          <p:cNvPr id="182" name="Google Shape;182;g15d5a191cf7_2_4:notes"/>
+          <p:cNvPr id="180" name="Google Shape;180;g15d5a191cf7_2_4:notes"/>
           <p:cNvSpPr txBox="1"/>
           <p:nvPr>
             <p:ph idx="1" type="body"/>
@@ -2609,153 +2518,7 @@
               <a:buNone/>
             </a:pPr>
             <a:r>
-              <a:rPr lang="fr" sz="1200">
-                <a:solidFill>
-                  <a:schemeClr val="dk1"/>
-                </a:solidFill>
-              </a:rPr>
-              <a:t>Nous utiliserons la méthodologie agile car elle permet de s’adapter à la charge de travail en délivrant un travail fonctionnel en continue et permet de mieux diviser le travail étape par étape.</a:t>
-            </a:r>
-            <a:endParaRPr sz="1200">
-              <a:solidFill>
-                <a:schemeClr val="dk1"/>
-              </a:solidFill>
-            </a:endParaRPr>
-          </a:p>
-          <a:p>
-            <a:pPr indent="0" lvl="0" marL="0" rtl="0" algn="l">
-              <a:lnSpc>
-                <a:spcPct val="115000"/>
-              </a:lnSpc>
-              <a:spcBef>
-                <a:spcPts val="0"/>
-              </a:spcBef>
-              <a:spcAft>
-                <a:spcPts val="0"/>
-              </a:spcAft>
-              <a:buClr>
-                <a:schemeClr val="dk1"/>
-              </a:buClr>
-              <a:buSzPts val="1100"/>
-              <a:buFont typeface="Arial"/>
-              <a:buNone/>
-            </a:pPr>
-            <a:r>
               <a:t/>
-            </a:r>
-            <a:endParaRPr sz="1200">
-              <a:solidFill>
-                <a:schemeClr val="dk1"/>
-              </a:solidFill>
-            </a:endParaRPr>
-          </a:p>
-          <a:p>
-            <a:pPr indent="0" lvl="0" marL="0" rtl="0" algn="l">
-              <a:lnSpc>
-                <a:spcPct val="115000"/>
-              </a:lnSpc>
-              <a:spcBef>
-                <a:spcPts val="0"/>
-              </a:spcBef>
-              <a:spcAft>
-                <a:spcPts val="0"/>
-              </a:spcAft>
-              <a:buClr>
-                <a:schemeClr val="dk1"/>
-              </a:buClr>
-              <a:buSzPts val="1100"/>
-              <a:buFont typeface="Arial"/>
-              <a:buNone/>
-            </a:pPr>
-            <a:r>
-              <a:rPr lang="fr" sz="1200">
-                <a:solidFill>
-                  <a:schemeClr val="dk1"/>
-                </a:solidFill>
-              </a:rPr>
-              <a:t>Pour gérer le versionning nous utilisons la méthodologie git flow. Nous partons d’une branche main qui contient le code finalisé. A partir de celle-ci nous créons une branche par tâche de travail. Lorsque nous avons terminé la fonctionnalité du code nous faisons un merge dans la branche main. Ceci nous permet de travailler en équipe de façon efficace et structurée.</a:t>
-            </a:r>
-            <a:endParaRPr sz="1200">
-              <a:solidFill>
-                <a:schemeClr val="dk1"/>
-              </a:solidFill>
-            </a:endParaRPr>
-          </a:p>
-          <a:p>
-            <a:pPr indent="0" lvl="0" marL="0" rtl="0" algn="l">
-              <a:lnSpc>
-                <a:spcPct val="115000"/>
-              </a:lnSpc>
-              <a:spcBef>
-                <a:spcPts val="0"/>
-              </a:spcBef>
-              <a:spcAft>
-                <a:spcPts val="0"/>
-              </a:spcAft>
-              <a:buClr>
-                <a:schemeClr val="dk1"/>
-              </a:buClr>
-              <a:buSzPts val="1100"/>
-              <a:buFont typeface="Arial"/>
-              <a:buNone/>
-            </a:pPr>
-            <a:r>
-              <a:t/>
-            </a:r>
-            <a:endParaRPr sz="1200">
-              <a:solidFill>
-                <a:schemeClr val="dk1"/>
-              </a:solidFill>
-            </a:endParaRPr>
-          </a:p>
-          <a:p>
-            <a:pPr indent="0" lvl="0" marL="0" rtl="0" algn="l">
-              <a:lnSpc>
-                <a:spcPct val="115000"/>
-              </a:lnSpc>
-              <a:spcBef>
-                <a:spcPts val="0"/>
-              </a:spcBef>
-              <a:spcAft>
-                <a:spcPts val="0"/>
-              </a:spcAft>
-              <a:buClr>
-                <a:schemeClr val="dk1"/>
-              </a:buClr>
-              <a:buSzPts val="1100"/>
-              <a:buFont typeface="Arial"/>
-              <a:buNone/>
-            </a:pPr>
-            <a:r>
-              <a:rPr lang="fr" sz="1200">
-                <a:solidFill>
-                  <a:schemeClr val="dk1"/>
-                </a:solidFill>
-              </a:rPr>
-              <a:t>Nous utiliserons la convention de commit (détail </a:t>
-            </a:r>
-            <a:r>
-              <a:rPr lang="fr" sz="1200" u="sng">
-                <a:solidFill>
-                  <a:srgbClr val="1155CC"/>
-                </a:solidFill>
-                <a:hlinkClick r:id="rId2">
-                  <a:extLst>
-                    <a:ext uri="{A12FA001-AC4F-418D-AE19-62706E023703}">
-                      <ahyp:hlinkClr val="tx"/>
-                    </a:ext>
-                  </a:extLst>
-                </a:hlinkClick>
-              </a:rPr>
-              <a:t>ici</a:t>
-            </a:r>
-            <a:r>
-              <a:rPr lang="fr" sz="1200">
-                <a:solidFill>
-                  <a:schemeClr val="dk1"/>
-                </a:solidFill>
-              </a:rPr>
-              <a:t>) qui permet d’avoir une vue globale et simple des différents commits réalisés durant ce projet.</a:t>
             </a:r>
             <a:endParaRPr/>
           </a:p>
@@ -2774,7 +2537,7 @@
   <p:cSld>
     <p:spTree>
       <p:nvGrpSpPr>
-        <p:cNvPr id="186" name="Shape 186"/>
+        <p:cNvPr id="184" name="Shape 184"/>
         <p:cNvGrpSpPr/>
         <p:nvPr/>
       </p:nvGrpSpPr>
@@ -2788,7 +2551,7 @@
       </p:grpSpPr>
       <p:sp>
         <p:nvSpPr>
-          <p:cNvPr id="187" name="Google Shape;187;g15d5a191cf7_2_38:notes"/>
+          <p:cNvPr id="185" name="Google Shape;185;g15d5a191cf7_2_38:notes"/>
           <p:cNvSpPr/>
           <p:nvPr>
             <p:ph idx="2" type="sldImg"/>
@@ -2823,7 +2586,7 @@
       </p:sp>
       <p:sp>
         <p:nvSpPr>
-          <p:cNvPr id="188" name="Google Shape;188;g15d5a191cf7_2_38:notes"/>
+          <p:cNvPr id="186" name="Google Shape;186;g15d5a191cf7_2_38:notes"/>
           <p:cNvSpPr txBox="1"/>
           <p:nvPr>
             <p:ph idx="1" type="body"/>
@@ -2873,7 +2636,7 @@
   <p:cSld>
     <p:spTree>
       <p:nvGrpSpPr>
-        <p:cNvPr id="193" name="Shape 193"/>
+        <p:cNvPr id="191" name="Shape 191"/>
         <p:cNvGrpSpPr/>
         <p:nvPr/>
       </p:nvGrpSpPr>
@@ -2887,7 +2650,7 @@
       </p:grpSpPr>
       <p:sp>
         <p:nvSpPr>
-          <p:cNvPr id="194" name="Google Shape;194;g159463dec81_0_468:notes"/>
+          <p:cNvPr id="192" name="Google Shape;192;g159463dec81_0_468:notes"/>
           <p:cNvSpPr/>
           <p:nvPr>
             <p:ph idx="2" type="sldImg"/>
@@ -2922,7 +2685,7 @@
       </p:sp>
       <p:sp>
         <p:nvSpPr>
-          <p:cNvPr id="195" name="Google Shape;195;g159463dec81_0_468:notes"/>
+          <p:cNvPr id="193" name="Google Shape;193;g159463dec81_0_468:notes"/>
           <p:cNvSpPr txBox="1"/>
           <p:nvPr>
             <p:ph idx="1" type="body"/>
@@ -2961,215 +2724,7 @@
               <a:buNone/>
             </a:pPr>
             <a:r>
-              <a:rPr lang="fr" sz="1200">
-                <a:solidFill>
-                  <a:schemeClr val="dk1"/>
-                </a:solidFill>
-              </a:rPr>
-              <a:t>Concernant les différentes fonctionnalités du projet nous avons utilisés </a:t>
-            </a:r>
-            <a:r>
-              <a:rPr lang="fr" sz="1200" u="sng">
-                <a:solidFill>
-                  <a:srgbClr val="1155CC"/>
-                </a:solidFill>
-                <a:hlinkClick r:id="rId2">
-                  <a:extLst>
-                    <a:ext uri="{A12FA001-AC4F-418D-AE19-62706E023703}">
-                      <ahyp:hlinkClr val="tx"/>
-                    </a:ext>
-                  </a:extLst>
-                </a:hlinkClick>
-              </a:rPr>
-              <a:t>jira</a:t>
-            </a:r>
-            <a:r>
-              <a:rPr lang="fr" sz="1200">
-                <a:solidFill>
-                  <a:schemeClr val="dk1"/>
-                </a:solidFill>
-              </a:rPr>
-              <a:t> qui permet d’avoir un aperçus des différents tickets à traiter durant le projet: </a:t>
-            </a:r>
-            <a:endParaRPr sz="1200">
-              <a:solidFill>
-                <a:schemeClr val="dk1"/>
-              </a:solidFill>
-            </a:endParaRPr>
-          </a:p>
-          <a:p>
-            <a:pPr indent="0" lvl="0" marL="0" rtl="0" algn="l">
-              <a:lnSpc>
-                <a:spcPct val="115000"/>
-              </a:lnSpc>
-              <a:spcBef>
-                <a:spcPts val="0"/>
-              </a:spcBef>
-              <a:spcAft>
-                <a:spcPts val="0"/>
-              </a:spcAft>
-              <a:buClr>
-                <a:schemeClr val="dk1"/>
-              </a:buClr>
-              <a:buSzPts val="1100"/>
-              <a:buFont typeface="Arial"/>
-              <a:buNone/>
-            </a:pPr>
-            <a:r>
-              <a:rPr b="1" lang="fr" sz="1200" u="sng">
-                <a:solidFill>
-                  <a:srgbClr val="1155CC"/>
-                </a:solidFill>
-                <a:hlinkClick r:id="rId3">
-                  <a:extLst>
-                    <a:ext uri="{A12FA001-AC4F-418D-AE19-62706E023703}">
-                      <ahyp:hlinkClr val="tx"/>
-                    </a:ext>
-                  </a:extLst>
-                </a:hlinkClick>
-              </a:rPr>
-              <a:t>https://cyrilmarceau.atlassian.net/jira/software/projects/BIG/boards/2</a:t>
-            </a:r>
-            <a:endParaRPr b="1" sz="1200">
-              <a:solidFill>
-                <a:schemeClr val="dk1"/>
-              </a:solidFill>
-            </a:endParaRPr>
-          </a:p>
-          <a:p>
-            <a:pPr indent="0" lvl="0" marL="0" rtl="0" algn="l">
-              <a:lnSpc>
-                <a:spcPct val="115000"/>
-              </a:lnSpc>
-              <a:spcBef>
-                <a:spcPts val="0"/>
-              </a:spcBef>
-              <a:spcAft>
-                <a:spcPts val="0"/>
-              </a:spcAft>
-              <a:buClr>
-                <a:schemeClr val="dk1"/>
-              </a:buClr>
-              <a:buSzPts val="1100"/>
-              <a:buFont typeface="Arial"/>
-              <a:buNone/>
-            </a:pPr>
-            <a:r>
               <a:t/>
-            </a:r>
-            <a:endParaRPr b="1" sz="1200">
-              <a:solidFill>
-                <a:schemeClr val="dk1"/>
-              </a:solidFill>
-            </a:endParaRPr>
-          </a:p>
-          <a:p>
-            <a:pPr indent="0" lvl="0" marL="0" rtl="0" algn="l">
-              <a:lnSpc>
-                <a:spcPct val="115000"/>
-              </a:lnSpc>
-              <a:spcBef>
-                <a:spcPts val="0"/>
-              </a:spcBef>
-              <a:spcAft>
-                <a:spcPts val="0"/>
-              </a:spcAft>
-              <a:buClr>
-                <a:schemeClr val="dk1"/>
-              </a:buClr>
-              <a:buSzPts val="1100"/>
-              <a:buFont typeface="Arial"/>
-              <a:buNone/>
-            </a:pPr>
-            <a:r>
-              <a:rPr lang="fr" sz="1200">
-                <a:solidFill>
-                  <a:schemeClr val="dk1"/>
-                </a:solidFill>
-              </a:rPr>
-              <a:t>Pour le versionning nous utilisons </a:t>
-            </a:r>
-            <a:r>
-              <a:rPr lang="fr" sz="1200" u="sng">
-                <a:solidFill>
-                  <a:srgbClr val="1155CC"/>
-                </a:solidFill>
-                <a:hlinkClick r:id="rId4">
-                  <a:extLst>
-                    <a:ext uri="{A12FA001-AC4F-418D-AE19-62706E023703}">
-                      <ahyp:hlinkClr val="tx"/>
-                    </a:ext>
-                  </a:extLst>
-                </a:hlinkClick>
-              </a:rPr>
-              <a:t>github</a:t>
-            </a:r>
-            <a:r>
-              <a:rPr lang="fr" sz="1200">
-                <a:solidFill>
-                  <a:schemeClr val="dk1"/>
-                </a:solidFill>
-              </a:rPr>
-              <a:t>.</a:t>
-            </a:r>
-            <a:endParaRPr sz="1200">
-              <a:solidFill>
-                <a:schemeClr val="dk1"/>
-              </a:solidFill>
-            </a:endParaRPr>
-          </a:p>
-          <a:p>
-            <a:pPr indent="0" lvl="0" marL="0" rtl="0" algn="l">
-              <a:lnSpc>
-                <a:spcPct val="115000"/>
-              </a:lnSpc>
-              <a:spcBef>
-                <a:spcPts val="0"/>
-              </a:spcBef>
-              <a:spcAft>
-                <a:spcPts val="0"/>
-              </a:spcAft>
-              <a:buClr>
-                <a:schemeClr val="dk1"/>
-              </a:buClr>
-              <a:buSzPts val="1100"/>
-              <a:buFont typeface="Arial"/>
-              <a:buNone/>
-            </a:pPr>
-            <a:r>
-              <a:t/>
-            </a:r>
-            <a:endParaRPr sz="1200">
-              <a:solidFill>
-                <a:schemeClr val="dk1"/>
-              </a:solidFill>
-            </a:endParaRPr>
-          </a:p>
-          <a:p>
-            <a:pPr indent="0" lvl="0" marL="0" rtl="0" algn="l">
-              <a:lnSpc>
-                <a:spcPct val="115000"/>
-              </a:lnSpc>
-              <a:spcBef>
-                <a:spcPts val="0"/>
-              </a:spcBef>
-              <a:spcAft>
-                <a:spcPts val="0"/>
-              </a:spcAft>
-              <a:buClr>
-                <a:schemeClr val="dk1"/>
-              </a:buClr>
-              <a:buSzPts val="1100"/>
-              <a:buFont typeface="Arial"/>
-              <a:buNone/>
-            </a:pPr>
-            <a:r>
-              <a:rPr lang="fr" sz="1200">
-                <a:solidFill>
-                  <a:schemeClr val="dk1"/>
-                </a:solidFill>
-              </a:rPr>
-              <a:t>Pour la mise en forme du schéma de la base de données nous utiliserons DB diagram. Un outil spécialement adapté pour les développeurs qui permet de relier le code avec la représentation visuelle des tables.</a:t>
             </a:r>
             <a:endParaRPr/>
           </a:p>
@@ -3188,7 +2743,7 @@
   <p:cSld>
     <p:spTree>
       <p:nvGrpSpPr>
-        <p:cNvPr id="205" name="Shape 205"/>
+        <p:cNvPr id="203" name="Shape 203"/>
         <p:cNvGrpSpPr/>
         <p:nvPr/>
       </p:nvGrpSpPr>
@@ -3202,7 +2757,7 @@
       </p:grpSpPr>
       <p:sp>
         <p:nvSpPr>
-          <p:cNvPr id="206" name="Google Shape;206;g159463dec81_0_489:notes"/>
+          <p:cNvPr id="204" name="Google Shape;204;g159463dec81_0_489:notes"/>
           <p:cNvSpPr/>
           <p:nvPr>
             <p:ph idx="2" type="sldImg"/>
@@ -3237,7 +2792,7 @@
       </p:sp>
       <p:sp>
         <p:nvSpPr>
-          <p:cNvPr id="207" name="Google Shape;207;g159463dec81_0_489:notes"/>
+          <p:cNvPr id="205" name="Google Shape;205;g159463dec81_0_489:notes"/>
           <p:cNvSpPr txBox="1"/>
           <p:nvPr>
             <p:ph idx="1" type="body"/>
@@ -11742,7 +11297,7 @@
   <p:cSld>
     <p:spTree>
       <p:nvGrpSpPr>
-        <p:cNvPr id="213" name="Shape 213"/>
+        <p:cNvPr id="211" name="Shape 211"/>
         <p:cNvGrpSpPr/>
         <p:nvPr/>
       </p:nvGrpSpPr>
@@ -11756,7 +11311,7 @@
       </p:grpSpPr>
       <p:pic>
         <p:nvPicPr>
-          <p:cNvPr id="214" name="Google Shape;214;p22"/>
+          <p:cNvPr id="212" name="Google Shape;212;p22"/>
           <p:cNvPicPr preferRelativeResize="0"/>
           <p:nvPr/>
         </p:nvPicPr>
@@ -11784,7 +11339,7 @@
       </p:pic>
       <p:sp>
         <p:nvSpPr>
-          <p:cNvPr id="215" name="Google Shape;215;p22"/>
+          <p:cNvPr id="213" name="Google Shape;213;p22"/>
           <p:cNvSpPr txBox="1"/>
           <p:nvPr>
             <p:ph type="title"/>
@@ -11861,7 +11416,7 @@
                                           </p:stCondLst>
                                         </p:cTn>
                                         <p:tgtEl>
-                                          <p:spTgt spid="215"/>
+                                          <p:spTgt spid="213"/>
                                         </p:tgtEl>
                                         <p:attrNameLst>
                                           <p:attrName>style.visibility</p:attrName>
@@ -11875,7 +11430,7 @@
                                       <p:cBhvr>
                                         <p:cTn dur="1000"/>
                                         <p:tgtEl>
-                                          <p:spTgt spid="215"/>
+                                          <p:spTgt spid="213"/>
                                         </p:tgtEl>
                                       </p:cBhvr>
                                     </p:animEffect>
@@ -11914,7 +11469,7 @@
                                           </p:stCondLst>
                                         </p:cTn>
                                         <p:tgtEl>
-                                          <p:spTgt spid="214"/>
+                                          <p:spTgt spid="212"/>
                                         </p:tgtEl>
                                         <p:attrNameLst>
                                           <p:attrName>style.visibility</p:attrName>
@@ -11928,7 +11483,7 @@
                                       <p:cBhvr>
                                         <p:cTn dur="1000"/>
                                         <p:tgtEl>
-                                          <p:spTgt spid="214"/>
+                                          <p:spTgt spid="212"/>
                                         </p:tgtEl>
                                       </p:cBhvr>
                                     </p:animEffect>
@@ -11971,7 +11526,7 @@
   <p:cSld>
     <p:spTree>
       <p:nvGrpSpPr>
-        <p:cNvPr id="219" name="Shape 219"/>
+        <p:cNvPr id="217" name="Shape 217"/>
         <p:cNvGrpSpPr/>
         <p:nvPr/>
       </p:nvGrpSpPr>
@@ -11985,7 +11540,617 @@
       </p:grpSpPr>
       <p:sp>
         <p:nvSpPr>
+          <p:cNvPr id="218" name="Google Shape;218;p23"/>
+          <p:cNvSpPr/>
+          <p:nvPr/>
+        </p:nvSpPr>
+        <p:spPr>
+          <a:xfrm>
+            <a:off x="4962300" y="1676150"/>
+            <a:ext cx="3791400" cy="2760000"/>
+          </a:xfrm>
+          <a:prstGeom prst="rect">
+            <a:avLst/>
+          </a:prstGeom>
+          <a:solidFill>
+            <a:schemeClr val="lt1"/>
+          </a:solidFill>
+          <a:ln cap="flat" cmpd="sng" w="9525">
+            <a:solidFill>
+              <a:schemeClr val="dk2"/>
+            </a:solidFill>
+            <a:prstDash val="solid"/>
+            <a:round/>
+            <a:headEnd len="sm" w="sm" type="none"/>
+            <a:tailEnd len="sm" w="sm" type="none"/>
+          </a:ln>
+        </p:spPr>
+        <p:txBody>
+          <a:bodyPr anchorCtr="0" anchor="ctr" bIns="91425" lIns="91425" spcFirstLastPara="1" rIns="91425" wrap="square" tIns="91425">
+            <a:noAutofit/>
+          </a:bodyPr>
+          <a:lstStyle/>
+          <a:p>
+            <a:pPr indent="0" lvl="0" marL="0" rtl="0" algn="l">
+              <a:spcBef>
+                <a:spcPts val="0"/>
+              </a:spcBef>
+              <a:spcAft>
+                <a:spcPts val="0"/>
+              </a:spcAft>
+              <a:buNone/>
+            </a:pPr>
+            <a:r>
+              <a:t/>
+            </a:r>
+            <a:endParaRPr/>
+          </a:p>
+        </p:txBody>
+      </p:sp>
+      <p:sp>
+        <p:nvSpPr>
+          <p:cNvPr id="219" name="Google Shape;219;p23"/>
+          <p:cNvSpPr txBox="1"/>
+          <p:nvPr>
+            <p:ph type="title"/>
+          </p:nvPr>
+        </p:nvSpPr>
+        <p:spPr>
+          <a:xfrm>
+            <a:off x="1297500" y="393750"/>
+            <a:ext cx="7038900" cy="914100"/>
+          </a:xfrm>
+          <a:prstGeom prst="rect">
+            <a:avLst/>
+          </a:prstGeom>
+        </p:spPr>
+        <p:txBody>
+          <a:bodyPr anchorCtr="0" anchor="t" bIns="91425" lIns="91425" spcFirstLastPara="1" rIns="91425" wrap="square" tIns="91425">
+            <a:normAutofit/>
+          </a:bodyPr>
+          <a:lstStyle/>
+          <a:p>
+            <a:pPr indent="0" lvl="0" marL="0" rtl="0" algn="l">
+              <a:spcBef>
+                <a:spcPts val="0"/>
+              </a:spcBef>
+              <a:spcAft>
+                <a:spcPts val="0"/>
+              </a:spcAft>
+              <a:buNone/>
+            </a:pPr>
+            <a:r>
+              <a:rPr lang="fr"/>
+              <a:t>Wireframe - client</a:t>
+            </a:r>
+            <a:endParaRPr/>
+          </a:p>
+        </p:txBody>
+      </p:sp>
+      <p:pic>
+        <p:nvPicPr>
           <p:cNvPr id="220" name="Google Shape;220;p23"/>
+          <p:cNvPicPr preferRelativeResize="0"/>
+          <p:nvPr/>
+        </p:nvPicPr>
+        <p:blipFill rotWithShape="1">
+          <a:blip r:embed="rId3">
+            <a:alphaModFix/>
+          </a:blip>
+          <a:srcRect b="0" l="2389" r="1271" t="0"/>
+          <a:stretch/>
+        </p:blipFill>
+        <p:spPr>
+          <a:xfrm>
+            <a:off x="5025025" y="1721475"/>
+            <a:ext cx="3679877" cy="2669324"/>
+          </a:xfrm>
+          <a:prstGeom prst="rect">
+            <a:avLst/>
+          </a:prstGeom>
+          <a:noFill/>
+          <a:ln>
+            <a:noFill/>
+          </a:ln>
+        </p:spPr>
+      </p:pic>
+      <p:sp>
+        <p:nvSpPr>
+          <p:cNvPr id="221" name="Google Shape;221;p23"/>
+          <p:cNvSpPr/>
+          <p:nvPr/>
+        </p:nvSpPr>
+        <p:spPr>
+          <a:xfrm>
+            <a:off x="327550" y="1679275"/>
+            <a:ext cx="4132800" cy="2760000"/>
+          </a:xfrm>
+          <a:prstGeom prst="rect">
+            <a:avLst/>
+          </a:prstGeom>
+          <a:solidFill>
+            <a:schemeClr val="lt1"/>
+          </a:solidFill>
+          <a:ln cap="flat" cmpd="sng" w="9525">
+            <a:solidFill>
+              <a:schemeClr val="dk2"/>
+            </a:solidFill>
+            <a:prstDash val="solid"/>
+            <a:round/>
+            <a:headEnd len="sm" w="sm" type="none"/>
+            <a:tailEnd len="sm" w="sm" type="none"/>
+          </a:ln>
+        </p:spPr>
+        <p:txBody>
+          <a:bodyPr anchorCtr="0" anchor="ctr" bIns="91425" lIns="91425" spcFirstLastPara="1" rIns="91425" wrap="square" tIns="91425">
+            <a:noAutofit/>
+          </a:bodyPr>
+          <a:lstStyle/>
+          <a:p>
+            <a:pPr indent="0" lvl="0" marL="0" rtl="0" algn="l">
+              <a:spcBef>
+                <a:spcPts val="0"/>
+              </a:spcBef>
+              <a:spcAft>
+                <a:spcPts val="0"/>
+              </a:spcAft>
+              <a:buNone/>
+            </a:pPr>
+            <a:r>
+              <a:t/>
+            </a:r>
+            <a:endParaRPr/>
+          </a:p>
+        </p:txBody>
+      </p:sp>
+      <p:sp>
+        <p:nvSpPr>
+          <p:cNvPr id="222" name="Google Shape;222;p23"/>
+          <p:cNvSpPr txBox="1"/>
+          <p:nvPr/>
+        </p:nvSpPr>
+        <p:spPr>
+          <a:xfrm>
+            <a:off x="1192100" y="1307838"/>
+            <a:ext cx="2410800" cy="338700"/>
+          </a:xfrm>
+          <a:prstGeom prst="rect">
+            <a:avLst/>
+          </a:prstGeom>
+          <a:noFill/>
+          <a:ln>
+            <a:noFill/>
+          </a:ln>
+        </p:spPr>
+        <p:txBody>
+          <a:bodyPr anchorCtr="0" anchor="t" bIns="91425" lIns="91425" spcFirstLastPara="1" rIns="91425" wrap="square" tIns="91425">
+            <a:spAutoFit/>
+          </a:bodyPr>
+          <a:lstStyle/>
+          <a:p>
+            <a:pPr indent="0" lvl="0" marL="0" rtl="0" algn="ctr">
+              <a:spcBef>
+                <a:spcPts val="0"/>
+              </a:spcBef>
+              <a:spcAft>
+                <a:spcPts val="0"/>
+              </a:spcAft>
+              <a:buNone/>
+            </a:pPr>
+            <a:r>
+              <a:rPr i="1" lang="fr" sz="1000">
+                <a:solidFill>
+                  <a:srgbClr val="FFFFFF"/>
+                </a:solidFill>
+                <a:latin typeface="Lato"/>
+                <a:ea typeface="Lato"/>
+                <a:cs typeface="Lato"/>
+                <a:sym typeface="Lato"/>
+              </a:rPr>
+              <a:t>Questionnaire</a:t>
+            </a:r>
+            <a:endParaRPr i="1" sz="1000">
+              <a:solidFill>
+                <a:srgbClr val="FFFFFF"/>
+              </a:solidFill>
+              <a:latin typeface="Lato"/>
+              <a:ea typeface="Lato"/>
+              <a:cs typeface="Lato"/>
+              <a:sym typeface="Lato"/>
+            </a:endParaRPr>
+          </a:p>
+        </p:txBody>
+      </p:sp>
+      <p:sp>
+        <p:nvSpPr>
+          <p:cNvPr id="223" name="Google Shape;223;p23"/>
+          <p:cNvSpPr txBox="1"/>
+          <p:nvPr/>
+        </p:nvSpPr>
+        <p:spPr>
+          <a:xfrm>
+            <a:off x="5659563" y="1307838"/>
+            <a:ext cx="2410800" cy="338700"/>
+          </a:xfrm>
+          <a:prstGeom prst="rect">
+            <a:avLst/>
+          </a:prstGeom>
+          <a:noFill/>
+          <a:ln>
+            <a:noFill/>
+          </a:ln>
+        </p:spPr>
+        <p:txBody>
+          <a:bodyPr anchorCtr="0" anchor="t" bIns="91425" lIns="91425" spcFirstLastPara="1" rIns="91425" wrap="square" tIns="91425">
+            <a:spAutoFit/>
+          </a:bodyPr>
+          <a:lstStyle/>
+          <a:p>
+            <a:pPr indent="0" lvl="0" marL="0" rtl="0" algn="ctr">
+              <a:spcBef>
+                <a:spcPts val="0"/>
+              </a:spcBef>
+              <a:spcAft>
+                <a:spcPts val="0"/>
+              </a:spcAft>
+              <a:buNone/>
+            </a:pPr>
+            <a:r>
+              <a:rPr i="1" lang="fr" sz="1000">
+                <a:solidFill>
+                  <a:srgbClr val="FFFFFF"/>
+                </a:solidFill>
+                <a:latin typeface="Lato"/>
+                <a:ea typeface="Lato"/>
+                <a:cs typeface="Lato"/>
+                <a:sym typeface="Lato"/>
+              </a:rPr>
+              <a:t>Réponses d’un sondé</a:t>
+            </a:r>
+            <a:endParaRPr i="1" sz="1000">
+              <a:solidFill>
+                <a:srgbClr val="FFFFFF"/>
+              </a:solidFill>
+              <a:latin typeface="Lato"/>
+              <a:ea typeface="Lato"/>
+              <a:cs typeface="Lato"/>
+              <a:sym typeface="Lato"/>
+            </a:endParaRPr>
+          </a:p>
+        </p:txBody>
+      </p:sp>
+      <p:pic>
+        <p:nvPicPr>
+          <p:cNvPr id="224" name="Google Shape;224;p23"/>
+          <p:cNvPicPr preferRelativeResize="0"/>
+          <p:nvPr/>
+        </p:nvPicPr>
+        <p:blipFill>
+          <a:blip r:embed="rId4">
+            <a:alphaModFix/>
+          </a:blip>
+          <a:stretch>
+            <a:fillRect/>
+          </a:stretch>
+        </p:blipFill>
+        <p:spPr>
+          <a:xfrm>
+            <a:off x="327550" y="1684100"/>
+            <a:ext cx="4132797" cy="2760000"/>
+          </a:xfrm>
+          <a:prstGeom prst="rect">
+            <a:avLst/>
+          </a:prstGeom>
+          <a:noFill/>
+          <a:ln>
+            <a:noFill/>
+          </a:ln>
+        </p:spPr>
+      </p:pic>
+    </p:spTree>
+  </p:cSld>
+  <p:clrMapOvr>
+    <a:masterClrMapping/>
+  </p:clrMapOvr>
+  <p:timing>
+    <p:tnLst>
+      <p:par>
+        <p:cTn dur="indefinite" nodeType="tmRoot" restart="never">
+          <p:childTnLst>
+            <p:seq concurrent="1" nextAc="seek">
+              <p:cTn dur="indefinite" id="2" nodeType="mainSeq">
+                <p:childTnLst>
+                  <p:par>
+                    <p:cTn fill="hold">
+                      <p:stCondLst>
+                        <p:cond delay="indefinite"/>
+                      </p:stCondLst>
+                      <p:childTnLst>
+                        <p:par>
+                          <p:cTn fill="hold">
+                            <p:stCondLst>
+                              <p:cond delay="0"/>
+                            </p:stCondLst>
+                            <p:childTnLst>
+                              <p:par>
+                                <p:cTn fill="hold" nodeType="clickEffect" presetClass="entr" presetID="10" presetSubtype="0">
+                                  <p:stCondLst>
+                                    <p:cond delay="0"/>
+                                  </p:stCondLst>
+                                  <p:childTnLst>
+                                    <p:set>
+                                      <p:cBhvr>
+                                        <p:cTn dur="1" fill="hold">
+                                          <p:stCondLst>
+                                            <p:cond delay="0"/>
+                                          </p:stCondLst>
+                                        </p:cTn>
+                                        <p:tgtEl>
+                                          <p:spTgt spid="221"/>
+                                        </p:tgtEl>
+                                        <p:attrNameLst>
+                                          <p:attrName>style.visibility</p:attrName>
+                                        </p:attrNameLst>
+                                      </p:cBhvr>
+                                      <p:to>
+                                        <p:strVal val="visible"/>
+                                      </p:to>
+                                    </p:set>
+                                    <p:animEffect filter="fade" transition="in">
+                                      <p:cBhvr>
+                                        <p:cTn dur="1000"/>
+                                        <p:tgtEl>
+                                          <p:spTgt spid="221"/>
+                                        </p:tgtEl>
+                                      </p:cBhvr>
+                                    </p:animEffect>
+                                  </p:childTnLst>
+                                </p:cTn>
+                              </p:par>
+                              <p:par>
+                                <p:cTn fill="hold" nodeType="withEffect" presetClass="entr" presetID="10" presetSubtype="0">
+                                  <p:stCondLst>
+                                    <p:cond delay="0"/>
+                                  </p:stCondLst>
+                                  <p:childTnLst>
+                                    <p:set>
+                                      <p:cBhvr>
+                                        <p:cTn dur="1" fill="hold">
+                                          <p:stCondLst>
+                                            <p:cond delay="0"/>
+                                          </p:stCondLst>
+                                        </p:cTn>
+                                        <p:tgtEl>
+                                          <p:spTgt spid="222"/>
+                                        </p:tgtEl>
+                                        <p:attrNameLst>
+                                          <p:attrName>style.visibility</p:attrName>
+                                        </p:attrNameLst>
+                                      </p:cBhvr>
+                                      <p:to>
+                                        <p:strVal val="visible"/>
+                                      </p:to>
+                                    </p:set>
+                                    <p:animEffect filter="fade" transition="in">
+                                      <p:cBhvr>
+                                        <p:cTn dur="1000"/>
+                                        <p:tgtEl>
+                                          <p:spTgt spid="222"/>
+                                        </p:tgtEl>
+                                      </p:cBhvr>
+                                    </p:animEffect>
+                                  </p:childTnLst>
+                                </p:cTn>
+                              </p:par>
+                              <p:par>
+                                <p:cTn fill="hold" nodeType="withEffect" presetClass="entr" presetID="10" presetSubtype="0">
+                                  <p:stCondLst>
+                                    <p:cond delay="0"/>
+                                  </p:stCondLst>
+                                  <p:childTnLst>
+                                    <p:set>
+                                      <p:cBhvr>
+                                        <p:cTn dur="1" fill="hold">
+                                          <p:stCondLst>
+                                            <p:cond delay="0"/>
+                                          </p:stCondLst>
+                                        </p:cTn>
+                                        <p:tgtEl>
+                                          <p:spTgt spid="224"/>
+                                        </p:tgtEl>
+                                        <p:attrNameLst>
+                                          <p:attrName>style.visibility</p:attrName>
+                                        </p:attrNameLst>
+                                      </p:cBhvr>
+                                      <p:to>
+                                        <p:strVal val="visible"/>
+                                      </p:to>
+                                    </p:set>
+                                    <p:animEffect filter="fade" transition="in">
+                                      <p:cBhvr>
+                                        <p:cTn dur="1000"/>
+                                        <p:tgtEl>
+                                          <p:spTgt spid="224"/>
+                                        </p:tgtEl>
+                                      </p:cBhvr>
+                                    </p:animEffect>
+                                  </p:childTnLst>
+                                </p:cTn>
+                              </p:par>
+                            </p:childTnLst>
+                          </p:cTn>
+                        </p:par>
+                      </p:childTnLst>
+                    </p:cTn>
+                  </p:par>
+                  <p:par>
+                    <p:cTn fill="hold">
+                      <p:stCondLst>
+                        <p:cond delay="indefinite"/>
+                      </p:stCondLst>
+                      <p:childTnLst>
+                        <p:par>
+                          <p:cTn fill="hold">
+                            <p:stCondLst>
+                              <p:cond delay="0"/>
+                            </p:stCondLst>
+                            <p:childTnLst>
+                              <p:par>
+                                <p:cTn fill="hold" nodeType="clickEffect" presetClass="entr" presetID="10" presetSubtype="0">
+                                  <p:stCondLst>
+                                    <p:cond delay="0"/>
+                                  </p:stCondLst>
+                                  <p:childTnLst>
+                                    <p:set>
+                                      <p:cBhvr>
+                                        <p:cTn dur="1" fill="hold">
+                                          <p:stCondLst>
+                                            <p:cond delay="0"/>
+                                          </p:stCondLst>
+                                        </p:cTn>
+                                        <p:tgtEl>
+                                          <p:spTgt spid="218"/>
+                                        </p:tgtEl>
+                                        <p:attrNameLst>
+                                          <p:attrName>style.visibility</p:attrName>
+                                        </p:attrNameLst>
+                                      </p:cBhvr>
+                                      <p:to>
+                                        <p:strVal val="visible"/>
+                                      </p:to>
+                                    </p:set>
+                                    <p:animEffect filter="fade" transition="in">
+                                      <p:cBhvr>
+                                        <p:cTn dur="1000"/>
+                                        <p:tgtEl>
+                                          <p:spTgt spid="218"/>
+                                        </p:tgtEl>
+                                      </p:cBhvr>
+                                    </p:animEffect>
+                                  </p:childTnLst>
+                                </p:cTn>
+                              </p:par>
+                              <p:par>
+                                <p:cTn fill="hold" nodeType="withEffect" presetClass="entr" presetID="10" presetSubtype="0">
+                                  <p:stCondLst>
+                                    <p:cond delay="0"/>
+                                  </p:stCondLst>
+                                  <p:childTnLst>
+                                    <p:set>
+                                      <p:cBhvr>
+                                        <p:cTn dur="1" fill="hold">
+                                          <p:stCondLst>
+                                            <p:cond delay="0"/>
+                                          </p:stCondLst>
+                                        </p:cTn>
+                                        <p:tgtEl>
+                                          <p:spTgt spid="220"/>
+                                        </p:tgtEl>
+                                        <p:attrNameLst>
+                                          <p:attrName>style.visibility</p:attrName>
+                                        </p:attrNameLst>
+                                      </p:cBhvr>
+                                      <p:to>
+                                        <p:strVal val="visible"/>
+                                      </p:to>
+                                    </p:set>
+                                    <p:animEffect filter="fade" transition="in">
+                                      <p:cBhvr>
+                                        <p:cTn dur="1000"/>
+                                        <p:tgtEl>
+                                          <p:spTgt spid="220"/>
+                                        </p:tgtEl>
+                                      </p:cBhvr>
+                                    </p:animEffect>
+                                  </p:childTnLst>
+                                </p:cTn>
+                              </p:par>
+                              <p:par>
+                                <p:cTn fill="hold" nodeType="withEffect" presetClass="entr" presetID="10" presetSubtype="0">
+                                  <p:stCondLst>
+                                    <p:cond delay="0"/>
+                                  </p:stCondLst>
+                                  <p:childTnLst>
+                                    <p:set>
+                                      <p:cBhvr>
+                                        <p:cTn dur="1" fill="hold">
+                                          <p:stCondLst>
+                                            <p:cond delay="0"/>
+                                          </p:stCondLst>
+                                        </p:cTn>
+                                        <p:tgtEl>
+                                          <p:spTgt spid="223"/>
+                                        </p:tgtEl>
+                                        <p:attrNameLst>
+                                          <p:attrName>style.visibility</p:attrName>
+                                        </p:attrNameLst>
+                                      </p:cBhvr>
+                                      <p:to>
+                                        <p:strVal val="visible"/>
+                                      </p:to>
+                                    </p:set>
+                                    <p:animEffect filter="fade" transition="in">
+                                      <p:cBhvr>
+                                        <p:cTn dur="1000"/>
+                                        <p:tgtEl>
+                                          <p:spTgt spid="223"/>
+                                        </p:tgtEl>
+                                      </p:cBhvr>
+                                    </p:animEffect>
+                                  </p:childTnLst>
+                                </p:cTn>
+                              </p:par>
+                            </p:childTnLst>
+                          </p:cTn>
+                        </p:par>
+                      </p:childTnLst>
+                    </p:cTn>
+                  </p:par>
+                </p:childTnLst>
+              </p:cTn>
+              <p:prevCondLst>
+                <p:cond evt="onPrev">
+                  <p:tgtEl>
+                    <p:sldTgt/>
+                  </p:tgtEl>
+                </p:cond>
+              </p:prevCondLst>
+              <p:nextCondLst>
+                <p:cond evt="onNext">
+                  <p:tgtEl>
+                    <p:sldTgt/>
+                  </p:tgtEl>
+                </p:cond>
+              </p:nextCondLst>
+            </p:seq>
+          </p:childTnLst>
+        </p:cTn>
+      </p:par>
+    </p:tnLst>
+  </p:timing>
+</p:sld>
+</file>
+
+<file path=ppt/slides/slide12.xml><?xml version="1.0" encoding="utf-8"?>
+<p:sld xmlns:a="http://schemas.openxmlformats.org/drawingml/2006/main" xmlns:r="http://schemas.openxmlformats.org/officeDocument/2006/relationships" xmlns:mc="http://schemas.openxmlformats.org/markup-compatibility/2006" xmlns:mv="urn:schemas-microsoft-com:mac:vml" xmlns:p="http://schemas.openxmlformats.org/presentationml/2006/main" xmlns:c="http://schemas.openxmlformats.org/drawingml/2006/chart" xmlns:dgm="http://schemas.openxmlformats.org/drawingml/2006/diagram" xmlns:o="urn:schemas-microsoft-com:office:office" xmlns:v="urn:schemas-microsoft-com:vml" xmlns:pvml="urn:schemas-microsoft-com:office:powerpoint" xmlns:com="http://schemas.openxmlformats.org/drawingml/2006/compatibility" xmlns:p14="http://schemas.microsoft.com/office/powerpoint/2010/main" xmlns:p15="http://schemas.microsoft.com/office/powerpoint/2012/main" xmlns:ahyp="http://schemas.microsoft.com/office/drawing/2018/hyperlinkcolor">
+  <p:cSld>
+    <p:spTree>
+      <p:nvGrpSpPr>
+        <p:cNvPr id="228" name="Shape 228"/>
+        <p:cNvGrpSpPr/>
+        <p:nvPr/>
+      </p:nvGrpSpPr>
+      <p:grpSpPr>
+        <a:xfrm>
+          <a:off x="0" y="0"/>
+          <a:ext cx="0" cy="0"/>
+          <a:chOff x="0" y="0"/>
+          <a:chExt cx="0" cy="0"/>
+        </a:xfrm>
+      </p:grpSpPr>
+      <p:sp>
+        <p:nvSpPr>
+          <p:cNvPr id="229" name="Google Shape;229;p24"/>
           <p:cNvSpPr/>
           <p:nvPr/>
         </p:nvSpPr>
@@ -12034,7 +12199,7 @@
       </p:sp>
       <p:sp>
         <p:nvSpPr>
-          <p:cNvPr id="221" name="Google Shape;221;p23"/>
+          <p:cNvPr id="230" name="Google Shape;230;p24"/>
           <p:cNvSpPr/>
           <p:nvPr/>
         </p:nvSpPr>
@@ -12083,7 +12248,7 @@
       </p:sp>
       <p:sp>
         <p:nvSpPr>
-          <p:cNvPr id="222" name="Google Shape;222;p23"/>
+          <p:cNvPr id="231" name="Google Shape;231;p24"/>
           <p:cNvSpPr txBox="1"/>
           <p:nvPr>
             <p:ph type="title"/>
@@ -12123,7 +12288,7 @@
       </p:sp>
       <p:pic>
         <p:nvPicPr>
-          <p:cNvPr id="223" name="Google Shape;223;p23"/>
+          <p:cNvPr id="232" name="Google Shape;232;p24"/>
           <p:cNvPicPr preferRelativeResize="0"/>
           <p:nvPr/>
         </p:nvPicPr>
@@ -12150,7 +12315,7 @@
       </p:pic>
       <p:pic>
         <p:nvPicPr>
-          <p:cNvPr id="224" name="Google Shape;224;p23"/>
+          <p:cNvPr id="233" name="Google Shape;233;p24"/>
           <p:cNvPicPr preferRelativeResize="0"/>
           <p:nvPr/>
         </p:nvPicPr>
@@ -12177,7 +12342,7 @@
       </p:pic>
       <p:sp>
         <p:nvSpPr>
-          <p:cNvPr id="225" name="Google Shape;225;p23"/>
+          <p:cNvPr id="234" name="Google Shape;234;p24"/>
           <p:cNvSpPr txBox="1"/>
           <p:nvPr/>
         </p:nvSpPr>
@@ -12235,7 +12400,7 @@
       </p:sp>
       <p:sp>
         <p:nvSpPr>
-          <p:cNvPr id="226" name="Google Shape;226;p23"/>
+          <p:cNvPr id="235" name="Google Shape;235;p24"/>
           <p:cNvSpPr txBox="1"/>
           <p:nvPr/>
         </p:nvSpPr>
@@ -12342,7 +12507,7 @@
                                           </p:stCondLst>
                                         </p:cTn>
                                         <p:tgtEl>
-                                          <p:spTgt spid="221"/>
+                                          <p:spTgt spid="230"/>
                                         </p:tgtEl>
                                         <p:attrNameLst>
                                           <p:attrName>style.visibility</p:attrName>
@@ -12356,7 +12521,7 @@
                                       <p:cBhvr>
                                         <p:cTn dur="1000"/>
                                         <p:tgtEl>
-                                          <p:spTgt spid="221"/>
+                                          <p:spTgt spid="230"/>
                                         </p:tgtEl>
                                       </p:cBhvr>
                                     </p:animEffect>
@@ -12377,7 +12542,7 @@
                                           </p:stCondLst>
                                         </p:cTn>
                                         <p:tgtEl>
-                                          <p:spTgt spid="223"/>
+                                          <p:spTgt spid="232"/>
                                         </p:tgtEl>
                                         <p:attrNameLst>
                                           <p:attrName>style.visibility</p:attrName>
@@ -12391,7 +12556,7 @@
                                       <p:cBhvr>
                                         <p:cTn dur="1000"/>
                                         <p:tgtEl>
-                                          <p:spTgt spid="223"/>
+                                          <p:spTgt spid="232"/>
                                         </p:tgtEl>
                                       </p:cBhvr>
                                     </p:animEffect>
@@ -12412,7 +12577,7 @@
                                           </p:stCondLst>
                                         </p:cTn>
                                         <p:tgtEl>
-                                          <p:spTgt spid="225"/>
+                                          <p:spTgt spid="234"/>
                                         </p:tgtEl>
                                         <p:attrNameLst>
                                           <p:attrName>style.visibility</p:attrName>
@@ -12426,7 +12591,7 @@
                                       <p:cBhvr>
                                         <p:cTn dur="1000"/>
                                         <p:tgtEl>
-                                          <p:spTgt spid="225"/>
+                                          <p:spTgt spid="234"/>
                                         </p:tgtEl>
                                       </p:cBhvr>
                                     </p:animEffect>
@@ -12465,7 +12630,7 @@
                                           </p:stCondLst>
                                         </p:cTn>
                                         <p:tgtEl>
-                                          <p:spTgt spid="220"/>
+                                          <p:spTgt spid="229"/>
                                         </p:tgtEl>
                                         <p:attrNameLst>
                                           <p:attrName>style.visibility</p:attrName>
@@ -12479,467 +12644,7 @@
                                       <p:cBhvr>
                                         <p:cTn dur="1000"/>
                                         <p:tgtEl>
-                                          <p:spTgt spid="220"/>
-                                        </p:tgtEl>
-                                      </p:cBhvr>
-                                    </p:animEffect>
-                                  </p:childTnLst>
-                                </p:cTn>
-                              </p:par>
-                              <p:par>
-                                <p:cTn fill="hold" nodeType="withEffect" presetClass="entr" presetID="10" presetSubtype="0">
-                                  <p:stCondLst>
-                                    <p:cond delay="0"/>
-                                  </p:stCondLst>
-                                  <p:childTnLst>
-                                    <p:set>
-                                      <p:cBhvr>
-                                        <p:cTn dur="1" fill="hold">
-                                          <p:stCondLst>
-                                            <p:cond delay="0"/>
-                                          </p:stCondLst>
-                                        </p:cTn>
-                                        <p:tgtEl>
-                                          <p:spTgt spid="224"/>
-                                        </p:tgtEl>
-                                        <p:attrNameLst>
-                                          <p:attrName>style.visibility</p:attrName>
-                                        </p:attrNameLst>
-                                      </p:cBhvr>
-                                      <p:to>
-                                        <p:strVal val="visible"/>
-                                      </p:to>
-                                    </p:set>
-                                    <p:animEffect filter="fade" transition="in">
-                                      <p:cBhvr>
-                                        <p:cTn dur="1000"/>
-                                        <p:tgtEl>
-                                          <p:spTgt spid="224"/>
-                                        </p:tgtEl>
-                                      </p:cBhvr>
-                                    </p:animEffect>
-                                  </p:childTnLst>
-                                </p:cTn>
-                              </p:par>
-                              <p:par>
-                                <p:cTn fill="hold" nodeType="withEffect" presetClass="entr" presetID="10" presetSubtype="0">
-                                  <p:stCondLst>
-                                    <p:cond delay="0"/>
-                                  </p:stCondLst>
-                                  <p:childTnLst>
-                                    <p:set>
-                                      <p:cBhvr>
-                                        <p:cTn dur="1" fill="hold">
-                                          <p:stCondLst>
-                                            <p:cond delay="0"/>
-                                          </p:stCondLst>
-                                        </p:cTn>
-                                        <p:tgtEl>
-                                          <p:spTgt spid="226"/>
-                                        </p:tgtEl>
-                                        <p:attrNameLst>
-                                          <p:attrName>style.visibility</p:attrName>
-                                        </p:attrNameLst>
-                                      </p:cBhvr>
-                                      <p:to>
-                                        <p:strVal val="visible"/>
-                                      </p:to>
-                                    </p:set>
-                                    <p:animEffect filter="fade" transition="in">
-                                      <p:cBhvr>
-                                        <p:cTn dur="1000"/>
-                                        <p:tgtEl>
-                                          <p:spTgt spid="226"/>
-                                        </p:tgtEl>
-                                      </p:cBhvr>
-                                    </p:animEffect>
-                                  </p:childTnLst>
-                                </p:cTn>
-                              </p:par>
-                            </p:childTnLst>
-                          </p:cTn>
-                        </p:par>
-                      </p:childTnLst>
-                    </p:cTn>
-                  </p:par>
-                </p:childTnLst>
-              </p:cTn>
-              <p:prevCondLst>
-                <p:cond evt="onPrev">
-                  <p:tgtEl>
-                    <p:sldTgt/>
-                  </p:tgtEl>
-                </p:cond>
-              </p:prevCondLst>
-              <p:nextCondLst>
-                <p:cond evt="onNext">
-                  <p:tgtEl>
-                    <p:sldTgt/>
-                  </p:tgtEl>
-                </p:cond>
-              </p:nextCondLst>
-            </p:seq>
-          </p:childTnLst>
-        </p:cTn>
-      </p:par>
-    </p:tnLst>
-  </p:timing>
-</p:sld>
-</file>
-
-<file path=ppt/slides/slide12.xml><?xml version="1.0" encoding="utf-8"?>
-<p:sld xmlns:a="http://schemas.openxmlformats.org/drawingml/2006/main" xmlns:r="http://schemas.openxmlformats.org/officeDocument/2006/relationships" xmlns:mc="http://schemas.openxmlformats.org/markup-compatibility/2006" xmlns:mv="urn:schemas-microsoft-com:mac:vml" xmlns:p="http://schemas.openxmlformats.org/presentationml/2006/main" xmlns:c="http://schemas.openxmlformats.org/drawingml/2006/chart" xmlns:dgm="http://schemas.openxmlformats.org/drawingml/2006/diagram" xmlns:o="urn:schemas-microsoft-com:office:office" xmlns:v="urn:schemas-microsoft-com:vml" xmlns:pvml="urn:schemas-microsoft-com:office:powerpoint" xmlns:com="http://schemas.openxmlformats.org/drawingml/2006/compatibility" xmlns:p14="http://schemas.microsoft.com/office/powerpoint/2010/main" xmlns:p15="http://schemas.microsoft.com/office/powerpoint/2012/main" xmlns:ahyp="http://schemas.microsoft.com/office/drawing/2018/hyperlinkcolor">
-  <p:cSld>
-    <p:spTree>
-      <p:nvGrpSpPr>
-        <p:cNvPr id="230" name="Shape 230"/>
-        <p:cNvGrpSpPr/>
-        <p:nvPr/>
-      </p:nvGrpSpPr>
-      <p:grpSpPr>
-        <a:xfrm>
-          <a:off x="0" y="0"/>
-          <a:ext cx="0" cy="0"/>
-          <a:chOff x="0" y="0"/>
-          <a:chExt cx="0" cy="0"/>
-        </a:xfrm>
-      </p:grpSpPr>
-      <p:sp>
-        <p:nvSpPr>
-          <p:cNvPr id="231" name="Google Shape;231;p24"/>
-          <p:cNvSpPr/>
-          <p:nvPr/>
-        </p:nvSpPr>
-        <p:spPr>
-          <a:xfrm>
-            <a:off x="4572000" y="1636088"/>
-            <a:ext cx="4132800" cy="2760000"/>
-          </a:xfrm>
-          <a:prstGeom prst="rect">
-            <a:avLst/>
-          </a:prstGeom>
-          <a:solidFill>
-            <a:schemeClr val="lt1"/>
-          </a:solidFill>
-          <a:ln cap="flat" cmpd="sng" w="9525">
-            <a:solidFill>
-              <a:schemeClr val="dk2"/>
-            </a:solidFill>
-            <a:prstDash val="solid"/>
-            <a:round/>
-            <a:headEnd len="sm" w="sm" type="none"/>
-            <a:tailEnd len="sm" w="sm" type="none"/>
-          </a:ln>
-        </p:spPr>
-        <p:txBody>
-          <a:bodyPr anchorCtr="0" anchor="ctr" bIns="91425" lIns="91425" spcFirstLastPara="1" rIns="91425" wrap="square" tIns="91425">
-            <a:noAutofit/>
-          </a:bodyPr>
-          <a:lstStyle/>
-          <a:p>
-            <a:pPr indent="0" lvl="0" marL="0" rtl="0" algn="l">
-              <a:spcBef>
-                <a:spcPts val="0"/>
-              </a:spcBef>
-              <a:spcAft>
-                <a:spcPts val="0"/>
-              </a:spcAft>
-              <a:buNone/>
-            </a:pPr>
-            <a:r>
-              <a:t/>
-            </a:r>
-            <a:endParaRPr/>
-          </a:p>
-        </p:txBody>
-      </p:sp>
-      <p:sp>
-        <p:nvSpPr>
-          <p:cNvPr id="232" name="Google Shape;232;p24"/>
-          <p:cNvSpPr/>
-          <p:nvPr/>
-        </p:nvSpPr>
-        <p:spPr>
-          <a:xfrm>
-            <a:off x="118475" y="1630875"/>
-            <a:ext cx="4132800" cy="2760000"/>
-          </a:xfrm>
-          <a:prstGeom prst="rect">
-            <a:avLst/>
-          </a:prstGeom>
-          <a:solidFill>
-            <a:schemeClr val="lt1"/>
-          </a:solidFill>
-          <a:ln cap="flat" cmpd="sng" w="9525">
-            <a:solidFill>
-              <a:schemeClr val="dk2"/>
-            </a:solidFill>
-            <a:prstDash val="solid"/>
-            <a:round/>
-            <a:headEnd len="sm" w="sm" type="none"/>
-            <a:tailEnd len="sm" w="sm" type="none"/>
-          </a:ln>
-        </p:spPr>
-        <p:txBody>
-          <a:bodyPr anchorCtr="0" anchor="ctr" bIns="91425" lIns="91425" spcFirstLastPara="1" rIns="91425" wrap="square" tIns="91425">
-            <a:noAutofit/>
-          </a:bodyPr>
-          <a:lstStyle/>
-          <a:p>
-            <a:pPr indent="0" lvl="0" marL="0" rtl="0" algn="l">
-              <a:spcBef>
-                <a:spcPts val="0"/>
-              </a:spcBef>
-              <a:spcAft>
-                <a:spcPts val="0"/>
-              </a:spcAft>
-              <a:buNone/>
-            </a:pPr>
-            <a:r>
-              <a:t/>
-            </a:r>
-            <a:endParaRPr/>
-          </a:p>
-        </p:txBody>
-      </p:sp>
-      <p:pic>
-        <p:nvPicPr>
-          <p:cNvPr id="233" name="Google Shape;233;p24"/>
-          <p:cNvPicPr preferRelativeResize="0"/>
-          <p:nvPr/>
-        </p:nvPicPr>
-        <p:blipFill>
-          <a:blip r:embed="rId3">
-            <a:alphaModFix/>
-          </a:blip>
-          <a:stretch>
-            <a:fillRect/>
-          </a:stretch>
-        </p:blipFill>
-        <p:spPr>
-          <a:xfrm>
-            <a:off x="145798" y="1665718"/>
-            <a:ext cx="4043628" cy="2683250"/>
-          </a:xfrm>
-          <a:prstGeom prst="rect">
-            <a:avLst/>
-          </a:prstGeom>
-          <a:noFill/>
-          <a:ln>
-            <a:noFill/>
-          </a:ln>
-        </p:spPr>
-      </p:pic>
-      <p:pic>
-        <p:nvPicPr>
-          <p:cNvPr id="234" name="Google Shape;234;p24"/>
-          <p:cNvPicPr preferRelativeResize="0"/>
-          <p:nvPr/>
-        </p:nvPicPr>
-        <p:blipFill>
-          <a:blip r:embed="rId4">
-            <a:alphaModFix/>
-          </a:blip>
-          <a:stretch>
-            <a:fillRect/>
-          </a:stretch>
-        </p:blipFill>
-        <p:spPr>
-          <a:xfrm>
-            <a:off x="4577650" y="1625662"/>
-            <a:ext cx="4132434" cy="2760000"/>
-          </a:xfrm>
-          <a:prstGeom prst="rect">
-            <a:avLst/>
-          </a:prstGeom>
-          <a:noFill/>
-          <a:ln>
-            <a:noFill/>
-          </a:ln>
-        </p:spPr>
-      </p:pic>
-      <p:sp>
-        <p:nvSpPr>
-          <p:cNvPr id="235" name="Google Shape;235;p24"/>
-          <p:cNvSpPr txBox="1"/>
-          <p:nvPr/>
-        </p:nvSpPr>
-        <p:spPr>
-          <a:xfrm>
-            <a:off x="979475" y="1226463"/>
-            <a:ext cx="2410800" cy="338700"/>
-          </a:xfrm>
-          <a:prstGeom prst="rect">
-            <a:avLst/>
-          </a:prstGeom>
-          <a:noFill/>
-          <a:ln>
-            <a:noFill/>
-          </a:ln>
-        </p:spPr>
-        <p:txBody>
-          <a:bodyPr anchorCtr="0" anchor="t" bIns="91425" lIns="91425" spcFirstLastPara="1" rIns="91425" wrap="square" tIns="91425">
-            <a:spAutoFit/>
-          </a:bodyPr>
-          <a:lstStyle/>
-          <a:p>
-            <a:pPr indent="0" lvl="0" marL="0" rtl="0" algn="ctr">
-              <a:spcBef>
-                <a:spcPts val="0"/>
-              </a:spcBef>
-              <a:spcAft>
-                <a:spcPts val="0"/>
-              </a:spcAft>
-              <a:buNone/>
-            </a:pPr>
-            <a:r>
-              <a:rPr i="1" lang="fr" sz="1000">
-                <a:solidFill>
-                  <a:srgbClr val="FFFFFF"/>
-                </a:solidFill>
-                <a:latin typeface="Lato"/>
-                <a:ea typeface="Lato"/>
-                <a:cs typeface="Lato"/>
-                <a:sym typeface="Lato"/>
-              </a:rPr>
-              <a:t>L</a:t>
-            </a:r>
-            <a:r>
-              <a:rPr i="1" lang="fr" sz="1000">
-                <a:solidFill>
-                  <a:srgbClr val="FFFFFF"/>
-                </a:solidFill>
-                <a:latin typeface="Lato"/>
-                <a:ea typeface="Lato"/>
-                <a:cs typeface="Lato"/>
-                <a:sym typeface="Lato"/>
-              </a:rPr>
-              <a:t>iste des questions</a:t>
-            </a:r>
-            <a:endParaRPr i="1" sz="1000">
-              <a:solidFill>
-                <a:srgbClr val="FFFFFF"/>
-              </a:solidFill>
-              <a:latin typeface="Lato"/>
-              <a:ea typeface="Lato"/>
-              <a:cs typeface="Lato"/>
-              <a:sym typeface="Lato"/>
-            </a:endParaRPr>
-          </a:p>
-        </p:txBody>
-      </p:sp>
-      <p:sp>
-        <p:nvSpPr>
-          <p:cNvPr id="236" name="Google Shape;236;p24"/>
-          <p:cNvSpPr txBox="1"/>
-          <p:nvPr/>
-        </p:nvSpPr>
-        <p:spPr>
-          <a:xfrm>
-            <a:off x="5558238" y="1226463"/>
-            <a:ext cx="2410800" cy="338700"/>
-          </a:xfrm>
-          <a:prstGeom prst="rect">
-            <a:avLst/>
-          </a:prstGeom>
-          <a:noFill/>
-          <a:ln>
-            <a:noFill/>
-          </a:ln>
-        </p:spPr>
-        <p:txBody>
-          <a:bodyPr anchorCtr="0" anchor="t" bIns="91425" lIns="91425" spcFirstLastPara="1" rIns="91425" wrap="square" tIns="91425">
-            <a:spAutoFit/>
-          </a:bodyPr>
-          <a:lstStyle/>
-          <a:p>
-            <a:pPr indent="0" lvl="0" marL="0" rtl="0" algn="ctr">
-              <a:spcBef>
-                <a:spcPts val="0"/>
-              </a:spcBef>
-              <a:spcAft>
-                <a:spcPts val="0"/>
-              </a:spcAft>
-              <a:buNone/>
-            </a:pPr>
-            <a:r>
-              <a:rPr i="1" lang="fr" sz="1000">
-                <a:solidFill>
-                  <a:srgbClr val="FFFFFF"/>
-                </a:solidFill>
-                <a:latin typeface="Lato"/>
-                <a:ea typeface="Lato"/>
-                <a:cs typeface="Lato"/>
-                <a:sym typeface="Lato"/>
-              </a:rPr>
-              <a:t>Liste des réponses</a:t>
-            </a:r>
-            <a:endParaRPr i="1" sz="1000">
-              <a:solidFill>
-                <a:srgbClr val="FFFFFF"/>
-              </a:solidFill>
-              <a:latin typeface="Lato"/>
-              <a:ea typeface="Lato"/>
-              <a:cs typeface="Lato"/>
-              <a:sym typeface="Lato"/>
-            </a:endParaRPr>
-          </a:p>
-        </p:txBody>
-      </p:sp>
-    </p:spTree>
-  </p:cSld>
-  <p:clrMapOvr>
-    <a:masterClrMapping/>
-  </p:clrMapOvr>
-  <p:timing>
-    <p:tnLst>
-      <p:par>
-        <p:cTn dur="indefinite" nodeType="tmRoot" restart="never">
-          <p:childTnLst>
-            <p:seq concurrent="1" nextAc="seek">
-              <p:cTn dur="indefinite" id="2" nodeType="mainSeq">
-                <p:childTnLst>
-                  <p:par>
-                    <p:cTn fill="hold">
-                      <p:stCondLst>
-                        <p:cond delay="indefinite"/>
-                      </p:stCondLst>
-                      <p:childTnLst>
-                        <p:par>
-                          <p:cTn fill="hold">
-                            <p:stCondLst>
-                              <p:cond delay="0"/>
-                            </p:stCondLst>
-                            <p:childTnLst>
-                              <p:par>
-                                <p:cTn fill="hold" nodeType="clickEffect" presetClass="entr" presetID="10" presetSubtype="0">
-                                  <p:stCondLst>
-                                    <p:cond delay="0"/>
-                                  </p:stCondLst>
-                                  <p:childTnLst>
-                                    <p:set>
-                                      <p:cBhvr>
-                                        <p:cTn dur="1" fill="hold">
-                                          <p:stCondLst>
-                                            <p:cond delay="0"/>
-                                          </p:stCondLst>
-                                        </p:cTn>
-                                        <p:tgtEl>
-                                          <p:spTgt spid="232"/>
-                                        </p:tgtEl>
-                                        <p:attrNameLst>
-                                          <p:attrName>style.visibility</p:attrName>
-                                        </p:attrNameLst>
-                                      </p:cBhvr>
-                                      <p:to>
-                                        <p:strVal val="visible"/>
-                                      </p:to>
-                                    </p:set>
-                                    <p:animEffect filter="fade" transition="in">
-                                      <p:cBhvr>
-                                        <p:cTn dur="1000"/>
-                                        <p:tgtEl>
-                                          <p:spTgt spid="232"/>
+                                          <p:spTgt spid="229"/>
                                         </p:tgtEl>
                                       </p:cBhvr>
                                     </p:animEffect>
@@ -13022,129 +12727,6 @@
                       </p:childTnLst>
                     </p:cTn>
                   </p:par>
-                  <p:par>
-                    <p:cTn fill="hold">
-                      <p:stCondLst>
-                        <p:cond delay="indefinite"/>
-                      </p:stCondLst>
-                      <p:childTnLst>
-                        <p:par>
-                          <p:cTn fill="hold">
-                            <p:stCondLst>
-                              <p:cond delay="0"/>
-                            </p:stCondLst>
-                            <p:childTnLst>
-                              <p:par>
-                                <p:cTn fill="hold" nodeType="clickEffect" presetClass="entr" presetID="10" presetSubtype="0">
-                                  <p:stCondLst>
-                                    <p:cond delay="0"/>
-                                  </p:stCondLst>
-                                  <p:childTnLst>
-                                    <p:set>
-                                      <p:cBhvr>
-                                        <p:cTn dur="1" fill="hold">
-                                          <p:stCondLst>
-                                            <p:cond delay="0"/>
-                                          </p:stCondLst>
-                                        </p:cTn>
-                                        <p:tgtEl>
-                                          <p:spTgt spid="231"/>
-                                        </p:tgtEl>
-                                        <p:attrNameLst>
-                                          <p:attrName>style.visibility</p:attrName>
-                                        </p:attrNameLst>
-                                      </p:cBhvr>
-                                      <p:to>
-                                        <p:strVal val="visible"/>
-                                      </p:to>
-                                    </p:set>
-                                    <p:animEffect filter="fade" transition="in">
-                                      <p:cBhvr>
-                                        <p:cTn dur="1000"/>
-                                        <p:tgtEl>
-                                          <p:spTgt spid="231"/>
-                                        </p:tgtEl>
-                                      </p:cBhvr>
-                                    </p:animEffect>
-                                  </p:childTnLst>
-                                </p:cTn>
-                              </p:par>
-                              <p:par>
-                                <p:cTn fill="hold" nodeType="withEffect" presetClass="entr" presetID="10" presetSubtype="0">
-                                  <p:stCondLst>
-                                    <p:cond delay="0"/>
-                                  </p:stCondLst>
-                                  <p:childTnLst>
-                                    <p:set>
-                                      <p:cBhvr>
-                                        <p:cTn dur="1" fill="hold">
-                                          <p:stCondLst>
-                                            <p:cond delay="0"/>
-                                          </p:stCondLst>
-                                        </p:cTn>
-                                        <p:tgtEl>
-                                          <p:spTgt spid="234"/>
-                                        </p:tgtEl>
-                                        <p:attrNameLst>
-                                          <p:attrName>style.visibility</p:attrName>
-                                        </p:attrNameLst>
-                                      </p:cBhvr>
-                                      <p:to>
-                                        <p:strVal val="visible"/>
-                                      </p:to>
-                                    </p:set>
-                                    <p:animEffect filter="fade" transition="in">
-                                      <p:cBhvr>
-                                        <p:cTn dur="1000"/>
-                                        <p:tgtEl>
-                                          <p:spTgt spid="234"/>
-                                        </p:tgtEl>
-                                      </p:cBhvr>
-                                    </p:animEffect>
-                                  </p:childTnLst>
-                                </p:cTn>
-                              </p:par>
-                              <p:par>
-                                <p:cTn fill="hold" nodeType="withEffect" presetClass="entr" presetID="10" presetSubtype="0">
-                                  <p:stCondLst>
-                                    <p:cond delay="0"/>
-                                  </p:stCondLst>
-                                  <p:childTnLst>
-                                    <p:set>
-                                      <p:cBhvr>
-                                        <p:cTn dur="1" fill="hold">
-                                          <p:stCondLst>
-                                            <p:cond delay="0"/>
-                                          </p:stCondLst>
-                                        </p:cTn>
-                                        <p:tgtEl>
-                                          <p:spTgt spid="236"/>
-                                        </p:tgtEl>
-                                        <p:attrNameLst>
-                                          <p:attrName>style.visibility</p:attrName>
-                                        </p:attrNameLst>
-                                      </p:cBhvr>
-                                      <p:to>
-                                        <p:strVal val="visible"/>
-                                      </p:to>
-                                    </p:set>
-                                    <p:animEffect filter="fade" transition="in">
-                                      <p:cBhvr>
-                                        <p:cTn dur="1000"/>
-                                        <p:tgtEl>
-                                          <p:spTgt spid="236"/>
-                                        </p:tgtEl>
-                                      </p:cBhvr>
-                                    </p:animEffect>
-                                  </p:childTnLst>
-                                </p:cTn>
-                              </p:par>
-                            </p:childTnLst>
-                          </p:cTn>
-                        </p:par>
-                      </p:childTnLst>
-                    </p:cTn>
-                  </p:par>
                 </p:childTnLst>
               </p:cTn>
               <p:prevCondLst>
@@ -13175,7 +12757,7 @@
   <p:cSld>
     <p:spTree>
       <p:nvGrpSpPr>
-        <p:cNvPr id="240" name="Shape 240"/>
+        <p:cNvPr id="239" name="Shape 239"/>
         <p:cNvGrpSpPr/>
         <p:nvPr/>
       </p:nvGrpSpPr>
@@ -13189,129 +12771,13 @@
       </p:grpSpPr>
       <p:sp>
         <p:nvSpPr>
-          <p:cNvPr id="241" name="Google Shape;241;p25"/>
+          <p:cNvPr id="240" name="Google Shape;240;p25"/>
           <p:cNvSpPr/>
           <p:nvPr/>
         </p:nvSpPr>
         <p:spPr>
           <a:xfrm>
-            <a:off x="4962300" y="1676150"/>
-            <a:ext cx="3791400" cy="2760000"/>
-          </a:xfrm>
-          <a:prstGeom prst="rect">
-            <a:avLst/>
-          </a:prstGeom>
-          <a:solidFill>
-            <a:schemeClr val="lt1"/>
-          </a:solidFill>
-          <a:ln cap="flat" cmpd="sng" w="9525">
-            <a:solidFill>
-              <a:schemeClr val="dk2"/>
-            </a:solidFill>
-            <a:prstDash val="solid"/>
-            <a:round/>
-            <a:headEnd len="sm" w="sm" type="none"/>
-            <a:tailEnd len="sm" w="sm" type="none"/>
-          </a:ln>
-        </p:spPr>
-        <p:txBody>
-          <a:bodyPr anchorCtr="0" anchor="ctr" bIns="91425" lIns="91425" spcFirstLastPara="1" rIns="91425" wrap="square" tIns="91425">
-            <a:noAutofit/>
-          </a:bodyPr>
-          <a:lstStyle/>
-          <a:p>
-            <a:pPr indent="0" lvl="0" marL="0" rtl="0" algn="l">
-              <a:spcBef>
-                <a:spcPts val="0"/>
-              </a:spcBef>
-              <a:spcAft>
-                <a:spcPts val="0"/>
-              </a:spcAft>
-              <a:buNone/>
-            </a:pPr>
-            <a:r>
-              <a:t/>
-            </a:r>
-            <a:endParaRPr/>
-          </a:p>
-        </p:txBody>
-      </p:sp>
-      <p:sp>
-        <p:nvSpPr>
-          <p:cNvPr id="242" name="Google Shape;242;p25"/>
-          <p:cNvSpPr txBox="1"/>
-          <p:nvPr>
-            <p:ph type="title"/>
-          </p:nvPr>
-        </p:nvSpPr>
-        <p:spPr>
-          <a:xfrm>
-            <a:off x="1297500" y="393750"/>
-            <a:ext cx="7038900" cy="914100"/>
-          </a:xfrm>
-          <a:prstGeom prst="rect">
-            <a:avLst/>
-          </a:prstGeom>
-        </p:spPr>
-        <p:txBody>
-          <a:bodyPr anchorCtr="0" anchor="t" bIns="91425" lIns="91425" spcFirstLastPara="1" rIns="91425" wrap="square" tIns="91425">
-            <a:normAutofit/>
-          </a:bodyPr>
-          <a:lstStyle/>
-          <a:p>
-            <a:pPr indent="0" lvl="0" marL="0" rtl="0" algn="l">
-              <a:spcBef>
-                <a:spcPts val="0"/>
-              </a:spcBef>
-              <a:spcAft>
-                <a:spcPts val="0"/>
-              </a:spcAft>
-              <a:buNone/>
-            </a:pPr>
-            <a:r>
-              <a:rPr lang="fr"/>
-              <a:t>Wireframe - client</a:t>
-            </a:r>
-            <a:endParaRPr/>
-          </a:p>
-        </p:txBody>
-      </p:sp>
-      <p:pic>
-        <p:nvPicPr>
-          <p:cNvPr id="243" name="Google Shape;243;p25"/>
-          <p:cNvPicPr preferRelativeResize="0"/>
-          <p:nvPr/>
-        </p:nvPicPr>
-        <p:blipFill rotWithShape="1">
-          <a:blip r:embed="rId3">
-            <a:alphaModFix/>
-          </a:blip>
-          <a:srcRect b="0" l="2389" r="1271" t="0"/>
-          <a:stretch/>
-        </p:blipFill>
-        <p:spPr>
-          <a:xfrm>
-            <a:off x="5025025" y="1721475"/>
-            <a:ext cx="3679877" cy="2669324"/>
-          </a:xfrm>
-          <a:prstGeom prst="rect">
-            <a:avLst/>
-          </a:prstGeom>
-          <a:noFill/>
-          <a:ln>
-            <a:noFill/>
-          </a:ln>
-        </p:spPr>
-      </p:pic>
-      <p:sp>
-        <p:nvSpPr>
-          <p:cNvPr id="244" name="Google Shape;244;p25"/>
-          <p:cNvSpPr/>
-          <p:nvPr/>
-        </p:nvSpPr>
-        <p:spPr>
-          <a:xfrm>
-            <a:off x="327550" y="1679275"/>
+            <a:off x="4572000" y="1636088"/>
             <a:ext cx="4132800" cy="2760000"/>
           </a:xfrm>
           <a:prstGeom prst="rect">
@@ -13354,13 +12820,118 @@
       </p:sp>
       <p:sp>
         <p:nvSpPr>
-          <p:cNvPr id="245" name="Google Shape;245;p25"/>
+          <p:cNvPr id="241" name="Google Shape;241;p25"/>
+          <p:cNvSpPr/>
+          <p:nvPr/>
+        </p:nvSpPr>
+        <p:spPr>
+          <a:xfrm>
+            <a:off x="118475" y="1630875"/>
+            <a:ext cx="4132800" cy="2760000"/>
+          </a:xfrm>
+          <a:prstGeom prst="rect">
+            <a:avLst/>
+          </a:prstGeom>
+          <a:solidFill>
+            <a:schemeClr val="lt1"/>
+          </a:solidFill>
+          <a:ln cap="flat" cmpd="sng" w="9525">
+            <a:solidFill>
+              <a:schemeClr val="dk2"/>
+            </a:solidFill>
+            <a:prstDash val="solid"/>
+            <a:round/>
+            <a:headEnd len="sm" w="sm" type="none"/>
+            <a:tailEnd len="sm" w="sm" type="none"/>
+          </a:ln>
+        </p:spPr>
+        <p:txBody>
+          <a:bodyPr anchorCtr="0" anchor="ctr" bIns="91425" lIns="91425" spcFirstLastPara="1" rIns="91425" wrap="square" tIns="91425">
+            <a:noAutofit/>
+          </a:bodyPr>
+          <a:lstStyle/>
+          <a:p>
+            <a:pPr indent="0" lvl="0" marL="0" rtl="0" algn="l">
+              <a:spcBef>
+                <a:spcPts val="0"/>
+              </a:spcBef>
+              <a:spcAft>
+                <a:spcPts val="0"/>
+              </a:spcAft>
+              <a:buNone/>
+            </a:pPr>
+            <a:r>
+              <a:t/>
+            </a:r>
+            <a:endParaRPr/>
+          </a:p>
+        </p:txBody>
+      </p:sp>
+      <p:pic>
+        <p:nvPicPr>
+          <p:cNvPr id="242" name="Google Shape;242;p25"/>
+          <p:cNvPicPr preferRelativeResize="0"/>
+          <p:nvPr/>
+        </p:nvPicPr>
+        <p:blipFill>
+          <a:blip r:embed="rId3">
+            <a:alphaModFix/>
+          </a:blip>
+          <a:stretch>
+            <a:fillRect/>
+          </a:stretch>
+        </p:blipFill>
+        <p:spPr>
+          <a:xfrm>
+            <a:off x="145798" y="1665718"/>
+            <a:ext cx="4043628" cy="2683250"/>
+          </a:xfrm>
+          <a:prstGeom prst="rect">
+            <a:avLst/>
+          </a:prstGeom>
+          <a:noFill/>
+          <a:ln>
+            <a:noFill/>
+          </a:ln>
+        </p:spPr>
+      </p:pic>
+      <p:pic>
+        <p:nvPicPr>
+          <p:cNvPr id="243" name="Google Shape;243;p25"/>
+          <p:cNvPicPr preferRelativeResize="0"/>
+          <p:nvPr/>
+        </p:nvPicPr>
+        <p:blipFill>
+          <a:blip r:embed="rId4">
+            <a:alphaModFix/>
+          </a:blip>
+          <a:stretch>
+            <a:fillRect/>
+          </a:stretch>
+        </p:blipFill>
+        <p:spPr>
+          <a:xfrm>
+            <a:off x="4577650" y="1625662"/>
+            <a:ext cx="4132434" cy="2760000"/>
+          </a:xfrm>
+          <a:prstGeom prst="rect">
+            <a:avLst/>
+          </a:prstGeom>
+          <a:noFill/>
+          <a:ln>
+            <a:noFill/>
+          </a:ln>
+        </p:spPr>
+      </p:pic>
+      <p:sp>
+        <p:nvSpPr>
+          <p:cNvPr id="244" name="Google Shape;244;p25"/>
           <p:cNvSpPr txBox="1"/>
           <p:nvPr/>
         </p:nvSpPr>
         <p:spPr>
           <a:xfrm>
-            <a:off x="1192100" y="1307838"/>
+            <a:off x="979475" y="1226463"/>
             <a:ext cx="2410800" cy="338700"/>
           </a:xfrm>
           <a:prstGeom prst="rect">
@@ -13396,7 +12967,19 @@
                 <a:cs typeface="Lato"/>
                 <a:sym typeface="Lato"/>
               </a:rPr>
-              <a:t>Questionnaire</a:t>
+              <a:t>L</a:t>
+            </a:r>
+            <a:r>
+              <a:rPr i="1" lang="fr" sz="1000">
+                <a:solidFill>
+                  <a:srgbClr val="FFFFFF"/>
+                </a:solidFill>
+                <a:latin typeface="Lato"/>
+                <a:ea typeface="Lato"/>
+                <a:cs typeface="Lato"/>
+                <a:sym typeface="Lato"/>
+              </a:rPr>
+              <a:t>iste des questions</a:t>
             </a:r>
             <a:endParaRPr i="1" sz="1000">
               <a:solidFill>
@@ -13412,13 +12995,13 @@
       </p:sp>
       <p:sp>
         <p:nvSpPr>
-          <p:cNvPr id="246" name="Google Shape;246;p25"/>
+          <p:cNvPr id="245" name="Google Shape;245;p25"/>
           <p:cNvSpPr txBox="1"/>
           <p:nvPr/>
         </p:nvSpPr>
         <p:spPr>
           <a:xfrm>
-            <a:off x="5659563" y="1307838"/>
+            <a:off x="5558238" y="1226463"/>
             <a:ext cx="2410800" cy="338700"/>
           </a:xfrm>
           <a:prstGeom prst="rect">
@@ -13454,7 +13037,7 @@
                 <a:cs typeface="Lato"/>
                 <a:sym typeface="Lato"/>
               </a:rPr>
-              <a:t>Réponses d’un sondé</a:t>
+              <a:t>Liste des réponses</a:t>
             </a:r>
             <a:endParaRPr i="1" sz="1000">
               <a:solidFill>
@@ -13468,34 +13051,6 @@
           </a:p>
         </p:txBody>
       </p:sp>
-      <p:pic>
-        <p:nvPicPr>
-          <p:cNvPr id="247" name="Google Shape;247;p25"/>
-          <p:cNvPicPr preferRelativeResize="0"/>
-          <p:nvPr/>
-        </p:nvPicPr>
-        <p:blipFill>
-          <a:blip r:embed="rId4">
-            <a:alphaModFix/>
-          </a:blip>
-          <a:stretch>
-            <a:fillRect/>
-          </a:stretch>
-        </p:blipFill>
-        <p:spPr>
-          <a:xfrm>
-            <a:off x="327550" y="1684100"/>
-            <a:ext cx="4132797" cy="2760000"/>
-          </a:xfrm>
-          <a:prstGeom prst="rect">
-            <a:avLst/>
-          </a:prstGeom>
-          <a:noFill/>
-          <a:ln>
-            <a:noFill/>
-          </a:ln>
-        </p:spPr>
-      </p:pic>
     </p:spTree>
   </p:cSld>
   <p:clrMapOvr>
@@ -13509,129 +13064,6 @@
             <p:seq concurrent="1" nextAc="seek">
               <p:cTn dur="indefinite" id="2" nodeType="mainSeq">
                 <p:childTnLst>
-                  <p:par>
-                    <p:cTn fill="hold">
-                      <p:stCondLst>
-                        <p:cond delay="indefinite"/>
-                      </p:stCondLst>
-                      <p:childTnLst>
-                        <p:par>
-                          <p:cTn fill="hold">
-                            <p:stCondLst>
-                              <p:cond delay="0"/>
-                            </p:stCondLst>
-                            <p:childTnLst>
-                              <p:par>
-                                <p:cTn fill="hold" nodeType="clickEffect" presetClass="entr" presetID="10" presetSubtype="0">
-                                  <p:stCondLst>
-                                    <p:cond delay="0"/>
-                                  </p:stCondLst>
-                                  <p:childTnLst>
-                                    <p:set>
-                                      <p:cBhvr>
-                                        <p:cTn dur="1" fill="hold">
-                                          <p:stCondLst>
-                                            <p:cond delay="0"/>
-                                          </p:stCondLst>
-                                        </p:cTn>
-                                        <p:tgtEl>
-                                          <p:spTgt spid="244"/>
-                                        </p:tgtEl>
-                                        <p:attrNameLst>
-                                          <p:attrName>style.visibility</p:attrName>
-                                        </p:attrNameLst>
-                                      </p:cBhvr>
-                                      <p:to>
-                                        <p:strVal val="visible"/>
-                                      </p:to>
-                                    </p:set>
-                                    <p:animEffect filter="fade" transition="in">
-                                      <p:cBhvr>
-                                        <p:cTn dur="1000"/>
-                                        <p:tgtEl>
-                                          <p:spTgt spid="244"/>
-                                        </p:tgtEl>
-                                      </p:cBhvr>
-                                    </p:animEffect>
-                                  </p:childTnLst>
-                                </p:cTn>
-                              </p:par>
-                              <p:par>
-                                <p:cTn fill="hold" nodeType="withEffect" presetClass="entr" presetID="10" presetSubtype="0">
-                                  <p:stCondLst>
-                                    <p:cond delay="0"/>
-                                  </p:stCondLst>
-                                  <p:childTnLst>
-                                    <p:set>
-                                      <p:cBhvr>
-                                        <p:cTn dur="1" fill="hold">
-                                          <p:stCondLst>
-                                            <p:cond delay="0"/>
-                                          </p:stCondLst>
-                                        </p:cTn>
-                                        <p:tgtEl>
-                                          <p:spTgt spid="245"/>
-                                        </p:tgtEl>
-                                        <p:attrNameLst>
-                                          <p:attrName>style.visibility</p:attrName>
-                                        </p:attrNameLst>
-                                      </p:cBhvr>
-                                      <p:to>
-                                        <p:strVal val="visible"/>
-                                      </p:to>
-                                    </p:set>
-                                    <p:animEffect filter="fade" transition="in">
-                                      <p:cBhvr>
-                                        <p:cTn dur="1000"/>
-                                        <p:tgtEl>
-                                          <p:spTgt spid="245"/>
-                                        </p:tgtEl>
-                                      </p:cBhvr>
-                                    </p:animEffect>
-                                  </p:childTnLst>
-                                </p:cTn>
-                              </p:par>
-                              <p:par>
-                                <p:cTn fill="hold" nodeType="withEffect" presetClass="entr" presetID="10" presetSubtype="0">
-                                  <p:stCondLst>
-                                    <p:cond delay="0"/>
-                                  </p:stCondLst>
-                                  <p:childTnLst>
-                                    <p:set>
-                                      <p:cBhvr>
-                                        <p:cTn dur="1" fill="hold">
-                                          <p:stCondLst>
-                                            <p:cond delay="0"/>
-                                          </p:stCondLst>
-                                        </p:cTn>
-                                        <p:tgtEl>
-                                          <p:spTgt spid="247"/>
-                                        </p:tgtEl>
-                                        <p:attrNameLst>
-                                          <p:attrName>style.visibility</p:attrName>
-                                        </p:attrNameLst>
-                                      </p:cBhvr>
-                                      <p:to>
-                                        <p:strVal val="visible"/>
-                                      </p:to>
-                                    </p:set>
-                                    <p:animEffect filter="fade" transition="in">
-                                      <p:cBhvr>
-                                        <p:cTn dur="1000"/>
-                                        <p:tgtEl>
-                                          <p:spTgt spid="247"/>
-                                        </p:tgtEl>
-                                      </p:cBhvr>
-                                    </p:animEffect>
-                                  </p:childTnLst>
-                                </p:cTn>
-                              </p:par>
-                            </p:childTnLst>
-                          </p:cTn>
-                        </p:par>
-                      </p:childTnLst>
-                    </p:cTn>
-                  </p:par>
                   <p:par>
                     <p:cTn fill="hold">
                       <p:stCondLst>
@@ -13693,6 +13125,129 @@
                                           </p:stCondLst>
                                         </p:cTn>
                                         <p:tgtEl>
+                                          <p:spTgt spid="242"/>
+                                        </p:tgtEl>
+                                        <p:attrNameLst>
+                                          <p:attrName>style.visibility</p:attrName>
+                                        </p:attrNameLst>
+                                      </p:cBhvr>
+                                      <p:to>
+                                        <p:strVal val="visible"/>
+                                      </p:to>
+                                    </p:set>
+                                    <p:animEffect filter="fade" transition="in">
+                                      <p:cBhvr>
+                                        <p:cTn dur="1000"/>
+                                        <p:tgtEl>
+                                          <p:spTgt spid="242"/>
+                                        </p:tgtEl>
+                                      </p:cBhvr>
+                                    </p:animEffect>
+                                  </p:childTnLst>
+                                </p:cTn>
+                              </p:par>
+                              <p:par>
+                                <p:cTn fill="hold" nodeType="withEffect" presetClass="entr" presetID="10" presetSubtype="0">
+                                  <p:stCondLst>
+                                    <p:cond delay="0"/>
+                                  </p:stCondLst>
+                                  <p:childTnLst>
+                                    <p:set>
+                                      <p:cBhvr>
+                                        <p:cTn dur="1" fill="hold">
+                                          <p:stCondLst>
+                                            <p:cond delay="0"/>
+                                          </p:stCondLst>
+                                        </p:cTn>
+                                        <p:tgtEl>
+                                          <p:spTgt spid="244"/>
+                                        </p:tgtEl>
+                                        <p:attrNameLst>
+                                          <p:attrName>style.visibility</p:attrName>
+                                        </p:attrNameLst>
+                                      </p:cBhvr>
+                                      <p:to>
+                                        <p:strVal val="visible"/>
+                                      </p:to>
+                                    </p:set>
+                                    <p:animEffect filter="fade" transition="in">
+                                      <p:cBhvr>
+                                        <p:cTn dur="1000"/>
+                                        <p:tgtEl>
+                                          <p:spTgt spid="244"/>
+                                        </p:tgtEl>
+                                      </p:cBhvr>
+                                    </p:animEffect>
+                                  </p:childTnLst>
+                                </p:cTn>
+                              </p:par>
+                            </p:childTnLst>
+                          </p:cTn>
+                        </p:par>
+                      </p:childTnLst>
+                    </p:cTn>
+                  </p:par>
+                  <p:par>
+                    <p:cTn fill="hold">
+                      <p:stCondLst>
+                        <p:cond delay="indefinite"/>
+                      </p:stCondLst>
+                      <p:childTnLst>
+                        <p:par>
+                          <p:cTn fill="hold">
+                            <p:stCondLst>
+                              <p:cond delay="0"/>
+                            </p:stCondLst>
+                            <p:childTnLst>
+                              <p:par>
+                                <p:cTn fill="hold" nodeType="clickEffect" presetClass="entr" presetID="10" presetSubtype="0">
+                                  <p:stCondLst>
+                                    <p:cond delay="0"/>
+                                  </p:stCondLst>
+                                  <p:childTnLst>
+                                    <p:set>
+                                      <p:cBhvr>
+                                        <p:cTn dur="1" fill="hold">
+                                          <p:stCondLst>
+                                            <p:cond delay="0"/>
+                                          </p:stCondLst>
+                                        </p:cTn>
+                                        <p:tgtEl>
+                                          <p:spTgt spid="240"/>
+                                        </p:tgtEl>
+                                        <p:attrNameLst>
+                                          <p:attrName>style.visibility</p:attrName>
+                                        </p:attrNameLst>
+                                      </p:cBhvr>
+                                      <p:to>
+                                        <p:strVal val="visible"/>
+                                      </p:to>
+                                    </p:set>
+                                    <p:animEffect filter="fade" transition="in">
+                                      <p:cBhvr>
+                                        <p:cTn dur="1000"/>
+                                        <p:tgtEl>
+                                          <p:spTgt spid="240"/>
+                                        </p:tgtEl>
+                                      </p:cBhvr>
+                                    </p:animEffect>
+                                  </p:childTnLst>
+                                </p:cTn>
+                              </p:par>
+                              <p:par>
+                                <p:cTn fill="hold" nodeType="withEffect" presetClass="entr" presetID="10" presetSubtype="0">
+                                  <p:stCondLst>
+                                    <p:cond delay="0"/>
+                                  </p:stCondLst>
+                                  <p:childTnLst>
+                                    <p:set>
+                                      <p:cBhvr>
+                                        <p:cTn dur="1" fill="hold">
+                                          <p:stCondLst>
+                                            <p:cond delay="0"/>
+                                          </p:stCondLst>
+                                        </p:cTn>
+                                        <p:tgtEl>
                                           <p:spTgt spid="243"/>
                                         </p:tgtEl>
                                         <p:attrNameLst>
@@ -13728,7 +13283,7 @@
                                           </p:stCondLst>
                                         </p:cTn>
                                         <p:tgtEl>
-                                          <p:spTgt spid="246"/>
+                                          <p:spTgt spid="245"/>
                                         </p:tgtEl>
                                         <p:attrNameLst>
                                           <p:attrName>style.visibility</p:attrName>
@@ -13742,7 +13297,7 @@
                                       <p:cBhvr>
                                         <p:cTn dur="1000"/>
                                         <p:tgtEl>
-                                          <p:spTgt spid="246"/>
+                                          <p:spTgt spid="245"/>
                                         </p:tgtEl>
                                       </p:cBhvr>
                                     </p:animEffect>
@@ -13785,7 +13340,7 @@
   <p:cSld>
     <p:spTree>
       <p:nvGrpSpPr>
-        <p:cNvPr id="251" name="Shape 251"/>
+        <p:cNvPr id="249" name="Shape 249"/>
         <p:cNvGrpSpPr/>
         <p:nvPr/>
       </p:nvGrpSpPr>
@@ -13799,7 +13354,7 @@
       </p:grpSpPr>
       <p:sp>
         <p:nvSpPr>
-          <p:cNvPr id="252" name="Google Shape;252;p26"/>
+          <p:cNvPr id="250" name="Google Shape;250;p26"/>
           <p:cNvSpPr txBox="1"/>
           <p:nvPr>
             <p:ph type="title"/>
@@ -13843,7 +13398,7 @@
       </p:sp>
       <p:sp>
         <p:nvSpPr>
-          <p:cNvPr id="253" name="Google Shape;253;p26"/>
+          <p:cNvPr id="251" name="Google Shape;251;p26"/>
           <p:cNvSpPr/>
           <p:nvPr/>
         </p:nvSpPr>
@@ -13886,7 +13441,7 @@
       </p:sp>
       <p:sp>
         <p:nvSpPr>
-          <p:cNvPr id="254" name="Google Shape;254;p26"/>
+          <p:cNvPr id="252" name="Google Shape;252;p26"/>
           <p:cNvSpPr/>
           <p:nvPr/>
         </p:nvSpPr>
@@ -13930,9 +13485,9 @@
       </p:sp>
       <p:cxnSp>
         <p:nvCxnSpPr>
-          <p:cNvPr id="255" name="Google Shape;255;p26"/>
+          <p:cNvPr id="253" name="Google Shape;253;p26"/>
           <p:cNvCxnSpPr>
-            <a:stCxn id="253" idx="2"/>
+            <a:stCxn id="251" idx="2"/>
           </p:cNvCxnSpPr>
           <p:nvPr/>
         </p:nvCxnSpPr>
@@ -13958,7 +13513,7 @@
       </p:cxnSp>
       <p:sp>
         <p:nvSpPr>
-          <p:cNvPr id="256" name="Google Shape;256;p26"/>
+          <p:cNvPr id="254" name="Google Shape;254;p26"/>
           <p:cNvSpPr/>
           <p:nvPr/>
         </p:nvSpPr>
@@ -14002,7 +13557,7 @@
       </p:sp>
       <p:cxnSp>
         <p:nvCxnSpPr>
-          <p:cNvPr id="257" name="Google Shape;257;p26"/>
+          <p:cNvPr id="255" name="Google Shape;255;p26"/>
           <p:cNvCxnSpPr/>
           <p:nvPr/>
         </p:nvCxnSpPr>
@@ -14028,9 +13583,9 @@
       </p:cxnSp>
       <p:cxnSp>
         <p:nvCxnSpPr>
-          <p:cNvPr id="258" name="Google Shape;258;p26"/>
+          <p:cNvPr id="256" name="Google Shape;256;p26"/>
           <p:cNvCxnSpPr>
-            <a:endCxn id="256" idx="0"/>
+            <a:endCxn id="254" idx="0"/>
           </p:cNvCxnSpPr>
           <p:nvPr/>
         </p:nvCxnSpPr>
@@ -14056,9 +13611,9 @@
       </p:cxnSp>
       <p:cxnSp>
         <p:nvCxnSpPr>
-          <p:cNvPr id="259" name="Google Shape;259;p26"/>
+          <p:cNvPr id="257" name="Google Shape;257;p26"/>
           <p:cNvCxnSpPr>
-            <a:endCxn id="254" idx="0"/>
+            <a:endCxn id="252" idx="0"/>
           </p:cNvCxnSpPr>
           <p:nvPr/>
         </p:nvCxnSpPr>
@@ -14084,7 +13639,7 @@
       </p:cxnSp>
       <p:sp>
         <p:nvSpPr>
-          <p:cNvPr id="260" name="Google Shape;260;p26"/>
+          <p:cNvPr id="258" name="Google Shape;258;p26"/>
           <p:cNvSpPr/>
           <p:nvPr/>
         </p:nvSpPr>
@@ -14136,7 +13691,7 @@
       </p:sp>
       <p:sp>
         <p:nvSpPr>
-          <p:cNvPr id="261" name="Google Shape;261;p26"/>
+          <p:cNvPr id="259" name="Google Shape;259;p26"/>
           <p:cNvSpPr/>
           <p:nvPr/>
         </p:nvSpPr>
@@ -14183,7 +13738,7 @@
       </p:sp>
       <p:sp>
         <p:nvSpPr>
-          <p:cNvPr id="262" name="Google Shape;262;p26"/>
+          <p:cNvPr id="260" name="Google Shape;260;p26"/>
           <p:cNvSpPr/>
           <p:nvPr/>
         </p:nvSpPr>
@@ -14227,9 +13782,9 @@
       </p:sp>
       <p:cxnSp>
         <p:nvCxnSpPr>
-          <p:cNvPr id="263" name="Google Shape;263;p26"/>
+          <p:cNvPr id="261" name="Google Shape;261;p26"/>
           <p:cNvCxnSpPr>
-            <a:endCxn id="264" idx="0"/>
+            <a:endCxn id="262" idx="0"/>
           </p:cNvCxnSpPr>
           <p:nvPr/>
         </p:nvCxnSpPr>
@@ -14255,7 +13810,7 @@
       </p:cxnSp>
       <p:sp>
         <p:nvSpPr>
-          <p:cNvPr id="264" name="Google Shape;264;p26"/>
+          <p:cNvPr id="262" name="Google Shape;262;p26"/>
           <p:cNvSpPr/>
           <p:nvPr/>
         </p:nvSpPr>
@@ -14307,7 +13862,7 @@
             </a:pPr>
             <a:r>
               <a:rPr lang="fr" sz="1200"/>
-              <a:t>(statistique)</a:t>
+              <a:t>(statistiques)</a:t>
             </a:r>
             <a:endParaRPr sz="1200"/>
           </a:p>
@@ -14315,7 +13870,7 @@
       </p:sp>
       <p:sp>
         <p:nvSpPr>
-          <p:cNvPr id="265" name="Google Shape;265;p26"/>
+          <p:cNvPr id="263" name="Google Shape;263;p26"/>
           <p:cNvSpPr/>
           <p:nvPr/>
         </p:nvSpPr>
@@ -14359,7 +13914,7 @@
       </p:sp>
       <p:sp>
         <p:nvSpPr>
-          <p:cNvPr id="266" name="Google Shape;266;p26"/>
+          <p:cNvPr id="264" name="Google Shape;264;p26"/>
           <p:cNvSpPr/>
           <p:nvPr/>
         </p:nvSpPr>
@@ -14403,9 +13958,9 @@
       </p:sp>
       <p:cxnSp>
         <p:nvCxnSpPr>
-          <p:cNvPr id="267" name="Google Shape;267;p26"/>
+          <p:cNvPr id="265" name="Google Shape;265;p26"/>
           <p:cNvCxnSpPr>
-            <a:endCxn id="265" idx="0"/>
+            <a:endCxn id="263" idx="0"/>
           </p:cNvCxnSpPr>
           <p:nvPr/>
         </p:nvCxnSpPr>
@@ -14431,7 +13986,7 @@
       </p:cxnSp>
       <p:cxnSp>
         <p:nvCxnSpPr>
-          <p:cNvPr id="268" name="Google Shape;268;p26"/>
+          <p:cNvPr id="266" name="Google Shape;266;p26"/>
           <p:cNvCxnSpPr/>
           <p:nvPr/>
         </p:nvCxnSpPr>
@@ -14457,9 +14012,9 @@
       </p:cxnSp>
       <p:cxnSp>
         <p:nvCxnSpPr>
-          <p:cNvPr id="269" name="Google Shape;269;p26"/>
+          <p:cNvPr id="267" name="Google Shape;267;p26"/>
           <p:cNvCxnSpPr>
-            <a:endCxn id="266" idx="0"/>
+            <a:endCxn id="264" idx="0"/>
           </p:cNvCxnSpPr>
           <p:nvPr/>
         </p:nvCxnSpPr>
@@ -14485,9 +14040,9 @@
       </p:cxnSp>
       <p:cxnSp>
         <p:nvCxnSpPr>
-          <p:cNvPr id="270" name="Google Shape;270;p26"/>
+          <p:cNvPr id="268" name="Google Shape;268;p26"/>
           <p:cNvCxnSpPr>
-            <a:endCxn id="262" idx="0"/>
+            <a:endCxn id="260" idx="0"/>
           </p:cNvCxnSpPr>
           <p:nvPr/>
         </p:nvCxnSpPr>
@@ -14513,7 +14068,7 @@
       </p:cxnSp>
       <p:sp>
         <p:nvSpPr>
-          <p:cNvPr id="271" name="Google Shape;271;p26"/>
+          <p:cNvPr id="269" name="Google Shape;269;p26"/>
           <p:cNvSpPr/>
           <p:nvPr/>
         </p:nvSpPr>
@@ -14556,9 +14111,9 @@
       </p:sp>
       <p:cxnSp>
         <p:nvCxnSpPr>
-          <p:cNvPr id="272" name="Google Shape;272;p26"/>
+          <p:cNvPr id="270" name="Google Shape;270;p26"/>
           <p:cNvCxnSpPr>
-            <a:stCxn id="271" idx="2"/>
+            <a:stCxn id="269" idx="2"/>
           </p:cNvCxnSpPr>
           <p:nvPr/>
         </p:nvCxnSpPr>
@@ -14584,7 +14139,7 @@
       </p:cxnSp>
       <p:pic>
         <p:nvPicPr>
-          <p:cNvPr id="273" name="Google Shape;273;p26"/>
+          <p:cNvPr id="271" name="Google Shape;271;p26"/>
           <p:cNvPicPr preferRelativeResize="0"/>
           <p:nvPr/>
         </p:nvPicPr>
@@ -14612,7 +14167,7 @@
       </p:pic>
       <p:sp>
         <p:nvSpPr>
-          <p:cNvPr id="274" name="Google Shape;274;p26"/>
+          <p:cNvPr id="272" name="Google Shape;272;p26"/>
           <p:cNvSpPr txBox="1"/>
           <p:nvPr/>
         </p:nvSpPr>
@@ -14659,7 +14214,7 @@
       </p:sp>
       <p:pic>
         <p:nvPicPr>
-          <p:cNvPr id="275" name="Google Shape;275;p26"/>
+          <p:cNvPr id="273" name="Google Shape;273;p26"/>
           <p:cNvPicPr preferRelativeResize="0"/>
           <p:nvPr/>
         </p:nvPicPr>
@@ -14687,7 +14242,7 @@
       </p:pic>
       <p:sp>
         <p:nvSpPr>
-          <p:cNvPr id="276" name="Google Shape;276;p26"/>
+          <p:cNvPr id="274" name="Google Shape;274;p26"/>
           <p:cNvSpPr txBox="1"/>
           <p:nvPr/>
         </p:nvSpPr>
@@ -14771,7 +14326,7 @@
                                           </p:stCondLst>
                                         </p:cTn>
                                         <p:tgtEl>
-                                          <p:spTgt spid="252"/>
+                                          <p:spTgt spid="250"/>
                                         </p:tgtEl>
                                         <p:attrNameLst>
                                           <p:attrName>style.visibility</p:attrName>
@@ -14785,7 +14340,7 @@
                                       <p:cBhvr>
                                         <p:cTn dur="1000"/>
                                         <p:tgtEl>
-                                          <p:spTgt spid="252"/>
+                                          <p:spTgt spid="250"/>
                                         </p:tgtEl>
                                       </p:cBhvr>
                                     </p:animEffect>
@@ -14824,7 +14379,7 @@
                                           </p:stCondLst>
                                         </p:cTn>
                                         <p:tgtEl>
-                                          <p:spTgt spid="260"/>
+                                          <p:spTgt spid="258"/>
                                         </p:tgtEl>
                                         <p:attrNameLst>
                                           <p:attrName>style.visibility</p:attrName>
@@ -14838,7 +14393,7 @@
                                       <p:cBhvr>
                                         <p:cTn dur="1000"/>
                                         <p:tgtEl>
-                                          <p:spTgt spid="260"/>
+                                          <p:spTgt spid="258"/>
                                         </p:tgtEl>
                                       </p:cBhvr>
                                     </p:animEffect>
@@ -14865,6 +14420,76 @@
                             <p:childTnLst>
                               <p:par>
                                 <p:cTn fill="hold" nodeType="clickEffect" presetClass="entr" presetID="10" presetSubtype="0">
+                                  <p:stCondLst>
+                                    <p:cond delay="0"/>
+                                  </p:stCondLst>
+                                  <p:childTnLst>
+                                    <p:set>
+                                      <p:cBhvr>
+                                        <p:cTn dur="1" fill="hold">
+                                          <p:stCondLst>
+                                            <p:cond delay="0"/>
+                                          </p:stCondLst>
+                                        </p:cTn>
+                                        <p:tgtEl>
+                                          <p:spTgt spid="259"/>
+                                        </p:tgtEl>
+                                        <p:attrNameLst>
+                                          <p:attrName>style.visibility</p:attrName>
+                                        </p:attrNameLst>
+                                      </p:cBhvr>
+                                      <p:to>
+                                        <p:strVal val="visible"/>
+                                      </p:to>
+                                    </p:set>
+                                    <p:animEffect filter="fade" transition="in">
+                                      <p:cBhvr>
+                                        <p:cTn dur="1000"/>
+                                        <p:tgtEl>
+                                          <p:spTgt spid="259"/>
+                                        </p:tgtEl>
+                                      </p:cBhvr>
+                                    </p:animEffect>
+                                  </p:childTnLst>
+                                </p:cTn>
+                              </p:par>
+                              <p:par>
+                                <p:cTn fill="hold" nodeType="withEffect" presetClass="entr" presetID="10" presetSubtype="0">
+                                  <p:stCondLst>
+                                    <p:cond delay="0"/>
+                                  </p:stCondLst>
+                                  <p:childTnLst>
+                                    <p:set>
+                                      <p:cBhvr>
+                                        <p:cTn dur="1" fill="hold">
+                                          <p:stCondLst>
+                                            <p:cond delay="0"/>
+                                          </p:stCondLst>
+                                        </p:cTn>
+                                        <p:tgtEl>
+                                          <p:spTgt spid="260"/>
+                                        </p:tgtEl>
+                                        <p:attrNameLst>
+                                          <p:attrName>style.visibility</p:attrName>
+                                        </p:attrNameLst>
+                                      </p:cBhvr>
+                                      <p:to>
+                                        <p:strVal val="visible"/>
+                                      </p:to>
+                                    </p:set>
+                                    <p:animEffect filter="fade" transition="in">
+                                      <p:cBhvr>
+                                        <p:cTn dur="1000"/>
+                                        <p:tgtEl>
+                                          <p:spTgt spid="260"/>
+                                        </p:tgtEl>
+                                      </p:cBhvr>
+                                    </p:animEffect>
+                                  </p:childTnLst>
+                                </p:cTn>
+                              </p:par>
+                              <p:par>
+                                <p:cTn fill="hold" nodeType="withEffect" presetClass="entr" presetID="10" presetSubtype="0">
                                   <p:stCondLst>
                                     <p:cond delay="0"/>
                                   </p:stCondLst>
@@ -15283,8 +14908,26 @@
                                   </p:childTnLst>
                                 </p:cTn>
                               </p:par>
+                            </p:childTnLst>
+                          </p:cTn>
+                        </p:par>
+                      </p:childTnLst>
+                    </p:cTn>
+                  </p:par>
+                  <p:par>
+                    <p:cTn fill="hold">
+                      <p:stCondLst>
+                        <p:cond delay="indefinite"/>
+                      </p:stCondLst>
+                      <p:childTnLst>
+                        <p:par>
+                          <p:cTn fill="hold">
+                            <p:stCondLst>
+                              <p:cond delay="0"/>
+                            </p:stCondLst>
+                            <p:childTnLst>
                               <p:par>
-                                <p:cTn fill="hold" nodeType="withEffect" presetClass="entr" presetID="10" presetSubtype="0">
+                                <p:cTn fill="hold" nodeType="clickEffect" presetClass="entr" presetID="10" presetSubtype="0">
                                   <p:stCondLst>
                                     <p:cond delay="0"/>
                                   </p:stCondLst>
@@ -15297,7 +14940,7 @@
                                           </p:stCondLst>
                                         </p:cTn>
                                         <p:tgtEl>
-                                          <p:spTgt spid="273"/>
+                                          <p:spTgt spid="251"/>
                                         </p:tgtEl>
                                         <p:attrNameLst>
                                           <p:attrName>style.visibility</p:attrName>
@@ -15311,7 +14954,7 @@
                                       <p:cBhvr>
                                         <p:cTn dur="1000"/>
                                         <p:tgtEl>
-                                          <p:spTgt spid="273"/>
+                                          <p:spTgt spid="251"/>
                                         </p:tgtEl>
                                       </p:cBhvr>
                                     </p:animEffect>
@@ -15332,7 +14975,7 @@
                                           </p:stCondLst>
                                         </p:cTn>
                                         <p:tgtEl>
-                                          <p:spTgt spid="274"/>
+                                          <p:spTgt spid="252"/>
                                         </p:tgtEl>
                                         <p:attrNameLst>
                                           <p:attrName>style.visibility</p:attrName>
@@ -15346,33 +14989,15 @@
                                       <p:cBhvr>
                                         <p:cTn dur="1000"/>
                                         <p:tgtEl>
-                                          <p:spTgt spid="274"/>
+                                          <p:spTgt spid="252"/>
                                         </p:tgtEl>
                                       </p:cBhvr>
                                     </p:animEffect>
                                   </p:childTnLst>
                                 </p:cTn>
                               </p:par>
-                            </p:childTnLst>
-                          </p:cTn>
-                        </p:par>
-                      </p:childTnLst>
-                    </p:cTn>
-                  </p:par>
-                  <p:par>
-                    <p:cTn fill="hold">
-                      <p:stCondLst>
-                        <p:cond delay="indefinite"/>
-                      </p:stCondLst>
-                      <p:childTnLst>
-                        <p:par>
-                          <p:cTn fill="hold">
-                            <p:stCondLst>
-                              <p:cond delay="0"/>
-                            </p:stCondLst>
-                            <p:childTnLst>
                               <p:par>
-                                <p:cTn fill="hold" nodeType="clickEffect" presetClass="entr" presetID="10" presetSubtype="0">
+                                <p:cTn fill="hold" nodeType="withEffect" presetClass="entr" presetID="10" presetSubtype="0">
                                   <p:stCondLst>
                                     <p:cond delay="0"/>
                                   </p:stCondLst>
@@ -15560,7 +15185,7 @@
                                           </p:stCondLst>
                                         </p:cTn>
                                         <p:tgtEl>
-                                          <p:spTgt spid="258"/>
+                                          <p:spTgt spid="273"/>
                                         </p:tgtEl>
                                         <p:attrNameLst>
                                           <p:attrName>style.visibility</p:attrName>
@@ -15574,7 +15199,7 @@
                                       <p:cBhvr>
                                         <p:cTn dur="1000"/>
                                         <p:tgtEl>
-                                          <p:spTgt spid="258"/>
+                                          <p:spTgt spid="273"/>
                                         </p:tgtEl>
                                       </p:cBhvr>
                                     </p:animEffect>
@@ -15595,7 +15220,7 @@
                                           </p:stCondLst>
                                         </p:cTn>
                                         <p:tgtEl>
-                                          <p:spTgt spid="259"/>
+                                          <p:spTgt spid="274"/>
                                         </p:tgtEl>
                                         <p:attrNameLst>
                                           <p:attrName>style.visibility</p:attrName>
@@ -15609,77 +15234,7 @@
                                       <p:cBhvr>
                                         <p:cTn dur="1000"/>
                                         <p:tgtEl>
-                                          <p:spTgt spid="259"/>
-                                        </p:tgtEl>
-                                      </p:cBhvr>
-                                    </p:animEffect>
-                                  </p:childTnLst>
-                                </p:cTn>
-                              </p:par>
-                              <p:par>
-                                <p:cTn fill="hold" nodeType="withEffect" presetClass="entr" presetID="10" presetSubtype="0">
-                                  <p:stCondLst>
-                                    <p:cond delay="0"/>
-                                  </p:stCondLst>
-                                  <p:childTnLst>
-                                    <p:set>
-                                      <p:cBhvr>
-                                        <p:cTn dur="1" fill="hold">
-                                          <p:stCondLst>
-                                            <p:cond delay="0"/>
-                                          </p:stCondLst>
-                                        </p:cTn>
-                                        <p:tgtEl>
-                                          <p:spTgt spid="275"/>
-                                        </p:tgtEl>
-                                        <p:attrNameLst>
-                                          <p:attrName>style.visibility</p:attrName>
-                                        </p:attrNameLst>
-                                      </p:cBhvr>
-                                      <p:to>
-                                        <p:strVal val="visible"/>
-                                      </p:to>
-                                    </p:set>
-                                    <p:animEffect filter="fade" transition="in">
-                                      <p:cBhvr>
-                                        <p:cTn dur="1000"/>
-                                        <p:tgtEl>
-                                          <p:spTgt spid="275"/>
-                                        </p:tgtEl>
-                                      </p:cBhvr>
-                                    </p:animEffect>
-                                  </p:childTnLst>
-                                </p:cTn>
-                              </p:par>
-                              <p:par>
-                                <p:cTn fill="hold" nodeType="withEffect" presetClass="entr" presetID="10" presetSubtype="0">
-                                  <p:stCondLst>
-                                    <p:cond delay="0"/>
-                                  </p:stCondLst>
-                                  <p:childTnLst>
-                                    <p:set>
-                                      <p:cBhvr>
-                                        <p:cTn dur="1" fill="hold">
-                                          <p:stCondLst>
-                                            <p:cond delay="0"/>
-                                          </p:stCondLst>
-                                        </p:cTn>
-                                        <p:tgtEl>
-                                          <p:spTgt spid="276"/>
-                                        </p:tgtEl>
-                                        <p:attrNameLst>
-                                          <p:attrName>style.visibility</p:attrName>
-                                        </p:attrNameLst>
-                                      </p:cBhvr>
-                                      <p:to>
-                                        <p:strVal val="visible"/>
-                                      </p:to>
-                                    </p:set>
-                                    <p:animEffect filter="fade" transition="in">
-                                      <p:cBhvr>
-                                        <p:cTn dur="1000"/>
-                                        <p:tgtEl>
-                                          <p:spTgt spid="276"/>
+                                          <p:spTgt spid="274"/>
                                         </p:tgtEl>
                                       </p:cBhvr>
                                     </p:animEffect>
@@ -15722,7 +15277,7 @@
   <p:cSld>
     <p:spTree>
       <p:nvGrpSpPr>
-        <p:cNvPr id="280" name="Shape 280"/>
+        <p:cNvPr id="278" name="Shape 278"/>
         <p:cNvGrpSpPr/>
         <p:nvPr/>
       </p:nvGrpSpPr>
@@ -15736,7 +15291,7 @@
       </p:grpSpPr>
       <p:sp>
         <p:nvSpPr>
-          <p:cNvPr id="281" name="Google Shape;281;p27"/>
+          <p:cNvPr id="279" name="Google Shape;279;p27"/>
           <p:cNvSpPr txBox="1"/>
           <p:nvPr>
             <p:ph type="title"/>
@@ -15776,7 +15331,7 @@
       </p:sp>
       <p:sp>
         <p:nvSpPr>
-          <p:cNvPr id="282" name="Google Shape;282;p27"/>
+          <p:cNvPr id="280" name="Google Shape;280;p27"/>
           <p:cNvSpPr/>
           <p:nvPr/>
         </p:nvSpPr>
@@ -15826,7 +15381,7 @@
       </p:sp>
       <p:sp>
         <p:nvSpPr>
-          <p:cNvPr id="283" name="Google Shape;283;p27"/>
+          <p:cNvPr id="281" name="Google Shape;281;p27"/>
           <p:cNvSpPr/>
           <p:nvPr/>
         </p:nvSpPr>
@@ -15876,7 +15431,7 @@
       </p:sp>
       <p:sp>
         <p:nvSpPr>
-          <p:cNvPr id="284" name="Google Shape;284;p27"/>
+          <p:cNvPr id="282" name="Google Shape;282;p27"/>
           <p:cNvSpPr/>
           <p:nvPr/>
         </p:nvSpPr>
@@ -15934,10 +15489,10 @@
       </p:sp>
       <p:cxnSp>
         <p:nvCxnSpPr>
-          <p:cNvPr id="285" name="Google Shape;285;p27"/>
+          <p:cNvPr id="283" name="Google Shape;283;p27"/>
           <p:cNvCxnSpPr>
-            <a:stCxn id="284" idx="2"/>
-            <a:endCxn id="283" idx="3"/>
+            <a:stCxn id="282" idx="2"/>
+            <a:endCxn id="281" idx="3"/>
           </p:cNvCxnSpPr>
           <p:nvPr/>
         </p:nvCxnSpPr>
@@ -15963,10 +15518,10 @@
       </p:cxnSp>
       <p:cxnSp>
         <p:nvCxnSpPr>
-          <p:cNvPr id="286" name="Google Shape;286;p27"/>
+          <p:cNvPr id="284" name="Google Shape;284;p27"/>
           <p:cNvCxnSpPr>
-            <a:stCxn id="282" idx="2"/>
-            <a:endCxn id="287" idx="0"/>
+            <a:stCxn id="280" idx="2"/>
+            <a:endCxn id="285" idx="0"/>
           </p:cNvCxnSpPr>
           <p:nvPr/>
         </p:nvCxnSpPr>
@@ -15994,7 +15549,7 @@
       </p:cxnSp>
       <p:sp>
         <p:nvSpPr>
-          <p:cNvPr id="288" name="Google Shape;288;p27"/>
+          <p:cNvPr id="286" name="Google Shape;286;p27"/>
           <p:cNvSpPr/>
           <p:nvPr/>
         </p:nvSpPr>
@@ -16046,7 +15601,7 @@
       </p:sp>
       <p:sp>
         <p:nvSpPr>
-          <p:cNvPr id="289" name="Google Shape;289;p27"/>
+          <p:cNvPr id="287" name="Google Shape;287;p27"/>
           <p:cNvSpPr/>
           <p:nvPr/>
         </p:nvSpPr>
@@ -16100,7 +15655,7 @@
       </p:sp>
       <p:sp>
         <p:nvSpPr>
-          <p:cNvPr id="290" name="Google Shape;290;p27"/>
+          <p:cNvPr id="288" name="Google Shape;288;p27"/>
           <p:cNvSpPr/>
           <p:nvPr/>
         </p:nvSpPr>
@@ -16152,7 +15707,7 @@
       </p:sp>
       <p:sp>
         <p:nvSpPr>
-          <p:cNvPr id="291" name="Google Shape;291;p27"/>
+          <p:cNvPr id="289" name="Google Shape;289;p27"/>
           <p:cNvSpPr txBox="1"/>
           <p:nvPr/>
         </p:nvSpPr>
@@ -16210,7 +15765,7 @@
       </p:sp>
       <p:sp>
         <p:nvSpPr>
-          <p:cNvPr id="292" name="Google Shape;292;p27"/>
+          <p:cNvPr id="290" name="Google Shape;290;p27"/>
           <p:cNvSpPr txBox="1"/>
           <p:nvPr/>
         </p:nvSpPr>
@@ -16328,7 +15883,7 @@
                                           </p:stCondLst>
                                         </p:cTn>
                                         <p:tgtEl>
-                                          <p:spTgt spid="281"/>
+                                          <p:spTgt spid="279"/>
                                         </p:tgtEl>
                                         <p:attrNameLst>
                                           <p:attrName>style.visibility</p:attrName>
@@ -16342,7 +15897,95 @@
                                       <p:cBhvr>
                                         <p:cTn dur="1000"/>
                                         <p:tgtEl>
-                                          <p:spTgt spid="281"/>
+                                          <p:spTgt spid="279"/>
+                                        </p:tgtEl>
+                                      </p:cBhvr>
+                                    </p:animEffect>
+                                  </p:childTnLst>
+                                </p:cTn>
+                              </p:par>
+                            </p:childTnLst>
+                          </p:cTn>
+                        </p:par>
+                      </p:childTnLst>
+                    </p:cTn>
+                  </p:par>
+                  <p:par>
+                    <p:cTn fill="hold">
+                      <p:stCondLst>
+                        <p:cond delay="indefinite"/>
+                      </p:stCondLst>
+                      <p:childTnLst>
+                        <p:par>
+                          <p:cTn fill="hold">
+                            <p:stCondLst>
+                              <p:cond delay="0"/>
+                            </p:stCondLst>
+                            <p:childTnLst>
+                              <p:par>
+                                <p:cTn fill="hold" nodeType="clickEffect" presetClass="entr" presetID="10" presetSubtype="0">
+                                  <p:stCondLst>
+                                    <p:cond delay="0"/>
+                                  </p:stCondLst>
+                                  <p:childTnLst>
+                                    <p:set>
+                                      <p:cBhvr>
+                                        <p:cTn dur="1" fill="hold">
+                                          <p:stCondLst>
+                                            <p:cond delay="0"/>
+                                          </p:stCondLst>
+                                        </p:cTn>
+                                        <p:tgtEl>
+                                          <p:spTgt spid="287"/>
+                                        </p:tgtEl>
+                                        <p:attrNameLst>
+                                          <p:attrName>style.visibility</p:attrName>
+                                        </p:attrNameLst>
+                                      </p:cBhvr>
+                                      <p:to>
+                                        <p:strVal val="visible"/>
+                                      </p:to>
+                                    </p:set>
+                                    <p:animEffect filter="fade" transition="in">
+                                      <p:cBhvr>
+                                        <p:cTn dur="1000"/>
+                                        <p:tgtEl>
+                                          <p:spTgt spid="287"/>
+                                        </p:tgtEl>
+                                      </p:cBhvr>
+                                    </p:animEffect>
+                                  </p:childTnLst>
+                                </p:cTn>
+                              </p:par>
+                              <p:par>
+                                <p:cTn fill="hold" nodeType="withEffect" presetClass="entr" presetID="10" presetSubtype="0">
+                                  <p:stCondLst>
+                                    <p:cond delay="0"/>
+                                  </p:stCondLst>
+                                  <p:childTnLst>
+                                    <p:set>
+                                      <p:cBhvr>
+                                        <p:cTn dur="1" fill="hold">
+                                          <p:stCondLst>
+                                            <p:cond delay="0"/>
+                                          </p:stCondLst>
+                                        </p:cTn>
+                                        <p:tgtEl>
+                                          <p:spTgt spid="288"/>
+                                        </p:tgtEl>
+                                        <p:attrNameLst>
+                                          <p:attrName>style.visibility</p:attrName>
+                                        </p:attrNameLst>
+                                      </p:cBhvr>
+                                      <p:to>
+                                        <p:strVal val="visible"/>
+                                      </p:to>
+                                    </p:set>
+                                    <p:animEffect filter="fade" transition="in">
+                                      <p:cBhvr>
+                                        <p:cTn dur="1100"/>
+                                        <p:tgtEl>
+                                          <p:spTgt spid="288"/>
                                         </p:tgtEl>
                                       </p:cBhvr>
                                     </p:animEffect>
@@ -16402,41 +16045,6 @@
                                   </p:childTnLst>
                                 </p:cTn>
                               </p:par>
-                              <p:par>
-                                <p:cTn fill="hold" nodeType="withEffect" presetClass="entr" presetID="10" presetSubtype="0">
-                                  <p:stCondLst>
-                                    <p:cond delay="0"/>
-                                  </p:stCondLst>
-                                  <p:childTnLst>
-                                    <p:set>
-                                      <p:cBhvr>
-                                        <p:cTn dur="1" fill="hold">
-                                          <p:stCondLst>
-                                            <p:cond delay="0"/>
-                                          </p:stCondLst>
-                                        </p:cTn>
-                                        <p:tgtEl>
-                                          <p:spTgt spid="290"/>
-                                        </p:tgtEl>
-                                        <p:attrNameLst>
-                                          <p:attrName>style.visibility</p:attrName>
-                                        </p:attrNameLst>
-                                      </p:cBhvr>
-                                      <p:to>
-                                        <p:strVal val="visible"/>
-                                      </p:to>
-                                    </p:set>
-                                    <p:animEffect filter="fade" transition="in">
-                                      <p:cBhvr>
-                                        <p:cTn dur="1100"/>
-                                        <p:tgtEl>
-                                          <p:spTgt spid="290"/>
-                                        </p:tgtEl>
-                                      </p:cBhvr>
-                                    </p:animEffect>
-                                  </p:childTnLst>
-                                </p:cTn>
-                              </p:par>
                             </p:childTnLst>
                           </p:cTn>
                         </p:par>
@@ -16469,7 +16077,7 @@
                                           </p:stCondLst>
                                         </p:cTn>
                                         <p:tgtEl>
-                                          <p:spTgt spid="291"/>
+                                          <p:spTgt spid="280"/>
                                         </p:tgtEl>
                                         <p:attrNameLst>
                                           <p:attrName>style.visibility</p:attrName>
@@ -16483,148 +16091,7 @@
                                       <p:cBhvr>
                                         <p:cTn dur="1000"/>
                                         <p:tgtEl>
-                                          <p:spTgt spid="291"/>
-                                        </p:tgtEl>
-                                      </p:cBhvr>
-                                    </p:animEffect>
-                                  </p:childTnLst>
-                                </p:cTn>
-                              </p:par>
-                            </p:childTnLst>
-                          </p:cTn>
-                        </p:par>
-                      </p:childTnLst>
-                    </p:cTn>
-                  </p:par>
-                  <p:par>
-                    <p:cTn fill="hold">
-                      <p:stCondLst>
-                        <p:cond delay="indefinite"/>
-                      </p:stCondLst>
-                      <p:childTnLst>
-                        <p:par>
-                          <p:cTn fill="hold">
-                            <p:stCondLst>
-                              <p:cond delay="0"/>
-                            </p:stCondLst>
-                            <p:childTnLst>
-                              <p:par>
-                                <p:cTn fill="hold" nodeType="clickEffect" presetClass="entr" presetID="10" presetSubtype="0">
-                                  <p:stCondLst>
-                                    <p:cond delay="0"/>
-                                  </p:stCondLst>
-                                  <p:childTnLst>
-                                    <p:set>
-                                      <p:cBhvr>
-                                        <p:cTn dur="1" fill="hold">
-                                          <p:stCondLst>
-                                            <p:cond delay="0"/>
-                                          </p:stCondLst>
-                                        </p:cTn>
-                                        <p:tgtEl>
-                                          <p:spTgt spid="282"/>
-                                        </p:tgtEl>
-                                        <p:attrNameLst>
-                                          <p:attrName>style.visibility</p:attrName>
-                                        </p:attrNameLst>
-                                      </p:cBhvr>
-                                      <p:to>
-                                        <p:strVal val="visible"/>
-                                      </p:to>
-                                    </p:set>
-                                    <p:animEffect filter="fade" transition="in">
-                                      <p:cBhvr>
-                                        <p:cTn dur="1000"/>
-                                        <p:tgtEl>
-                                          <p:spTgt spid="282"/>
-                                        </p:tgtEl>
-                                      </p:cBhvr>
-                                    </p:animEffect>
-                                  </p:childTnLst>
-                                </p:cTn>
-                              </p:par>
-                            </p:childTnLst>
-                          </p:cTn>
-                        </p:par>
-                      </p:childTnLst>
-                    </p:cTn>
-                  </p:par>
-                  <p:par>
-                    <p:cTn fill="hold">
-                      <p:stCondLst>
-                        <p:cond delay="indefinite"/>
-                      </p:stCondLst>
-                      <p:childTnLst>
-                        <p:par>
-                          <p:cTn fill="hold">
-                            <p:stCondLst>
-                              <p:cond delay="0"/>
-                            </p:stCondLst>
-                            <p:childTnLst>
-                              <p:par>
-                                <p:cTn fill="hold" nodeType="clickEffect" presetClass="entr" presetID="10" presetSubtype="0">
-                                  <p:stCondLst>
-                                    <p:cond delay="0"/>
-                                  </p:stCondLst>
-                                  <p:childTnLst>
-                                    <p:set>
-                                      <p:cBhvr>
-                                        <p:cTn dur="1" fill="hold">
-                                          <p:stCondLst>
-                                            <p:cond delay="0"/>
-                                          </p:stCondLst>
-                                        </p:cTn>
-                                        <p:tgtEl>
-                                          <p:spTgt spid="286"/>
-                                        </p:tgtEl>
-                                        <p:attrNameLst>
-                                          <p:attrName>style.visibility</p:attrName>
-                                        </p:attrNameLst>
-                                      </p:cBhvr>
-                                      <p:to>
-                                        <p:strVal val="visible"/>
-                                      </p:to>
-                                    </p:set>
-                                    <p:animEffect filter="fade" transition="in">
-                                      <p:cBhvr>
-                                        <p:cTn dur="1000"/>
-                                        <p:tgtEl>
-                                          <p:spTgt spid="286"/>
-                                        </p:tgtEl>
-                                      </p:cBhvr>
-                                    </p:animEffect>
-                                  </p:childTnLst>
-                                </p:cTn>
-                              </p:par>
-                              <p:par>
-                                <p:cTn fill="hold" nodeType="withEffect" presetClass="entr" presetID="10" presetSubtype="0">
-                                  <p:stCondLst>
-                                    <p:cond delay="0"/>
-                                  </p:stCondLst>
-                                  <p:childTnLst>
-                                    <p:set>
-                                      <p:cBhvr>
-                                        <p:cTn dur="1" fill="hold">
-                                          <p:stCondLst>
-                                            <p:cond delay="0"/>
-                                          </p:stCondLst>
-                                        </p:cTn>
-                                        <p:tgtEl>
-                                          <p:spTgt spid="288"/>
-                                        </p:tgtEl>
-                                        <p:attrNameLst>
-                                          <p:attrName>style.visibility</p:attrName>
-                                        </p:attrNameLst>
-                                      </p:cBhvr>
-                                      <p:to>
-                                        <p:strVal val="visible"/>
-                                      </p:to>
-                                    </p:set>
-                                    <p:animEffect filter="fade" transition="in">
-                                      <p:cBhvr>
-                                        <p:cTn dur="1000"/>
-                                        <p:tgtEl>
-                                          <p:spTgt spid="288"/>
+                                          <p:spTgt spid="280"/>
                                         </p:tgtEl>
                                       </p:cBhvr>
                                     </p:animEffect>
@@ -16698,7 +16165,7 @@
                                           </p:stCondLst>
                                         </p:cTn>
                                         <p:tgtEl>
-                                          <p:spTgt spid="285"/>
+                                          <p:spTgt spid="286"/>
                                         </p:tgtEl>
                                         <p:attrNameLst>
                                           <p:attrName>style.visibility</p:attrName>
@@ -16712,7 +16179,7 @@
                                       <p:cBhvr>
                                         <p:cTn dur="1000"/>
                                         <p:tgtEl>
-                                          <p:spTgt spid="285"/>
+                                          <p:spTgt spid="286"/>
                                         </p:tgtEl>
                                       </p:cBhvr>
                                     </p:animEffect>
@@ -16751,6 +16218,41 @@
                                           </p:stCondLst>
                                         </p:cTn>
                                         <p:tgtEl>
+                                          <p:spTgt spid="282"/>
+                                        </p:tgtEl>
+                                        <p:attrNameLst>
+                                          <p:attrName>style.visibility</p:attrName>
+                                        </p:attrNameLst>
+                                      </p:cBhvr>
+                                      <p:to>
+                                        <p:strVal val="visible"/>
+                                      </p:to>
+                                    </p:set>
+                                    <p:animEffect filter="fade" transition="in">
+                                      <p:cBhvr>
+                                        <p:cTn dur="1000"/>
+                                        <p:tgtEl>
+                                          <p:spTgt spid="282"/>
+                                        </p:tgtEl>
+                                      </p:cBhvr>
+                                    </p:animEffect>
+                                  </p:childTnLst>
+                                </p:cTn>
+                              </p:par>
+                              <p:par>
+                                <p:cTn fill="hold" nodeType="withEffect" presetClass="entr" presetID="10" presetSubtype="0">
+                                  <p:stCondLst>
+                                    <p:cond delay="0"/>
+                                  </p:stCondLst>
+                                  <p:childTnLst>
+                                    <p:set>
+                                      <p:cBhvr>
+                                        <p:cTn dur="1" fill="hold">
+                                          <p:stCondLst>
+                                            <p:cond delay="0"/>
+                                          </p:stCondLst>
+                                        </p:cTn>
+                                        <p:tgtEl>
                                           <p:spTgt spid="283"/>
                                         </p:tgtEl>
                                         <p:attrNameLst>
@@ -16772,6 +16274,59 @@
                                   </p:childTnLst>
                                 </p:cTn>
                               </p:par>
+                            </p:childTnLst>
+                          </p:cTn>
+                        </p:par>
+                      </p:childTnLst>
+                    </p:cTn>
+                  </p:par>
+                  <p:par>
+                    <p:cTn fill="hold">
+                      <p:stCondLst>
+                        <p:cond delay="indefinite"/>
+                      </p:stCondLst>
+                      <p:childTnLst>
+                        <p:par>
+                          <p:cTn fill="hold">
+                            <p:stCondLst>
+                              <p:cond delay="0"/>
+                            </p:stCondLst>
+                            <p:childTnLst>
+                              <p:par>
+                                <p:cTn fill="hold" nodeType="clickEffect" presetClass="entr" presetID="10" presetSubtype="0">
+                                  <p:stCondLst>
+                                    <p:cond delay="0"/>
+                                  </p:stCondLst>
+                                  <p:childTnLst>
+                                    <p:set>
+                                      <p:cBhvr>
+                                        <p:cTn dur="1" fill="hold">
+                                          <p:stCondLst>
+                                            <p:cond delay="0"/>
+                                          </p:stCondLst>
+                                        </p:cTn>
+                                        <p:tgtEl>
+                                          <p:spTgt spid="281"/>
+                                        </p:tgtEl>
+                                        <p:attrNameLst>
+                                          <p:attrName>style.visibility</p:attrName>
+                                        </p:attrNameLst>
+                                      </p:cBhvr>
+                                      <p:to>
+                                        <p:strVal val="visible"/>
+                                      </p:to>
+                                    </p:set>
+                                    <p:animEffect filter="fade" transition="in">
+                                      <p:cBhvr>
+                                        <p:cTn dur="1000"/>
+                                        <p:tgtEl>
+                                          <p:spTgt spid="281"/>
+                                        </p:tgtEl>
+                                      </p:cBhvr>
+                                    </p:animEffect>
+                                  </p:childTnLst>
+                                </p:cTn>
+                              </p:par>
                               <p:par>
                                 <p:cTn fill="hold" nodeType="withEffect" presetClass="entr" presetID="10" presetSubtype="0">
                                   <p:stCondLst>
@@ -16786,7 +16341,7 @@
                                           </p:stCondLst>
                                         </p:cTn>
                                         <p:tgtEl>
-                                          <p:spTgt spid="292"/>
+                                          <p:spTgt spid="290"/>
                                         </p:tgtEl>
                                         <p:attrNameLst>
                                           <p:attrName>style.visibility</p:attrName>
@@ -16800,7 +16355,7 @@
                                       <p:cBhvr>
                                         <p:cTn dur="1000"/>
                                         <p:tgtEl>
-                                          <p:spTgt spid="292"/>
+                                          <p:spTgt spid="290"/>
                                         </p:tgtEl>
                                       </p:cBhvr>
                                     </p:animEffect>
@@ -16843,7 +16398,7 @@
   <p:cSld>
     <p:spTree>
       <p:nvGrpSpPr>
-        <p:cNvPr id="296" name="Shape 296"/>
+        <p:cNvPr id="294" name="Shape 294"/>
         <p:cNvGrpSpPr/>
         <p:nvPr/>
       </p:nvGrpSpPr>
@@ -16857,7 +16412,7 @@
       </p:grpSpPr>
       <p:sp>
         <p:nvSpPr>
-          <p:cNvPr id="297" name="Google Shape;297;p28"/>
+          <p:cNvPr id="295" name="Google Shape;295;p28"/>
           <p:cNvSpPr/>
           <p:nvPr/>
         </p:nvSpPr>
@@ -16900,7 +16455,7 @@
       </p:sp>
       <p:sp>
         <p:nvSpPr>
-          <p:cNvPr id="298" name="Google Shape;298;p28"/>
+          <p:cNvPr id="296" name="Google Shape;296;p28"/>
           <p:cNvSpPr txBox="1"/>
           <p:nvPr>
             <p:ph type="title"/>
@@ -16940,7 +16495,7 @@
       </p:sp>
       <p:sp>
         <p:nvSpPr>
-          <p:cNvPr id="299" name="Google Shape;299;p28"/>
+          <p:cNvPr id="297" name="Google Shape;297;p28"/>
           <p:cNvSpPr/>
           <p:nvPr/>
         </p:nvSpPr>
@@ -16990,7 +16545,7 @@
       </p:sp>
       <p:sp>
         <p:nvSpPr>
-          <p:cNvPr id="300" name="Google Shape;300;p28"/>
+          <p:cNvPr id="298" name="Google Shape;298;p28"/>
           <p:cNvSpPr/>
           <p:nvPr/>
         </p:nvSpPr>
@@ -17034,7 +16589,7 @@
       </p:sp>
       <p:sp>
         <p:nvSpPr>
-          <p:cNvPr id="301" name="Google Shape;301;p28"/>
+          <p:cNvPr id="299" name="Google Shape;299;p28"/>
           <p:cNvSpPr/>
           <p:nvPr/>
         </p:nvSpPr>
@@ -17078,7 +16633,7 @@
       </p:sp>
       <p:sp>
         <p:nvSpPr>
-          <p:cNvPr id="302" name="Google Shape;302;p28"/>
+          <p:cNvPr id="300" name="Google Shape;300;p28"/>
           <p:cNvSpPr/>
           <p:nvPr/>
         </p:nvSpPr>
@@ -17122,7 +16677,7 @@
       </p:sp>
       <p:sp>
         <p:nvSpPr>
-          <p:cNvPr id="303" name="Google Shape;303;p28"/>
+          <p:cNvPr id="301" name="Google Shape;301;p28"/>
           <p:cNvSpPr/>
           <p:nvPr/>
         </p:nvSpPr>
@@ -17166,7 +16721,7 @@
       </p:sp>
       <p:sp>
         <p:nvSpPr>
-          <p:cNvPr id="304" name="Google Shape;304;p28"/>
+          <p:cNvPr id="302" name="Google Shape;302;p28"/>
           <p:cNvSpPr/>
           <p:nvPr/>
         </p:nvSpPr>
@@ -17216,10 +16771,10 @@
       </p:sp>
       <p:cxnSp>
         <p:nvCxnSpPr>
-          <p:cNvPr id="305" name="Google Shape;305;p28"/>
+          <p:cNvPr id="303" name="Google Shape;303;p28"/>
           <p:cNvCxnSpPr>
-            <a:stCxn id="303" idx="2"/>
-            <a:endCxn id="304" idx="0"/>
+            <a:stCxn id="301" idx="2"/>
+            <a:endCxn id="302" idx="0"/>
           </p:cNvCxnSpPr>
           <p:nvPr/>
         </p:nvCxnSpPr>
@@ -17247,7 +16802,7 @@
       </p:cxnSp>
       <p:sp>
         <p:nvSpPr>
-          <p:cNvPr id="306" name="Google Shape;306;p28"/>
+          <p:cNvPr id="304" name="Google Shape;304;p28"/>
           <p:cNvSpPr/>
           <p:nvPr/>
         </p:nvSpPr>
@@ -17299,10 +16854,10 @@
       </p:sp>
       <p:cxnSp>
         <p:nvCxnSpPr>
-          <p:cNvPr id="307" name="Google Shape;307;p28"/>
+          <p:cNvPr id="305" name="Google Shape;305;p28"/>
           <p:cNvCxnSpPr>
-            <a:stCxn id="304" idx="1"/>
-            <a:endCxn id="306" idx="3"/>
+            <a:stCxn id="302" idx="1"/>
+            <a:endCxn id="304" idx="3"/>
           </p:cNvCxnSpPr>
           <p:nvPr/>
         </p:nvCxnSpPr>
@@ -17330,10 +16885,10 @@
       </p:cxnSp>
       <p:cxnSp>
         <p:nvCxnSpPr>
-          <p:cNvPr id="308" name="Google Shape;308;p28"/>
+          <p:cNvPr id="306" name="Google Shape;306;p28"/>
           <p:cNvCxnSpPr>
-            <a:stCxn id="306" idx="1"/>
-            <a:endCxn id="299" idx="1"/>
+            <a:stCxn id="304" idx="1"/>
+            <a:endCxn id="297" idx="1"/>
           </p:cNvCxnSpPr>
           <p:nvPr/>
         </p:nvCxnSpPr>
@@ -17361,7 +16916,7 @@
       </p:cxnSp>
       <p:sp>
         <p:nvSpPr>
-          <p:cNvPr id="309" name="Google Shape;309;p28"/>
+          <p:cNvPr id="307" name="Google Shape;307;p28"/>
           <p:cNvSpPr txBox="1"/>
           <p:nvPr/>
         </p:nvSpPr>
@@ -17443,7 +16998,7 @@
       </p:sp>
       <p:sp>
         <p:nvSpPr>
-          <p:cNvPr id="310" name="Google Shape;310;p28"/>
+          <p:cNvPr id="308" name="Google Shape;308;p28"/>
           <p:cNvSpPr/>
           <p:nvPr/>
         </p:nvSpPr>
@@ -17497,10 +17052,10 @@
       </p:sp>
       <p:cxnSp>
         <p:nvCxnSpPr>
-          <p:cNvPr id="311" name="Google Shape;311;p28"/>
+          <p:cNvPr id="309" name="Google Shape;309;p28"/>
           <p:cNvCxnSpPr>
-            <a:stCxn id="299" idx="2"/>
-            <a:endCxn id="310" idx="0"/>
+            <a:stCxn id="297" idx="2"/>
+            <a:endCxn id="308" idx="0"/>
           </p:cNvCxnSpPr>
           <p:nvPr/>
         </p:nvCxnSpPr>
@@ -17528,7 +17083,7 @@
       </p:cxnSp>
       <p:cxnSp>
         <p:nvCxnSpPr>
-          <p:cNvPr id="312" name="Google Shape;312;p28"/>
+          <p:cNvPr id="310" name="Google Shape;310;p28"/>
           <p:cNvCxnSpPr/>
           <p:nvPr/>
         </p:nvCxnSpPr>
@@ -17554,7 +17109,7 @@
       </p:cxnSp>
       <p:sp>
         <p:nvSpPr>
-          <p:cNvPr id="313" name="Google Shape;313;p28"/>
+          <p:cNvPr id="311" name="Google Shape;311;p28"/>
           <p:cNvSpPr/>
           <p:nvPr/>
         </p:nvSpPr>
@@ -17606,7 +17161,7 @@
       </p:sp>
       <p:sp>
         <p:nvSpPr>
-          <p:cNvPr id="314" name="Google Shape;314;p28"/>
+          <p:cNvPr id="312" name="Google Shape;312;p28"/>
           <p:cNvSpPr/>
           <p:nvPr/>
         </p:nvSpPr>
@@ -17660,7 +17215,7 @@
       </p:sp>
       <p:sp>
         <p:nvSpPr>
-          <p:cNvPr id="315" name="Google Shape;315;p28"/>
+          <p:cNvPr id="313" name="Google Shape;313;p28"/>
           <p:cNvSpPr/>
           <p:nvPr/>
         </p:nvSpPr>
@@ -17712,7 +17267,7 @@
       </p:sp>
       <p:sp>
         <p:nvSpPr>
-          <p:cNvPr id="316" name="Google Shape;316;p28"/>
+          <p:cNvPr id="314" name="Google Shape;314;p28"/>
           <p:cNvSpPr txBox="1"/>
           <p:nvPr/>
         </p:nvSpPr>
@@ -17770,7 +17325,7 @@
       </p:sp>
       <p:sp>
         <p:nvSpPr>
-          <p:cNvPr id="317" name="Google Shape;317;p28"/>
+          <p:cNvPr id="315" name="Google Shape;315;p28"/>
           <p:cNvSpPr txBox="1"/>
           <p:nvPr/>
         </p:nvSpPr>
@@ -17828,7 +17383,7 @@
       </p:sp>
       <p:sp>
         <p:nvSpPr>
-          <p:cNvPr id="318" name="Google Shape;318;p28"/>
+          <p:cNvPr id="316" name="Google Shape;316;p28"/>
           <p:cNvSpPr txBox="1"/>
           <p:nvPr/>
         </p:nvSpPr>
@@ -17886,7 +17441,7 @@
       </p:sp>
       <p:sp>
         <p:nvSpPr>
-          <p:cNvPr id="319" name="Google Shape;319;p28"/>
+          <p:cNvPr id="317" name="Google Shape;317;p28"/>
           <p:cNvSpPr txBox="1"/>
           <p:nvPr/>
         </p:nvSpPr>
@@ -17981,7 +17536,7 @@
                                           </p:stCondLst>
                                         </p:cTn>
                                         <p:tgtEl>
-                                          <p:spTgt spid="309"/>
+                                          <p:spTgt spid="307"/>
                                         </p:tgtEl>
                                         <p:attrNameLst>
                                           <p:attrName>style.visibility</p:attrName>
@@ -17995,7 +17550,113 @@
                                       <p:cBhvr>
                                         <p:cTn dur="1000"/>
                                         <p:tgtEl>
-                                          <p:spTgt spid="309"/>
+                                          <p:spTgt spid="307"/>
+                                        </p:tgtEl>
+                                      </p:cBhvr>
+                                    </p:animEffect>
+                                  </p:childTnLst>
+                                </p:cTn>
+                              </p:par>
+                            </p:childTnLst>
+                          </p:cTn>
+                        </p:par>
+                      </p:childTnLst>
+                    </p:cTn>
+                  </p:par>
+                  <p:par>
+                    <p:cTn fill="hold">
+                      <p:stCondLst>
+                        <p:cond delay="indefinite"/>
+                      </p:stCondLst>
+                      <p:childTnLst>
+                        <p:par>
+                          <p:cTn fill="hold">
+                            <p:stCondLst>
+                              <p:cond delay="0"/>
+                            </p:stCondLst>
+                            <p:childTnLst>
+                              <p:par>
+                                <p:cTn fill="hold" nodeType="clickEffect" presetClass="entr" presetID="10" presetSubtype="0">
+                                  <p:stCondLst>
+                                    <p:cond delay="0"/>
+                                  </p:stCondLst>
+                                  <p:childTnLst>
+                                    <p:set>
+                                      <p:cBhvr>
+                                        <p:cTn dur="1" fill="hold">
+                                          <p:stCondLst>
+                                            <p:cond delay="0"/>
+                                          </p:stCondLst>
+                                        </p:cTn>
+                                        <p:tgtEl>
+                                          <p:spTgt spid="311"/>
+                                        </p:tgtEl>
+                                        <p:attrNameLst>
+                                          <p:attrName>style.visibility</p:attrName>
+                                        </p:attrNameLst>
+                                      </p:cBhvr>
+                                      <p:to>
+                                        <p:strVal val="visible"/>
+                                      </p:to>
+                                    </p:set>
+                                    <p:animEffect filter="fade" transition="in">
+                                      <p:cBhvr>
+                                        <p:cTn dur="1000"/>
+                                        <p:tgtEl>
+                                          <p:spTgt spid="311"/>
+                                        </p:tgtEl>
+                                      </p:cBhvr>
+                                    </p:animEffect>
+                                  </p:childTnLst>
+                                </p:cTn>
+                              </p:par>
+                            </p:childTnLst>
+                          </p:cTn>
+                        </p:par>
+                      </p:childTnLst>
+                    </p:cTn>
+                  </p:par>
+                  <p:par>
+                    <p:cTn fill="hold">
+                      <p:stCondLst>
+                        <p:cond delay="indefinite"/>
+                      </p:stCondLst>
+                      <p:childTnLst>
+                        <p:par>
+                          <p:cTn fill="hold">
+                            <p:stCondLst>
+                              <p:cond delay="0"/>
+                            </p:stCondLst>
+                            <p:childTnLst>
+                              <p:par>
+                                <p:cTn fill="hold" nodeType="clickEffect" presetClass="entr" presetID="10" presetSubtype="0">
+                                  <p:stCondLst>
+                                    <p:cond delay="0"/>
+                                  </p:stCondLst>
+                                  <p:childTnLst>
+                                    <p:set>
+                                      <p:cBhvr>
+                                        <p:cTn dur="1" fill="hold">
+                                          <p:stCondLst>
+                                            <p:cond delay="0"/>
+                                          </p:stCondLst>
+                                        </p:cTn>
+                                        <p:tgtEl>
+                                          <p:spTgt spid="312"/>
+                                        </p:tgtEl>
+                                        <p:attrNameLst>
+                                          <p:attrName>style.visibility</p:attrName>
+                                        </p:attrNameLst>
+                                      </p:cBhvr>
+                                      <p:to>
+                                        <p:strVal val="visible"/>
+                                      </p:to>
+                                    </p:set>
+                                    <p:animEffect filter="fade" transition="in">
+                                      <p:cBhvr>
+                                        <p:cTn dur="1000"/>
+                                        <p:tgtEl>
+                                          <p:spTgt spid="312"/>
                                         </p:tgtEl>
                                       </p:cBhvr>
                                     </p:animEffect>
@@ -18087,6 +17748,287 @@
                                           </p:stCondLst>
                                         </p:cTn>
                                         <p:tgtEl>
+                                          <p:spTgt spid="297"/>
+                                        </p:tgtEl>
+                                        <p:attrNameLst>
+                                          <p:attrName>style.visibility</p:attrName>
+                                        </p:attrNameLst>
+                                      </p:cBhvr>
+                                      <p:to>
+                                        <p:strVal val="visible"/>
+                                      </p:to>
+                                    </p:set>
+                                    <p:animEffect filter="fade" transition="in">
+                                      <p:cBhvr>
+                                        <p:cTn dur="1000"/>
+                                        <p:tgtEl>
+                                          <p:spTgt spid="297"/>
+                                        </p:tgtEl>
+                                      </p:cBhvr>
+                                    </p:animEffect>
+                                  </p:childTnLst>
+                                </p:cTn>
+                              </p:par>
+                              <p:par>
+                                <p:cTn fill="hold" nodeType="withEffect" presetClass="entr" presetID="10" presetSubtype="0">
+                                  <p:stCondLst>
+                                    <p:cond delay="0"/>
+                                  </p:stCondLst>
+                                  <p:childTnLst>
+                                    <p:set>
+                                      <p:cBhvr>
+                                        <p:cTn dur="1" fill="hold">
+                                          <p:stCondLst>
+                                            <p:cond delay="0"/>
+                                          </p:stCondLst>
+                                        </p:cTn>
+                                        <p:tgtEl>
+                                          <p:spTgt spid="317"/>
+                                        </p:tgtEl>
+                                        <p:attrNameLst>
+                                          <p:attrName>style.visibility</p:attrName>
+                                        </p:attrNameLst>
+                                      </p:cBhvr>
+                                      <p:to>
+                                        <p:strVal val="visible"/>
+                                      </p:to>
+                                    </p:set>
+                                    <p:animEffect filter="fade" transition="in">
+                                      <p:cBhvr>
+                                        <p:cTn dur="1000"/>
+                                        <p:tgtEl>
+                                          <p:spTgt spid="317"/>
+                                        </p:tgtEl>
+                                      </p:cBhvr>
+                                    </p:animEffect>
+                                  </p:childTnLst>
+                                </p:cTn>
+                              </p:par>
+                            </p:childTnLst>
+                          </p:cTn>
+                        </p:par>
+                      </p:childTnLst>
+                    </p:cTn>
+                  </p:par>
+                  <p:par>
+                    <p:cTn fill="hold">
+                      <p:stCondLst>
+                        <p:cond delay="indefinite"/>
+                      </p:stCondLst>
+                      <p:childTnLst>
+                        <p:par>
+                          <p:cTn fill="hold">
+                            <p:stCondLst>
+                              <p:cond delay="0"/>
+                            </p:stCondLst>
+                            <p:childTnLst>
+                              <p:par>
+                                <p:cTn fill="hold" nodeType="clickEffect" presetClass="entr" presetID="10" presetSubtype="0">
+                                  <p:stCondLst>
+                                    <p:cond delay="0"/>
+                                  </p:stCondLst>
+                                  <p:childTnLst>
+                                    <p:set>
+                                      <p:cBhvr>
+                                        <p:cTn dur="1" fill="hold">
+                                          <p:stCondLst>
+                                            <p:cond delay="0"/>
+                                          </p:stCondLst>
+                                        </p:cTn>
+                                        <p:tgtEl>
+                                          <p:spTgt spid="308"/>
+                                        </p:tgtEl>
+                                        <p:attrNameLst>
+                                          <p:attrName>style.visibility</p:attrName>
+                                        </p:attrNameLst>
+                                      </p:cBhvr>
+                                      <p:to>
+                                        <p:strVal val="visible"/>
+                                      </p:to>
+                                    </p:set>
+                                    <p:animEffect filter="fade" transition="in">
+                                      <p:cBhvr>
+                                        <p:cTn dur="1000"/>
+                                        <p:tgtEl>
+                                          <p:spTgt spid="308"/>
+                                        </p:tgtEl>
+                                      </p:cBhvr>
+                                    </p:animEffect>
+                                  </p:childTnLst>
+                                </p:cTn>
+                              </p:par>
+                              <p:par>
+                                <p:cTn fill="hold" nodeType="withEffect" presetClass="entr" presetID="10" presetSubtype="0">
+                                  <p:stCondLst>
+                                    <p:cond delay="0"/>
+                                  </p:stCondLst>
+                                  <p:childTnLst>
+                                    <p:set>
+                                      <p:cBhvr>
+                                        <p:cTn dur="1" fill="hold">
+                                          <p:stCondLst>
+                                            <p:cond delay="0"/>
+                                          </p:stCondLst>
+                                        </p:cTn>
+                                        <p:tgtEl>
+                                          <p:spTgt spid="309"/>
+                                        </p:tgtEl>
+                                        <p:attrNameLst>
+                                          <p:attrName>style.visibility</p:attrName>
+                                        </p:attrNameLst>
+                                      </p:cBhvr>
+                                      <p:to>
+                                        <p:strVal val="visible"/>
+                                      </p:to>
+                                    </p:set>
+                                    <p:animEffect filter="fade" transition="in">
+                                      <p:cBhvr>
+                                        <p:cTn dur="1000"/>
+                                        <p:tgtEl>
+                                          <p:spTgt spid="309"/>
+                                        </p:tgtEl>
+                                      </p:cBhvr>
+                                    </p:animEffect>
+                                  </p:childTnLst>
+                                </p:cTn>
+                              </p:par>
+                              <p:par>
+                                <p:cTn fill="hold" nodeType="withEffect" presetClass="entr" presetID="10" presetSubtype="0">
+                                  <p:stCondLst>
+                                    <p:cond delay="0"/>
+                                  </p:stCondLst>
+                                  <p:childTnLst>
+                                    <p:set>
+                                      <p:cBhvr>
+                                        <p:cTn dur="1" fill="hold">
+                                          <p:stCondLst>
+                                            <p:cond delay="0"/>
+                                          </p:stCondLst>
+                                        </p:cTn>
+                                        <p:tgtEl>
+                                          <p:spTgt spid="310"/>
+                                        </p:tgtEl>
+                                        <p:attrNameLst>
+                                          <p:attrName>style.visibility</p:attrName>
+                                        </p:attrNameLst>
+                                      </p:cBhvr>
+                                      <p:to>
+                                        <p:strVal val="visible"/>
+                                      </p:to>
+                                    </p:set>
+                                    <p:animEffect filter="fade" transition="in">
+                                      <p:cBhvr>
+                                        <p:cTn dur="1000"/>
+                                        <p:tgtEl>
+                                          <p:spTgt spid="310"/>
+                                        </p:tgtEl>
+                                      </p:cBhvr>
+                                    </p:animEffect>
+                                  </p:childTnLst>
+                                </p:cTn>
+                              </p:par>
+                              <p:par>
+                                <p:cTn fill="hold" nodeType="withEffect" presetClass="entr" presetID="10" presetSubtype="0">
+                                  <p:stCondLst>
+                                    <p:cond delay="0"/>
+                                  </p:stCondLst>
+                                  <p:childTnLst>
+                                    <p:set>
+                                      <p:cBhvr>
+                                        <p:cTn dur="1" fill="hold">
+                                          <p:stCondLst>
+                                            <p:cond delay="0"/>
+                                          </p:stCondLst>
+                                        </p:cTn>
+                                        <p:tgtEl>
+                                          <p:spTgt spid="295"/>
+                                        </p:tgtEl>
+                                        <p:attrNameLst>
+                                          <p:attrName>style.visibility</p:attrName>
+                                        </p:attrNameLst>
+                                      </p:cBhvr>
+                                      <p:to>
+                                        <p:strVal val="visible"/>
+                                      </p:to>
+                                    </p:set>
+                                    <p:animEffect filter="fade" transition="in">
+                                      <p:cBhvr>
+                                        <p:cTn dur="1000"/>
+                                        <p:tgtEl>
+                                          <p:spTgt spid="295"/>
+                                        </p:tgtEl>
+                                      </p:cBhvr>
+                                    </p:animEffect>
+                                  </p:childTnLst>
+                                </p:cTn>
+                              </p:par>
+                            </p:childTnLst>
+                          </p:cTn>
+                        </p:par>
+                      </p:childTnLst>
+                    </p:cTn>
+                  </p:par>
+                  <p:par>
+                    <p:cTn fill="hold">
+                      <p:stCondLst>
+                        <p:cond delay="indefinite"/>
+                      </p:stCondLst>
+                      <p:childTnLst>
+                        <p:par>
+                          <p:cTn fill="hold">
+                            <p:stCondLst>
+                              <p:cond delay="0"/>
+                            </p:stCondLst>
+                            <p:childTnLst>
+                              <p:par>
+                                <p:cTn fill="hold" nodeType="clickEffect" presetClass="entr" presetID="10" presetSubtype="0">
+                                  <p:stCondLst>
+                                    <p:cond delay="0"/>
+                                  </p:stCondLst>
+                                  <p:childTnLst>
+                                    <p:set>
+                                      <p:cBhvr>
+                                        <p:cTn dur="1" fill="hold">
+                                          <p:stCondLst>
+                                            <p:cond delay="0"/>
+                                          </p:stCondLst>
+                                        </p:cTn>
+                                        <p:tgtEl>
+                                          <p:spTgt spid="300"/>
+                                        </p:tgtEl>
+                                        <p:attrNameLst>
+                                          <p:attrName>style.visibility</p:attrName>
+                                        </p:attrNameLst>
+                                      </p:cBhvr>
+                                      <p:to>
+                                        <p:strVal val="visible"/>
+                                      </p:to>
+                                    </p:set>
+                                    <p:animEffect filter="fade" transition="in">
+                                      <p:cBhvr>
+                                        <p:cTn dur="1000"/>
+                                        <p:tgtEl>
+                                          <p:spTgt spid="300"/>
+                                        </p:tgtEl>
+                                      </p:cBhvr>
+                                    </p:animEffect>
+                                  </p:childTnLst>
+                                </p:cTn>
+                              </p:par>
+                              <p:par>
+                                <p:cTn fill="hold" nodeType="withEffect" presetClass="entr" presetID="10" presetSubtype="0">
+                                  <p:stCondLst>
+                                    <p:cond delay="0"/>
+                                  </p:stCondLst>
+                                  <p:childTnLst>
+                                    <p:set>
+                                      <p:cBhvr>
+                                        <p:cTn dur="1" fill="hold">
+                                          <p:stCondLst>
+                                            <p:cond delay="0"/>
+                                          </p:stCondLst>
+                                        </p:cTn>
+                                        <p:tgtEl>
                                           <p:spTgt spid="314"/>
                                         </p:tgtEl>
                                         <p:attrNameLst>
@@ -18128,6 +18070,41 @@
                             <p:childTnLst>
                               <p:par>
                                 <p:cTn fill="hold" nodeType="clickEffect" presetClass="entr" presetID="10" presetSubtype="0">
+                                  <p:stCondLst>
+                                    <p:cond delay="0"/>
+                                  </p:stCondLst>
+                                  <p:childTnLst>
+                                    <p:set>
+                                      <p:cBhvr>
+                                        <p:cTn dur="1" fill="hold">
+                                          <p:stCondLst>
+                                            <p:cond delay="0"/>
+                                          </p:stCondLst>
+                                        </p:cTn>
+                                        <p:tgtEl>
+                                          <p:spTgt spid="298"/>
+                                        </p:tgtEl>
+                                        <p:attrNameLst>
+                                          <p:attrName>style.visibility</p:attrName>
+                                        </p:attrNameLst>
+                                      </p:cBhvr>
+                                      <p:to>
+                                        <p:strVal val="visible"/>
+                                      </p:to>
+                                    </p:set>
+                                    <p:animEffect filter="fade" transition="in">
+                                      <p:cBhvr>
+                                        <p:cTn dur="1000"/>
+                                        <p:tgtEl>
+                                          <p:spTgt spid="298"/>
+                                        </p:tgtEl>
+                                      </p:cBhvr>
+                                    </p:animEffect>
+                                  </p:childTnLst>
+                                </p:cTn>
+                              </p:par>
+                              <p:par>
+                                <p:cTn fill="hold" nodeType="withEffect" presetClass="entr" presetID="10" presetSubtype="0">
                                   <p:stCondLst>
                                     <p:cond delay="0"/>
                                   </p:stCondLst>
@@ -18228,252 +18205,6 @@
                                           </p:stCondLst>
                                         </p:cTn>
                                         <p:tgtEl>
-                                          <p:spTgt spid="319"/>
-                                        </p:tgtEl>
-                                        <p:attrNameLst>
-                                          <p:attrName>style.visibility</p:attrName>
-                                        </p:attrNameLst>
-                                      </p:cBhvr>
-                                      <p:to>
-                                        <p:strVal val="visible"/>
-                                      </p:to>
-                                    </p:set>
-                                    <p:animEffect filter="fade" transition="in">
-                                      <p:cBhvr>
-                                        <p:cTn dur="1000"/>
-                                        <p:tgtEl>
-                                          <p:spTgt spid="319"/>
-                                        </p:tgtEl>
-                                      </p:cBhvr>
-                                    </p:animEffect>
-                                  </p:childTnLst>
-                                </p:cTn>
-                              </p:par>
-                            </p:childTnLst>
-                          </p:cTn>
-                        </p:par>
-                      </p:childTnLst>
-                    </p:cTn>
-                  </p:par>
-                  <p:par>
-                    <p:cTn fill="hold">
-                      <p:stCondLst>
-                        <p:cond delay="indefinite"/>
-                      </p:stCondLst>
-                      <p:childTnLst>
-                        <p:par>
-                          <p:cTn fill="hold">
-                            <p:stCondLst>
-                              <p:cond delay="0"/>
-                            </p:stCondLst>
-                            <p:childTnLst>
-                              <p:par>
-                                <p:cTn fill="hold" nodeType="clickEffect" presetClass="entr" presetID="10" presetSubtype="0">
-                                  <p:stCondLst>
-                                    <p:cond delay="0"/>
-                                  </p:stCondLst>
-                                  <p:childTnLst>
-                                    <p:set>
-                                      <p:cBhvr>
-                                        <p:cTn dur="1" fill="hold">
-                                          <p:stCondLst>
-                                            <p:cond delay="0"/>
-                                          </p:stCondLst>
-                                        </p:cTn>
-                                        <p:tgtEl>
-                                          <p:spTgt spid="310"/>
-                                        </p:tgtEl>
-                                        <p:attrNameLst>
-                                          <p:attrName>style.visibility</p:attrName>
-                                        </p:attrNameLst>
-                                      </p:cBhvr>
-                                      <p:to>
-                                        <p:strVal val="visible"/>
-                                      </p:to>
-                                    </p:set>
-                                    <p:animEffect filter="fade" transition="in">
-                                      <p:cBhvr>
-                                        <p:cTn dur="1000"/>
-                                        <p:tgtEl>
-                                          <p:spTgt spid="310"/>
-                                        </p:tgtEl>
-                                      </p:cBhvr>
-                                    </p:animEffect>
-                                  </p:childTnLst>
-                                </p:cTn>
-                              </p:par>
-                              <p:par>
-                                <p:cTn fill="hold" nodeType="withEffect" presetClass="entr" presetID="10" presetSubtype="0">
-                                  <p:stCondLst>
-                                    <p:cond delay="0"/>
-                                  </p:stCondLst>
-                                  <p:childTnLst>
-                                    <p:set>
-                                      <p:cBhvr>
-                                        <p:cTn dur="1" fill="hold">
-                                          <p:stCondLst>
-                                            <p:cond delay="0"/>
-                                          </p:stCondLst>
-                                        </p:cTn>
-                                        <p:tgtEl>
-                                          <p:spTgt spid="311"/>
-                                        </p:tgtEl>
-                                        <p:attrNameLst>
-                                          <p:attrName>style.visibility</p:attrName>
-                                        </p:attrNameLst>
-                                      </p:cBhvr>
-                                      <p:to>
-                                        <p:strVal val="visible"/>
-                                      </p:to>
-                                    </p:set>
-                                    <p:animEffect filter="fade" transition="in">
-                                      <p:cBhvr>
-                                        <p:cTn dur="1000"/>
-                                        <p:tgtEl>
-                                          <p:spTgt spid="311"/>
-                                        </p:tgtEl>
-                                      </p:cBhvr>
-                                    </p:animEffect>
-                                  </p:childTnLst>
-                                </p:cTn>
-                              </p:par>
-                              <p:par>
-                                <p:cTn fill="hold" nodeType="withEffect" presetClass="entr" presetID="10" presetSubtype="0">
-                                  <p:stCondLst>
-                                    <p:cond delay="0"/>
-                                  </p:stCondLst>
-                                  <p:childTnLst>
-                                    <p:set>
-                                      <p:cBhvr>
-                                        <p:cTn dur="1" fill="hold">
-                                          <p:stCondLst>
-                                            <p:cond delay="0"/>
-                                          </p:stCondLst>
-                                        </p:cTn>
-                                        <p:tgtEl>
-                                          <p:spTgt spid="312"/>
-                                        </p:tgtEl>
-                                        <p:attrNameLst>
-                                          <p:attrName>style.visibility</p:attrName>
-                                        </p:attrNameLst>
-                                      </p:cBhvr>
-                                      <p:to>
-                                        <p:strVal val="visible"/>
-                                      </p:to>
-                                    </p:set>
-                                    <p:animEffect filter="fade" transition="in">
-                                      <p:cBhvr>
-                                        <p:cTn dur="1000"/>
-                                        <p:tgtEl>
-                                          <p:spTgt spid="312"/>
-                                        </p:tgtEl>
-                                      </p:cBhvr>
-                                    </p:animEffect>
-                                  </p:childTnLst>
-                                </p:cTn>
-                              </p:par>
-                              <p:par>
-                                <p:cTn fill="hold" nodeType="withEffect" presetClass="entr" presetID="10" presetSubtype="0">
-                                  <p:stCondLst>
-                                    <p:cond delay="0"/>
-                                  </p:stCondLst>
-                                  <p:childTnLst>
-                                    <p:set>
-                                      <p:cBhvr>
-                                        <p:cTn dur="1" fill="hold">
-                                          <p:stCondLst>
-                                            <p:cond delay="0"/>
-                                          </p:stCondLst>
-                                        </p:cTn>
-                                        <p:tgtEl>
-                                          <p:spTgt spid="297"/>
-                                        </p:tgtEl>
-                                        <p:attrNameLst>
-                                          <p:attrName>style.visibility</p:attrName>
-                                        </p:attrNameLst>
-                                      </p:cBhvr>
-                                      <p:to>
-                                        <p:strVal val="visible"/>
-                                      </p:to>
-                                    </p:set>
-                                    <p:animEffect filter="fade" transition="in">
-                                      <p:cBhvr>
-                                        <p:cTn dur="1000"/>
-                                        <p:tgtEl>
-                                          <p:spTgt spid="297"/>
-                                        </p:tgtEl>
-                                      </p:cBhvr>
-                                    </p:animEffect>
-                                  </p:childTnLst>
-                                </p:cTn>
-                              </p:par>
-                            </p:childTnLst>
-                          </p:cTn>
-                        </p:par>
-                      </p:childTnLst>
-                    </p:cTn>
-                  </p:par>
-                  <p:par>
-                    <p:cTn fill="hold">
-                      <p:stCondLst>
-                        <p:cond delay="indefinite"/>
-                      </p:stCondLst>
-                      <p:childTnLst>
-                        <p:par>
-                          <p:cTn fill="hold">
-                            <p:stCondLst>
-                              <p:cond delay="0"/>
-                            </p:stCondLst>
-                            <p:childTnLst>
-                              <p:par>
-                                <p:cTn fill="hold" nodeType="clickEffect" presetClass="entr" presetID="10" presetSubtype="0">
-                                  <p:stCondLst>
-                                    <p:cond delay="0"/>
-                                  </p:stCondLst>
-                                  <p:childTnLst>
-                                    <p:set>
-                                      <p:cBhvr>
-                                        <p:cTn dur="1" fill="hold">
-                                          <p:stCondLst>
-                                            <p:cond delay="0"/>
-                                          </p:stCondLst>
-                                        </p:cTn>
-                                        <p:tgtEl>
-                                          <p:spTgt spid="302"/>
-                                        </p:tgtEl>
-                                        <p:attrNameLst>
-                                          <p:attrName>style.visibility</p:attrName>
-                                        </p:attrNameLst>
-                                      </p:cBhvr>
-                                      <p:to>
-                                        <p:strVal val="visible"/>
-                                      </p:to>
-                                    </p:set>
-                                    <p:animEffect filter="fade" transition="in">
-                                      <p:cBhvr>
-                                        <p:cTn dur="1000"/>
-                                        <p:tgtEl>
-                                          <p:spTgt spid="302"/>
-                                        </p:tgtEl>
-                                      </p:cBhvr>
-                                    </p:animEffect>
-                                  </p:childTnLst>
-                                </p:cTn>
-                              </p:par>
-                              <p:par>
-                                <p:cTn fill="hold" nodeType="withEffect" presetClass="entr" presetID="10" presetSubtype="0">
-                                  <p:stCondLst>
-                                    <p:cond delay="0"/>
-                                  </p:stCondLst>
-                                  <p:childTnLst>
-                                    <p:set>
-                                      <p:cBhvr>
-                                        <p:cTn dur="1" fill="hold">
-                                          <p:stCondLst>
-                                            <p:cond delay="0"/>
-                                          </p:stCondLst>
-                                        </p:cTn>
-                                        <p:tgtEl>
                                           <p:spTgt spid="316"/>
                                         </p:tgtEl>
                                         <p:attrNameLst>
@@ -18489,94 +18220,6 @@
                                         <p:cTn dur="1000"/>
                                         <p:tgtEl>
                                           <p:spTgt spid="316"/>
-                                        </p:tgtEl>
-                                      </p:cBhvr>
-                                    </p:animEffect>
-                                  </p:childTnLst>
-                                </p:cTn>
-                              </p:par>
-                            </p:childTnLst>
-                          </p:cTn>
-                        </p:par>
-                      </p:childTnLst>
-                    </p:cTn>
-                  </p:par>
-                  <p:par>
-                    <p:cTn fill="hold">
-                      <p:stCondLst>
-                        <p:cond delay="indefinite"/>
-                      </p:stCondLst>
-                      <p:childTnLst>
-                        <p:par>
-                          <p:cTn fill="hold">
-                            <p:stCondLst>
-                              <p:cond delay="0"/>
-                            </p:stCondLst>
-                            <p:childTnLst>
-                              <p:par>
-                                <p:cTn fill="hold" nodeType="clickEffect" presetClass="entr" presetID="10" presetSubtype="0">
-                                  <p:stCondLst>
-                                    <p:cond delay="0"/>
-                                  </p:stCondLst>
-                                  <p:childTnLst>
-                                    <p:set>
-                                      <p:cBhvr>
-                                        <p:cTn dur="1" fill="hold">
-                                          <p:stCondLst>
-                                            <p:cond delay="0"/>
-                                          </p:stCondLst>
-                                        </p:cTn>
-                                        <p:tgtEl>
-                                          <p:spTgt spid="300"/>
-                                        </p:tgtEl>
-                                        <p:attrNameLst>
-                                          <p:attrName>style.visibility</p:attrName>
-                                        </p:attrNameLst>
-                                      </p:cBhvr>
-                                      <p:to>
-                                        <p:strVal val="visible"/>
-                                      </p:to>
-                                    </p:set>
-                                    <p:animEffect filter="fade" transition="in">
-                                      <p:cBhvr>
-                                        <p:cTn dur="1000"/>
-                                        <p:tgtEl>
-                                          <p:spTgt spid="300"/>
-                                        </p:tgtEl>
-                                      </p:cBhvr>
-                                    </p:animEffect>
-                                  </p:childTnLst>
-                                </p:cTn>
-                              </p:par>
-                              <p:par>
-                                <p:cTn fill="hold" nodeType="withEffect" presetClass="entr" presetID="10" presetSubtype="0">
-                                  <p:stCondLst>
-                                    <p:cond delay="0"/>
-                                  </p:stCondLst>
-                                  <p:childTnLst>
-                                    <p:set>
-                                      <p:cBhvr>
-                                        <p:cTn dur="1" fill="hold">
-                                          <p:stCondLst>
-                                            <p:cond delay="0"/>
-                                          </p:stCondLst>
-                                        </p:cTn>
-                                        <p:tgtEl>
-                                          <p:spTgt spid="317"/>
-                                        </p:tgtEl>
-                                        <p:attrNameLst>
-                                          <p:attrName>style.visibility</p:attrName>
-                                        </p:attrNameLst>
-                                      </p:cBhvr>
-                                      <p:to>
-                                        <p:strVal val="visible"/>
-                                      </p:to>
-                                    </p:set>
-                                    <p:animEffect filter="fade" transition="in">
-                                      <p:cBhvr>
-                                        <p:cTn dur="1000"/>
-                                        <p:tgtEl>
-                                          <p:spTgt spid="317"/>
                                         </p:tgtEl>
                                       </p:cBhvr>
                                     </p:animEffect>
@@ -18650,7 +18293,7 @@
                                           </p:stCondLst>
                                         </p:cTn>
                                         <p:tgtEl>
-                                          <p:spTgt spid="318"/>
+                                          <p:spTgt spid="302"/>
                                         </p:tgtEl>
                                         <p:attrNameLst>
                                           <p:attrName>style.visibility</p:attrName>
@@ -18664,33 +18307,15 @@
                                       <p:cBhvr>
                                         <p:cTn dur="1000"/>
                                         <p:tgtEl>
-                                          <p:spTgt spid="318"/>
+                                          <p:spTgt spid="302"/>
                                         </p:tgtEl>
                                       </p:cBhvr>
                                     </p:animEffect>
                                   </p:childTnLst>
                                 </p:cTn>
                               </p:par>
-                            </p:childTnLst>
-                          </p:cTn>
-                        </p:par>
-                      </p:childTnLst>
-                    </p:cTn>
-                  </p:par>
-                  <p:par>
-                    <p:cTn fill="hold">
-                      <p:stCondLst>
-                        <p:cond delay="indefinite"/>
-                      </p:stCondLst>
-                      <p:childTnLst>
-                        <p:par>
-                          <p:cTn fill="hold">
-                            <p:stCondLst>
-                              <p:cond delay="0"/>
-                            </p:stCondLst>
-                            <p:childTnLst>
                               <p:par>
-                                <p:cTn fill="hold" nodeType="clickEffect" presetClass="entr" presetID="10" presetSubtype="0">
+                                <p:cTn fill="hold" nodeType="withEffect" presetClass="entr" presetID="10" presetSubtype="0">
                                   <p:stCondLst>
                                     <p:cond delay="0"/>
                                   </p:stCondLst>
@@ -18829,76 +18454,6 @@
                                   </p:childTnLst>
                                 </p:cTn>
                               </p:par>
-                              <p:par>
-                                <p:cTn fill="hold" nodeType="withEffect" presetClass="entr" presetID="10" presetSubtype="0">
-                                  <p:stCondLst>
-                                    <p:cond delay="0"/>
-                                  </p:stCondLst>
-                                  <p:childTnLst>
-                                    <p:set>
-                                      <p:cBhvr>
-                                        <p:cTn dur="1" fill="hold">
-                                          <p:stCondLst>
-                                            <p:cond delay="0"/>
-                                          </p:stCondLst>
-                                        </p:cTn>
-                                        <p:tgtEl>
-                                          <p:spTgt spid="307"/>
-                                        </p:tgtEl>
-                                        <p:attrNameLst>
-                                          <p:attrName>style.visibility</p:attrName>
-                                        </p:attrNameLst>
-                                      </p:cBhvr>
-                                      <p:to>
-                                        <p:strVal val="visible"/>
-                                      </p:to>
-                                    </p:set>
-                                    <p:animEffect filter="fade" transition="in">
-                                      <p:cBhvr>
-                                        <p:cTn dur="1000"/>
-                                        <p:tgtEl>
-                                          <p:spTgt spid="307"/>
-                                        </p:tgtEl>
-                                      </p:cBhvr>
-                                    </p:animEffect>
-                                  </p:childTnLst>
-                                </p:cTn>
-                              </p:par>
-                              <p:par>
-                                <p:cTn fill="hold" nodeType="withEffect" presetClass="entr" presetID="10" presetSubtype="0">
-                                  <p:stCondLst>
-                                    <p:cond delay="0"/>
-                                  </p:stCondLst>
-                                  <p:childTnLst>
-                                    <p:set>
-                                      <p:cBhvr>
-                                        <p:cTn dur="1" fill="hold">
-                                          <p:stCondLst>
-                                            <p:cond delay="0"/>
-                                          </p:stCondLst>
-                                        </p:cTn>
-                                        <p:tgtEl>
-                                          <p:spTgt spid="308"/>
-                                        </p:tgtEl>
-                                        <p:attrNameLst>
-                                          <p:attrName>style.visibility</p:attrName>
-                                        </p:attrNameLst>
-                                      </p:cBhvr>
-                                      <p:to>
-                                        <p:strVal val="visible"/>
-                                      </p:to>
-                                    </p:set>
-                                    <p:animEffect filter="fade" transition="in">
-                                      <p:cBhvr>
-                                        <p:cTn dur="1000"/>
-                                        <p:tgtEl>
-                                          <p:spTgt spid="308"/>
-                                        </p:tgtEl>
-                                      </p:cBhvr>
-                                    </p:animEffect>
-                                  </p:childTnLst>
-                                </p:cTn>
-                              </p:par>
                             </p:childTnLst>
                           </p:cTn>
                         </p:par>
@@ -18935,7 +18490,7 @@
   <p:cSld>
     <p:spTree>
       <p:nvGrpSpPr>
-        <p:cNvPr id="323" name="Shape 323"/>
+        <p:cNvPr id="321" name="Shape 321"/>
         <p:cNvGrpSpPr/>
         <p:nvPr/>
       </p:nvGrpSpPr>
@@ -18949,7 +18504,7 @@
       </p:grpSpPr>
       <p:sp>
         <p:nvSpPr>
-          <p:cNvPr id="324" name="Google Shape;324;p29"/>
+          <p:cNvPr id="322" name="Google Shape;322;p29"/>
           <p:cNvSpPr txBox="1"/>
           <p:nvPr>
             <p:ph type="title"/>
@@ -18989,7 +18544,7 @@
       </p:sp>
       <p:sp>
         <p:nvSpPr>
-          <p:cNvPr id="325" name="Google Shape;325;p29"/>
+          <p:cNvPr id="323" name="Google Shape;323;p29"/>
           <p:cNvSpPr txBox="1"/>
           <p:nvPr>
             <p:ph idx="1" type="body"/>
@@ -18997,7 +18552,7 @@
         </p:nvSpPr>
         <p:spPr>
           <a:xfrm>
-            <a:off x="1297500" y="1567550"/>
+            <a:off x="4933200" y="1567550"/>
             <a:ext cx="3403200" cy="2911200"/>
           </a:xfrm>
           <a:prstGeom prst="rect">
@@ -19034,7 +18589,7 @@
       </p:sp>
       <p:sp>
         <p:nvSpPr>
-          <p:cNvPr id="326" name="Google Shape;326;p29"/>
+          <p:cNvPr id="324" name="Google Shape;324;p29"/>
           <p:cNvSpPr txBox="1"/>
           <p:nvPr>
             <p:ph idx="2" type="body"/>
@@ -19042,7 +18597,7 @@
         </p:nvSpPr>
         <p:spPr>
           <a:xfrm>
-            <a:off x="4933221" y="1567550"/>
+            <a:off x="1297496" y="1567550"/>
             <a:ext cx="3403200" cy="2911200"/>
           </a:xfrm>
           <a:prstGeom prst="rect">
@@ -19079,7 +18634,7 @@
       </p:sp>
       <p:pic>
         <p:nvPicPr>
-          <p:cNvPr id="327" name="Google Shape;327;p29"/>
+          <p:cNvPr id="325" name="Google Shape;325;p29"/>
           <p:cNvPicPr preferRelativeResize="0"/>
           <p:nvPr/>
         </p:nvPicPr>
@@ -19118,7 +18673,7 @@
   <p:cSld>
     <p:spTree>
       <p:nvGrpSpPr>
-        <p:cNvPr id="331" name="Shape 331"/>
+        <p:cNvPr id="329" name="Shape 329"/>
         <p:cNvGrpSpPr/>
         <p:nvPr/>
       </p:nvGrpSpPr>
@@ -19132,7 +18687,7 @@
       </p:grpSpPr>
       <p:sp>
         <p:nvSpPr>
-          <p:cNvPr id="332" name="Google Shape;332;p30"/>
+          <p:cNvPr id="330" name="Google Shape;330;p30"/>
           <p:cNvSpPr txBox="1"/>
           <p:nvPr>
             <p:ph type="title"/>
@@ -19172,7 +18727,7 @@
       </p:sp>
       <p:pic>
         <p:nvPicPr>
-          <p:cNvPr id="333" name="Google Shape;333;p30"/>
+          <p:cNvPr id="331" name="Google Shape;331;p30"/>
           <p:cNvPicPr preferRelativeResize="0"/>
           <p:nvPr/>
         </p:nvPicPr>
@@ -19236,7 +18791,7 @@
                                           </p:stCondLst>
                                         </p:cTn>
                                         <p:tgtEl>
-                                          <p:spTgt spid="332"/>
+                                          <p:spTgt spid="330"/>
                                         </p:tgtEl>
                                         <p:attrNameLst>
                                           <p:attrName>style.visibility</p:attrName>
@@ -19250,7 +18805,7 @@
                                       <p:cBhvr>
                                         <p:cTn dur="1000"/>
                                         <p:tgtEl>
-                                          <p:spTgt spid="332"/>
+                                          <p:spTgt spid="330"/>
                                         </p:tgtEl>
                                       </p:cBhvr>
                                     </p:animEffect>
@@ -19289,7 +18844,7 @@
                                           </p:stCondLst>
                                         </p:cTn>
                                         <p:tgtEl>
-                                          <p:spTgt spid="333"/>
+                                          <p:spTgt spid="331"/>
                                         </p:tgtEl>
                                         <p:attrNameLst>
                                           <p:attrName>style.visibility</p:attrName>
@@ -19303,7 +18858,7 @@
                                       <p:cBhvr>
                                         <p:cTn dur="1000"/>
                                         <p:tgtEl>
-                                          <p:spTgt spid="333"/>
+                                          <p:spTgt spid="331"/>
                                         </p:tgtEl>
                                       </p:cBhvr>
                                     </p:animEffect>
@@ -19346,7 +18901,7 @@
   <p:cSld>
     <p:spTree>
       <p:nvGrpSpPr>
-        <p:cNvPr id="337" name="Shape 337"/>
+        <p:cNvPr id="335" name="Shape 335"/>
         <p:cNvGrpSpPr/>
         <p:nvPr/>
       </p:nvGrpSpPr>
@@ -19360,7 +18915,7 @@
       </p:grpSpPr>
       <p:sp>
         <p:nvSpPr>
-          <p:cNvPr id="338" name="Google Shape;338;p31"/>
+          <p:cNvPr id="336" name="Google Shape;336;p31"/>
           <p:cNvSpPr txBox="1"/>
           <p:nvPr>
             <p:ph type="title"/>
@@ -19396,7 +18951,7 @@
             </a:r>
             <a:r>
               <a:rPr lang="fr"/>
-              <a:t>ropositions d’amélioration / évolutions futures</a:t>
+              <a:t>ropositions d’améliorations / évolutions futures</a:t>
             </a:r>
             <a:endParaRPr/>
           </a:p>
@@ -19404,7 +18959,7 @@
       </p:sp>
       <p:sp>
         <p:nvSpPr>
-          <p:cNvPr id="339" name="Google Shape;339;p31"/>
+          <p:cNvPr id="337" name="Google Shape;337;p31"/>
           <p:cNvSpPr txBox="1"/>
           <p:nvPr>
             <p:ph idx="1" type="body"/>
@@ -19488,7 +19043,7 @@
       </p:sp>
       <p:grpSp>
         <p:nvGrpSpPr>
-          <p:cNvPr id="340" name="Google Shape;340;p31"/>
+          <p:cNvPr id="338" name="Google Shape;338;p31"/>
           <p:cNvGrpSpPr/>
           <p:nvPr/>
         </p:nvGrpSpPr>
@@ -19502,7 +19057,7 @@
         </p:grpSpPr>
         <p:sp>
           <p:nvSpPr>
-            <p:cNvPr id="341" name="Google Shape;341;p31"/>
+            <p:cNvPr id="339" name="Google Shape;339;p31"/>
             <p:cNvSpPr/>
             <p:nvPr/>
           </p:nvSpPr>
@@ -19551,7 +19106,7 @@
         </p:sp>
         <p:pic>
           <p:nvPicPr>
-            <p:cNvPr id="342" name="Google Shape;342;p31"/>
+            <p:cNvPr id="340" name="Google Shape;340;p31"/>
             <p:cNvPicPr preferRelativeResize="0"/>
             <p:nvPr/>
           </p:nvPicPr>
@@ -19617,7 +19172,7 @@
                                           </p:stCondLst>
                                         </p:cTn>
                                         <p:tgtEl>
-                                          <p:spTgt spid="338"/>
+                                          <p:spTgt spid="336"/>
                                         </p:tgtEl>
                                         <p:attrNameLst>
                                           <p:attrName>style.visibility</p:attrName>
@@ -19631,7 +19186,7 @@
                                       <p:cBhvr>
                                         <p:cTn dur="1000"/>
                                         <p:tgtEl>
-                                          <p:spTgt spid="338"/>
+                                          <p:spTgt spid="336"/>
                                         </p:tgtEl>
                                       </p:cBhvr>
                                     </p:animEffect>
@@ -19670,7 +19225,7 @@
                                           </p:stCondLst>
                                         </p:cTn>
                                         <p:tgtEl>
-                                          <p:spTgt spid="339"/>
+                                          <p:spTgt spid="337"/>
                                         </p:tgtEl>
                                         <p:attrNameLst>
                                           <p:attrName>style.visibility</p:attrName>
@@ -19684,7 +19239,7 @@
                                       <p:cBhvr>
                                         <p:cTn dur="1000"/>
                                         <p:tgtEl>
-                                          <p:spTgt spid="339"/>
+                                          <p:spTgt spid="337"/>
                                         </p:tgtEl>
                                       </p:cBhvr>
                                     </p:animEffect>
@@ -19723,7 +19278,7 @@
                                           </p:stCondLst>
                                         </p:cTn>
                                         <p:tgtEl>
-                                          <p:spTgt spid="340"/>
+                                          <p:spTgt spid="338"/>
                                         </p:tgtEl>
                                         <p:attrNameLst>
                                           <p:attrName>style.visibility</p:attrName>
@@ -19737,7 +19292,7 @@
                                       <p:cBhvr>
                                         <p:cTn dur="1000"/>
                                         <p:tgtEl>
-                                          <p:spTgt spid="340"/>
+                                          <p:spTgt spid="338"/>
                                         </p:tgtEl>
                                       </p:cBhvr>
                                     </p:animEffect>
@@ -20214,7 +19769,7 @@
                                           </p:stCondLst>
                                         </p:cTn>
                                         <p:tgtEl>
-                                          <p:spTgt spid="142"/>
+                                          <p:spTgt spid="143"/>
                                         </p:tgtEl>
                                         <p:attrNameLst>
                                           <p:attrName>style.visibility</p:attrName>
@@ -20228,7 +19783,7 @@
                                       <p:cBhvr>
                                         <p:cTn dur="1000"/>
                                         <p:tgtEl>
-                                          <p:spTgt spid="142"/>
+                                          <p:spTgt spid="143"/>
                                         </p:tgtEl>
                                       </p:cBhvr>
                                     </p:animEffect>
@@ -20267,7 +19822,7 @@
                                           </p:stCondLst>
                                         </p:cTn>
                                         <p:tgtEl>
-                                          <p:spTgt spid="143"/>
+                                          <p:spTgt spid="142"/>
                                         </p:tgtEl>
                                         <p:attrNameLst>
                                           <p:attrName>style.visibility</p:attrName>
@@ -20281,7 +19836,7 @@
                                       <p:cBhvr>
                                         <p:cTn dur="1000"/>
                                         <p:tgtEl>
-                                          <p:spTgt spid="143"/>
+                                          <p:spTgt spid="142"/>
                                         </p:tgtEl>
                                       </p:cBhvr>
                                     </p:animEffect>
@@ -20324,7 +19879,7 @@
   <p:cSld>
     <p:spTree>
       <p:nvGrpSpPr>
-        <p:cNvPr id="346" name="Shape 346"/>
+        <p:cNvPr id="344" name="Shape 344"/>
         <p:cNvGrpSpPr/>
         <p:nvPr/>
       </p:nvGrpSpPr>
@@ -20338,7 +19893,441 @@
       </p:grpSpPr>
       <p:sp>
         <p:nvSpPr>
+          <p:cNvPr id="345" name="Google Shape;345;p32"/>
+          <p:cNvSpPr txBox="1"/>
+          <p:nvPr>
+            <p:ph type="title"/>
+          </p:nvPr>
+        </p:nvSpPr>
+        <p:spPr>
+          <a:xfrm>
+            <a:off x="1297500" y="393750"/>
+            <a:ext cx="7038900" cy="711300"/>
+          </a:xfrm>
+          <a:prstGeom prst="rect">
+            <a:avLst/>
+          </a:prstGeom>
+        </p:spPr>
+        <p:txBody>
+          <a:bodyPr anchorCtr="0" anchor="t" bIns="91425" lIns="91425" spcFirstLastPara="1" rIns="91425" wrap="square" tIns="91425">
+            <a:normAutofit/>
+          </a:bodyPr>
+          <a:lstStyle/>
+          <a:p>
+            <a:pPr indent="0" lvl="0" marL="0" rtl="0" algn="l">
+              <a:spcBef>
+                <a:spcPts val="0"/>
+              </a:spcBef>
+              <a:spcAft>
+                <a:spcPts val="0"/>
+              </a:spcAft>
+              <a:buNone/>
+            </a:pPr>
+            <a:r>
+              <a:rPr lang="fr"/>
+              <a:t>Accessibilité</a:t>
+            </a:r>
+            <a:endParaRPr/>
+          </a:p>
+        </p:txBody>
+      </p:sp>
+      <p:sp>
+        <p:nvSpPr>
+          <p:cNvPr id="346" name="Google Shape;346;p32"/>
+          <p:cNvSpPr txBox="1"/>
+          <p:nvPr>
+            <p:ph idx="1" type="body"/>
+          </p:nvPr>
+        </p:nvSpPr>
+        <p:spPr>
+          <a:xfrm>
+            <a:off x="3220900" y="2398600"/>
+            <a:ext cx="3578700" cy="1494600"/>
+          </a:xfrm>
+          <a:prstGeom prst="rect">
+            <a:avLst/>
+          </a:prstGeom>
+        </p:spPr>
+        <p:txBody>
+          <a:bodyPr anchorCtr="0" anchor="t" bIns="91425" lIns="91425" spcFirstLastPara="1" rIns="91425" wrap="square" tIns="91425">
+            <a:noAutofit/>
+          </a:bodyPr>
+          <a:lstStyle/>
+          <a:p>
+            <a:pPr indent="-330200" lvl="0" marL="457200" rtl="0" algn="l">
+              <a:lnSpc>
+                <a:spcPct val="200000"/>
+              </a:lnSpc>
+              <a:spcBef>
+                <a:spcPts val="0"/>
+              </a:spcBef>
+              <a:spcAft>
+                <a:spcPts val="0"/>
+              </a:spcAft>
+              <a:buSzPts val="1600"/>
+              <a:buChar char="●"/>
+            </a:pPr>
+            <a:r>
+              <a:rPr lang="fr" sz="1600"/>
+              <a:t>Aria-label</a:t>
+            </a:r>
+            <a:endParaRPr sz="1600"/>
+          </a:p>
+          <a:p>
+            <a:pPr indent="-330200" lvl="0" marL="457200" rtl="0" algn="l">
+              <a:lnSpc>
+                <a:spcPct val="200000"/>
+              </a:lnSpc>
+              <a:spcBef>
+                <a:spcPts val="0"/>
+              </a:spcBef>
+              <a:spcAft>
+                <a:spcPts val="0"/>
+              </a:spcAft>
+              <a:buSzPts val="1600"/>
+              <a:buChar char="●"/>
+            </a:pPr>
+            <a:r>
+              <a:rPr lang="fr" sz="1600"/>
+              <a:t>Taille typographie</a:t>
+            </a:r>
+            <a:endParaRPr sz="1600"/>
+          </a:p>
+          <a:p>
+            <a:pPr indent="-330200" lvl="0" marL="457200" rtl="0" algn="l">
+              <a:lnSpc>
+                <a:spcPct val="200000"/>
+              </a:lnSpc>
+              <a:spcBef>
+                <a:spcPts val="0"/>
+              </a:spcBef>
+              <a:spcAft>
+                <a:spcPts val="0"/>
+              </a:spcAft>
+              <a:buSzPts val="1600"/>
+              <a:buChar char="●"/>
+            </a:pPr>
+            <a:r>
+              <a:rPr lang="fr" sz="1600"/>
+              <a:t>Contraste des</a:t>
+            </a:r>
+            <a:r>
+              <a:rPr lang="fr" sz="1600"/>
+              <a:t> couleurs</a:t>
+            </a:r>
+            <a:endParaRPr sz="1600"/>
+          </a:p>
+        </p:txBody>
+      </p:sp>
+      <p:grpSp>
+        <p:nvGrpSpPr>
           <p:cNvPr id="347" name="Google Shape;347;p32"/>
+          <p:cNvGrpSpPr/>
+          <p:nvPr/>
+        </p:nvGrpSpPr>
+        <p:grpSpPr>
+          <a:xfrm>
+            <a:off x="2744350" y="1135000"/>
+            <a:ext cx="3578700" cy="902700"/>
+            <a:chOff x="2837525" y="901675"/>
+            <a:chExt cx="3578700" cy="902700"/>
+          </a:xfrm>
+        </p:grpSpPr>
+        <p:sp>
+          <p:nvSpPr>
+            <p:cNvPr id="348" name="Google Shape;348;p32"/>
+            <p:cNvSpPr/>
+            <p:nvPr/>
+          </p:nvSpPr>
+          <p:spPr>
+            <a:xfrm>
+              <a:off x="2837525" y="901675"/>
+              <a:ext cx="3578700" cy="902700"/>
+            </a:xfrm>
+            <a:prstGeom prst="rect">
+              <a:avLst/>
+            </a:prstGeom>
+            <a:solidFill>
+              <a:schemeClr val="lt1"/>
+            </a:solidFill>
+            <a:ln cap="flat" cmpd="sng" w="9525">
+              <a:solidFill>
+                <a:schemeClr val="dk2"/>
+              </a:solidFill>
+              <a:prstDash val="solid"/>
+              <a:round/>
+              <a:headEnd len="sm" w="sm" type="none"/>
+              <a:tailEnd len="sm" w="sm" type="none"/>
+            </a:ln>
+          </p:spPr>
+          <p:txBody>
+            <a:bodyPr anchorCtr="0" anchor="ctr" bIns="91425" lIns="91425" spcFirstLastPara="1" rIns="91425" wrap="square" tIns="91425">
+              <a:noAutofit/>
+            </a:bodyPr>
+            <a:lstStyle/>
+            <a:p>
+              <a:pPr indent="0" lvl="0" marL="0" rtl="0" algn="l">
+                <a:spcBef>
+                  <a:spcPts val="0"/>
+                </a:spcBef>
+                <a:spcAft>
+                  <a:spcPts val="0"/>
+                </a:spcAft>
+                <a:buNone/>
+              </a:pPr>
+              <a:r>
+                <a:t/>
+              </a:r>
+              <a:endParaRPr/>
+            </a:p>
+          </p:txBody>
+        </p:sp>
+        <p:pic>
+          <p:nvPicPr>
+            <p:cNvPr id="349" name="Google Shape;349;p32"/>
+            <p:cNvPicPr preferRelativeResize="0"/>
+            <p:nvPr/>
+          </p:nvPicPr>
+          <p:blipFill>
+            <a:blip r:embed="rId3">
+              <a:alphaModFix/>
+            </a:blip>
+            <a:stretch>
+              <a:fillRect/>
+            </a:stretch>
+          </p:blipFill>
+          <p:spPr>
+            <a:xfrm>
+              <a:off x="2879524" y="941000"/>
+              <a:ext cx="3503050" cy="797775"/>
+            </a:xfrm>
+            <a:prstGeom prst="rect">
+              <a:avLst/>
+            </a:prstGeom>
+            <a:noFill/>
+            <a:ln>
+              <a:noFill/>
+            </a:ln>
+          </p:spPr>
+        </p:pic>
+      </p:grpSp>
+    </p:spTree>
+  </p:cSld>
+  <p:clrMapOvr>
+    <a:masterClrMapping/>
+  </p:clrMapOvr>
+  <p:timing>
+    <p:tnLst>
+      <p:par>
+        <p:cTn dur="indefinite" nodeType="tmRoot" restart="never">
+          <p:childTnLst>
+            <p:seq concurrent="1" nextAc="seek">
+              <p:cTn dur="indefinite" id="2" nodeType="mainSeq">
+                <p:childTnLst>
+                  <p:par>
+                    <p:cTn fill="hold">
+                      <p:stCondLst>
+                        <p:cond delay="indefinite"/>
+                      </p:stCondLst>
+                      <p:childTnLst>
+                        <p:par>
+                          <p:cTn fill="hold">
+                            <p:stCondLst>
+                              <p:cond delay="0"/>
+                            </p:stCondLst>
+                            <p:childTnLst>
+                              <p:par>
+                                <p:cTn fill="hold" nodeType="clickEffect" presetClass="entr" presetID="10" presetSubtype="0">
+                                  <p:stCondLst>
+                                    <p:cond delay="0"/>
+                                  </p:stCondLst>
+                                  <p:childTnLst>
+                                    <p:set>
+                                      <p:cBhvr>
+                                        <p:cTn dur="1" fill="hold">
+                                          <p:stCondLst>
+                                            <p:cond delay="0"/>
+                                          </p:stCondLst>
+                                        </p:cTn>
+                                        <p:tgtEl>
+                                          <p:spTgt spid="345"/>
+                                        </p:tgtEl>
+                                        <p:attrNameLst>
+                                          <p:attrName>style.visibility</p:attrName>
+                                        </p:attrNameLst>
+                                      </p:cBhvr>
+                                      <p:to>
+                                        <p:strVal val="visible"/>
+                                      </p:to>
+                                    </p:set>
+                                    <p:animEffect filter="fade" transition="in">
+                                      <p:cBhvr>
+                                        <p:cTn dur="1000"/>
+                                        <p:tgtEl>
+                                          <p:spTgt spid="345"/>
+                                        </p:tgtEl>
+                                      </p:cBhvr>
+                                    </p:animEffect>
+                                  </p:childTnLst>
+                                </p:cTn>
+                              </p:par>
+                            </p:childTnLst>
+                          </p:cTn>
+                        </p:par>
+                      </p:childTnLst>
+                    </p:cTn>
+                  </p:par>
+                  <p:par>
+                    <p:cTn fill="hold">
+                      <p:stCondLst>
+                        <p:cond delay="indefinite"/>
+                      </p:stCondLst>
+                      <p:childTnLst>
+                        <p:par>
+                          <p:cTn fill="hold">
+                            <p:stCondLst>
+                              <p:cond delay="0"/>
+                            </p:stCondLst>
+                            <p:childTnLst>
+                              <p:par>
+                                <p:cTn fill="hold" nodeType="clickEffect" presetClass="entr" presetID="10" presetSubtype="0">
+                                  <p:stCondLst>
+                                    <p:cond delay="0"/>
+                                  </p:stCondLst>
+                                  <p:childTnLst>
+                                    <p:set>
+                                      <p:cBhvr>
+                                        <p:cTn dur="1" fill="hold">
+                                          <p:stCondLst>
+                                            <p:cond delay="0"/>
+                                          </p:stCondLst>
+                                        </p:cTn>
+                                        <p:tgtEl>
+                                          <p:spTgt spid="347"/>
+                                        </p:tgtEl>
+                                        <p:attrNameLst>
+                                          <p:attrName>style.visibility</p:attrName>
+                                        </p:attrNameLst>
+                                      </p:cBhvr>
+                                      <p:to>
+                                        <p:strVal val="visible"/>
+                                      </p:to>
+                                    </p:set>
+                                    <p:animEffect filter="fade" transition="in">
+                                      <p:cBhvr>
+                                        <p:cTn dur="1000"/>
+                                        <p:tgtEl>
+                                          <p:spTgt spid="347"/>
+                                        </p:tgtEl>
+                                      </p:cBhvr>
+                                    </p:animEffect>
+                                  </p:childTnLst>
+                                </p:cTn>
+                              </p:par>
+                            </p:childTnLst>
+                          </p:cTn>
+                        </p:par>
+                      </p:childTnLst>
+                    </p:cTn>
+                  </p:par>
+                  <p:par>
+                    <p:cTn fill="hold">
+                      <p:stCondLst>
+                        <p:cond delay="indefinite"/>
+                      </p:stCondLst>
+                      <p:childTnLst>
+                        <p:par>
+                          <p:cTn fill="hold">
+                            <p:stCondLst>
+                              <p:cond delay="0"/>
+                            </p:stCondLst>
+                            <p:childTnLst>
+                              <p:par>
+                                <p:cTn fill="hold" nodeType="clickEffect" presetClass="entr" presetID="10" presetSubtype="0">
+                                  <p:stCondLst>
+                                    <p:cond delay="0"/>
+                                  </p:stCondLst>
+                                  <p:childTnLst>
+                                    <p:set>
+                                      <p:cBhvr>
+                                        <p:cTn dur="1" fill="hold">
+                                          <p:stCondLst>
+                                            <p:cond delay="0"/>
+                                          </p:stCondLst>
+                                        </p:cTn>
+                                        <p:tgtEl>
+                                          <p:spTgt spid="346"/>
+                                        </p:tgtEl>
+                                        <p:attrNameLst>
+                                          <p:attrName>style.visibility</p:attrName>
+                                        </p:attrNameLst>
+                                      </p:cBhvr>
+                                      <p:to>
+                                        <p:strVal val="visible"/>
+                                      </p:to>
+                                    </p:set>
+                                    <p:animEffect filter="fade" transition="in">
+                                      <p:cBhvr>
+                                        <p:cTn dur="1000"/>
+                                        <p:tgtEl>
+                                          <p:spTgt spid="346"/>
+                                        </p:tgtEl>
+                                      </p:cBhvr>
+                                    </p:animEffect>
+                                  </p:childTnLst>
+                                </p:cTn>
+                              </p:par>
+                            </p:childTnLst>
+                          </p:cTn>
+                        </p:par>
+                      </p:childTnLst>
+                    </p:cTn>
+                  </p:par>
+                </p:childTnLst>
+              </p:cTn>
+              <p:prevCondLst>
+                <p:cond evt="onPrev">
+                  <p:tgtEl>
+                    <p:sldTgt/>
+                  </p:tgtEl>
+                </p:cond>
+              </p:prevCondLst>
+              <p:nextCondLst>
+                <p:cond evt="onNext">
+                  <p:tgtEl>
+                    <p:sldTgt/>
+                  </p:tgtEl>
+                </p:cond>
+              </p:nextCondLst>
+            </p:seq>
+          </p:childTnLst>
+        </p:cTn>
+      </p:par>
+    </p:tnLst>
+  </p:timing>
+</p:sld>
+</file>
+
+<file path=ppt/slides/slide21.xml><?xml version="1.0" encoding="utf-8"?>
+<p:sld xmlns:a="http://schemas.openxmlformats.org/drawingml/2006/main" xmlns:r="http://schemas.openxmlformats.org/officeDocument/2006/relationships" xmlns:mc="http://schemas.openxmlformats.org/markup-compatibility/2006" xmlns:mv="urn:schemas-microsoft-com:mac:vml" xmlns:p="http://schemas.openxmlformats.org/presentationml/2006/main" xmlns:c="http://schemas.openxmlformats.org/drawingml/2006/chart" xmlns:dgm="http://schemas.openxmlformats.org/drawingml/2006/diagram" xmlns:o="urn:schemas-microsoft-com:office:office" xmlns:v="urn:schemas-microsoft-com:vml" xmlns:pvml="urn:schemas-microsoft-com:office:powerpoint" xmlns:com="http://schemas.openxmlformats.org/drawingml/2006/compatibility" xmlns:p14="http://schemas.microsoft.com/office/powerpoint/2010/main" xmlns:p15="http://schemas.microsoft.com/office/powerpoint/2012/main" xmlns:ahyp="http://schemas.microsoft.com/office/drawing/2018/hyperlinkcolor">
+  <p:cSld>
+    <p:spTree>
+      <p:nvGrpSpPr>
+        <p:cNvPr id="353" name="Shape 353"/>
+        <p:cNvGrpSpPr/>
+        <p:nvPr/>
+      </p:nvGrpSpPr>
+      <p:grpSpPr>
+        <a:xfrm>
+          <a:off x="0" y="0"/>
+          <a:ext cx="0" cy="0"/>
+          <a:chOff x="0" y="0"/>
+          <a:chExt cx="0" cy="0"/>
+        </a:xfrm>
+      </p:grpSpPr>
+      <p:sp>
+        <p:nvSpPr>
+          <p:cNvPr id="354" name="Google Shape;354;p33"/>
           <p:cNvSpPr txBox="1"/>
           <p:nvPr>
             <p:ph type="ctrTitle"/>
@@ -20346,7 +20335,7 @@
         </p:nvSpPr>
         <p:spPr>
           <a:xfrm>
-            <a:off x="5520075" y="2117825"/>
+            <a:off x="5108650" y="1827500"/>
             <a:ext cx="1978500" cy="814800"/>
           </a:xfrm>
           <a:prstGeom prst="rect">
@@ -20373,6 +20362,64 @@
               <a:t>Merci</a:t>
             </a:r>
             <a:endParaRPr/>
+          </a:p>
+        </p:txBody>
+      </p:sp>
+      <p:sp>
+        <p:nvSpPr>
+          <p:cNvPr id="355" name="Google Shape;355;p33"/>
+          <p:cNvSpPr txBox="1"/>
+          <p:nvPr/>
+        </p:nvSpPr>
+        <p:spPr>
+          <a:xfrm>
+            <a:off x="5108650" y="2839000"/>
+            <a:ext cx="2982900" cy="477000"/>
+          </a:xfrm>
+          <a:prstGeom prst="rect">
+            <a:avLst/>
+          </a:prstGeom>
+          <a:noFill/>
+          <a:ln>
+            <a:noFill/>
+          </a:ln>
+        </p:spPr>
+        <p:txBody>
+          <a:bodyPr anchorCtr="0" anchor="t" bIns="91425" lIns="91425" spcFirstLastPara="1" rIns="91425" wrap="square" tIns="91425">
+            <a:spAutoFit/>
+          </a:bodyPr>
+          <a:lstStyle/>
+          <a:p>
+            <a:pPr indent="0" lvl="0" marL="0" rtl="0" algn="l">
+              <a:spcBef>
+                <a:spcPts val="0"/>
+              </a:spcBef>
+              <a:spcAft>
+                <a:spcPts val="0"/>
+              </a:spcAft>
+              <a:buNone/>
+            </a:pPr>
+            <a:r>
+              <a:rPr lang="fr" sz="1900">
+                <a:solidFill>
+                  <a:schemeClr val="lt1"/>
+                </a:solidFill>
+                <a:latin typeface="Lato"/>
+                <a:ea typeface="Lato"/>
+                <a:cs typeface="Lato"/>
+                <a:sym typeface="Lato"/>
+              </a:rPr>
+              <a:t>Avez-vous des questions ? </a:t>
+            </a:r>
+            <a:endParaRPr sz="1900">
+              <a:solidFill>
+                <a:schemeClr val="lt1"/>
+              </a:solidFill>
+              <a:latin typeface="Lato"/>
+              <a:ea typeface="Lato"/>
+              <a:cs typeface="Lato"/>
+              <a:sym typeface="Lato"/>
+            </a:endParaRPr>
           </a:p>
         </p:txBody>
       </p:sp>
@@ -21655,62 +21702,9 @@
           </a:p>
         </p:txBody>
       </p:sp>
-      <p:sp>
-        <p:nvSpPr>
-          <p:cNvPr id="173" name="Google Shape;173;p17"/>
-          <p:cNvSpPr txBox="1"/>
-          <p:nvPr>
-            <p:ph idx="1" type="body"/>
-          </p:nvPr>
-        </p:nvSpPr>
-        <p:spPr>
-          <a:xfrm>
-            <a:off x="5974950" y="3172475"/>
-            <a:ext cx="2523600" cy="400200"/>
-          </a:xfrm>
-          <a:prstGeom prst="rect">
-            <a:avLst/>
-          </a:prstGeom>
-        </p:spPr>
-        <p:txBody>
-          <a:bodyPr anchorCtr="0" anchor="t" bIns="91425" lIns="91425" spcFirstLastPara="1" rIns="91425" wrap="square" tIns="91425">
-            <a:noAutofit/>
-          </a:bodyPr>
-          <a:lstStyle/>
-          <a:p>
-            <a:pPr indent="0" lvl="0" marL="0" rtl="0" algn="ctr">
-              <a:lnSpc>
-                <a:spcPct val="150000"/>
-              </a:lnSpc>
-              <a:spcBef>
-                <a:spcPts val="0"/>
-              </a:spcBef>
-              <a:spcAft>
-                <a:spcPts val="1200"/>
-              </a:spcAft>
-              <a:buNone/>
-            </a:pPr>
-            <a:r>
-              <a:rPr b="1" lang="fr" sz="1600">
-                <a:latin typeface="Montserrat"/>
-                <a:ea typeface="Montserrat"/>
-                <a:cs typeface="Montserrat"/>
-                <a:sym typeface="Montserrat"/>
-              </a:rPr>
-              <a:t>Outil d’organisation:</a:t>
-            </a:r>
-            <a:endParaRPr b="1" sz="1600">
-              <a:latin typeface="Montserrat"/>
-              <a:ea typeface="Montserrat"/>
-              <a:cs typeface="Montserrat"/>
-              <a:sym typeface="Montserrat"/>
-            </a:endParaRPr>
-          </a:p>
-        </p:txBody>
-      </p:sp>
       <p:grpSp>
         <p:nvGrpSpPr>
-          <p:cNvPr id="174" name="Google Shape;174;p17"/>
+          <p:cNvPr id="173" name="Google Shape;173;p17"/>
           <p:cNvGrpSpPr/>
           <p:nvPr/>
         </p:nvGrpSpPr>
@@ -21724,7 +21718,7 @@
         </p:grpSpPr>
         <p:sp>
           <p:nvSpPr>
-            <p:cNvPr id="175" name="Google Shape;175;p17"/>
+            <p:cNvPr id="174" name="Google Shape;174;p17"/>
             <p:cNvSpPr/>
             <p:nvPr/>
           </p:nvSpPr>
@@ -21773,7 +21767,7 @@
         </p:sp>
         <p:pic>
           <p:nvPicPr>
-            <p:cNvPr id="176" name="Google Shape;176;p17"/>
+            <p:cNvPr id="175" name="Google Shape;175;p17"/>
             <p:cNvPicPr preferRelativeResize="0"/>
             <p:nvPr/>
           </p:nvPicPr>
@@ -21802,7 +21796,7 @@
       </p:grpSp>
       <p:sp>
         <p:nvSpPr>
-          <p:cNvPr id="177" name="Google Shape;177;p17"/>
+          <p:cNvPr id="176" name="Google Shape;176;p17"/>
           <p:cNvSpPr txBox="1"/>
           <p:nvPr/>
         </p:nvSpPr>
@@ -21846,7 +21840,7 @@
       </p:sp>
       <p:sp>
         <p:nvSpPr>
-          <p:cNvPr id="178" name="Google Shape;178;p17"/>
+          <p:cNvPr id="177" name="Google Shape;177;p17"/>
           <p:cNvSpPr txBox="1"/>
           <p:nvPr/>
         </p:nvSpPr>
@@ -21971,7 +21965,19 @@
                 <a:cs typeface="Montserrat"/>
                 <a:sym typeface="Montserrat"/>
               </a:rPr>
-              <a:t>planification flexible</a:t>
+              <a:t>P</a:t>
+            </a:r>
+            <a:r>
+              <a:rPr lang="fr" sz="1300">
+                <a:solidFill>
+                  <a:schemeClr val="lt1"/>
+                </a:solidFill>
+                <a:latin typeface="Montserrat"/>
+                <a:ea typeface="Montserrat"/>
+                <a:cs typeface="Montserrat"/>
+                <a:sym typeface="Montserrat"/>
+              </a:rPr>
+              <a:t>artage des tâches</a:t>
             </a:r>
             <a:endParaRPr sz="1300">
               <a:solidFill>
@@ -22011,7 +22017,7 @@
                 <a:cs typeface="Montserrat"/>
                 <a:sym typeface="Montserrat"/>
               </a:rPr>
-              <a:t>partage des tâches</a:t>
+              <a:t>Control de la progression</a:t>
             </a:r>
             <a:endParaRPr sz="1300">
               <a:solidFill>
@@ -22051,7 +22057,7 @@
                 <a:cs typeface="Montserrat"/>
                 <a:sym typeface="Montserrat"/>
               </a:rPr>
-              <a:t>control de la progression</a:t>
+              <a:t>Efficacité et adaptation</a:t>
             </a:r>
             <a:endParaRPr sz="1300">
               <a:solidFill>
@@ -22065,33 +22071,6 @@
           </a:p>
         </p:txBody>
       </p:sp>
-      <p:pic>
-        <p:nvPicPr>
-          <p:cNvPr id="179" name="Google Shape;179;p17"/>
-          <p:cNvPicPr preferRelativeResize="0"/>
-          <p:nvPr/>
-        </p:nvPicPr>
-        <p:blipFill rotWithShape="1">
-          <a:blip r:embed="rId4">
-            <a:alphaModFix/>
-          </a:blip>
-          <a:srcRect b="10929" l="5046" r="4028" t="15171"/>
-          <a:stretch/>
-        </p:blipFill>
-        <p:spPr>
-          <a:xfrm>
-            <a:off x="6632025" y="3621650"/>
-            <a:ext cx="1209425" cy="983000"/>
-          </a:xfrm>
-          <a:prstGeom prst="rect">
-            <a:avLst/>
-          </a:prstGeom>
-          <a:noFill/>
-          <a:ln>
-            <a:noFill/>
-          </a:ln>
-        </p:spPr>
-      </p:pic>
     </p:spTree>
   </p:cSld>
   <p:clrMapOvr>
@@ -22105,112 +22084,6 @@
             <p:seq concurrent="1" nextAc="seek">
               <p:cTn dur="indefinite" id="2" nodeType="mainSeq">
                 <p:childTnLst>
-                  <p:par>
-                    <p:cTn fill="hold">
-                      <p:stCondLst>
-                        <p:cond delay="indefinite"/>
-                      </p:stCondLst>
-                      <p:childTnLst>
-                        <p:par>
-                          <p:cTn fill="hold">
-                            <p:stCondLst>
-                              <p:cond delay="0"/>
-                            </p:stCondLst>
-                            <p:childTnLst>
-                              <p:par>
-                                <p:cTn fill="hold" nodeType="clickEffect" presetClass="entr" presetID="10" presetSubtype="0">
-                                  <p:stCondLst>
-                                    <p:cond delay="0"/>
-                                  </p:stCondLst>
-                                  <p:childTnLst>
-                                    <p:set>
-                                      <p:cBhvr>
-                                        <p:cTn dur="1" fill="hold">
-                                          <p:stCondLst>
-                                            <p:cond delay="0"/>
-                                          </p:stCondLst>
-                                        </p:cTn>
-                                        <p:tgtEl>
-                                          <p:spTgt spid="174"/>
-                                        </p:tgtEl>
-                                        <p:attrNameLst>
-                                          <p:attrName>style.visibility</p:attrName>
-                                        </p:attrNameLst>
-                                      </p:cBhvr>
-                                      <p:to>
-                                        <p:strVal val="visible"/>
-                                      </p:to>
-                                    </p:set>
-                                    <p:animEffect filter="fade" transition="in">
-                                      <p:cBhvr>
-                                        <p:cTn dur="1000"/>
-                                        <p:tgtEl>
-                                          <p:spTgt spid="174"/>
-                                        </p:tgtEl>
-                                      </p:cBhvr>
-                                    </p:animEffect>
-                                  </p:childTnLst>
-                                </p:cTn>
-                              </p:par>
-                            </p:childTnLst>
-                          </p:cTn>
-                        </p:par>
-                      </p:childTnLst>
-                    </p:cTn>
-                  </p:par>
-                  <p:par>
-                    <p:cTn fill="hold">
-                      <p:stCondLst>
-                        <p:cond delay="indefinite"/>
-                      </p:stCondLst>
-                      <p:childTnLst>
-                        <p:par>
-                          <p:cTn fill="hold">
-                            <p:stCondLst>
-                              <p:cond delay="0"/>
-                            </p:stCondLst>
-                            <p:childTnLst>
-                              <p:par>
-                                <p:cTn fill="hold" nodeType="clickEffect" presetClass="entr" presetID="10" presetSubtype="0">
-                                  <p:stCondLst>
-                                    <p:cond delay="0"/>
-                                  </p:stCondLst>
-                                  <p:childTnLst>
-                                    <p:set>
-                                      <p:cBhvr>
-                                        <p:cTn dur="1" fill="hold">
-                                          <p:stCondLst>
-                                            <p:cond delay="0"/>
-                                          </p:stCondLst>
-                                        </p:cTn>
-                                        <p:tgtEl>
-                                          <p:spTgt spid="178"/>
-                                        </p:tgtEl>
-                                        <p:attrNameLst>
-                                          <p:attrName>style.visibility</p:attrName>
-                                        </p:attrNameLst>
-                                      </p:cBhvr>
-                                      <p:to>
-                                        <p:strVal val="visible"/>
-                                      </p:to>
-                                    </p:set>
-                                    <p:animEffect filter="fade" transition="in">
-                                      <p:cBhvr>
-                                        <p:cTn dur="1000"/>
-                                        <p:tgtEl>
-                                          <p:spTgt spid="178"/>
-                                        </p:tgtEl>
-                                      </p:cBhvr>
-                                    </p:animEffect>
-                                  </p:childTnLst>
-                                </p:cTn>
-                              </p:par>
-                            </p:childTnLst>
-                          </p:cTn>
-                        </p:par>
-                      </p:childTnLst>
-                    </p:cTn>
-                  </p:par>
                   <p:par>
                     <p:cTn fill="hold">
                       <p:stCondLst>
@@ -22258,8 +22131,26 @@
                                   </p:childTnLst>
                                 </p:cTn>
                               </p:par>
+                            </p:childTnLst>
+                          </p:cTn>
+                        </p:par>
+                      </p:childTnLst>
+                    </p:cTn>
+                  </p:par>
+                  <p:par>
+                    <p:cTn fill="hold">
+                      <p:stCondLst>
+                        <p:cond delay="indefinite"/>
+                      </p:stCondLst>
+                      <p:childTnLst>
+                        <p:par>
+                          <p:cTn fill="hold">
+                            <p:stCondLst>
+                              <p:cond delay="0"/>
+                            </p:stCondLst>
+                            <p:childTnLst>
                               <p:par>
-                                <p:cTn fill="hold" nodeType="withEffect" presetClass="entr" presetID="10" presetSubtype="0">
+                                <p:cTn fill="hold" nodeType="clickEffect" presetClass="entr" presetID="10" presetSubtype="0">
                                   <p:stCondLst>
                                     <p:cond delay="0"/>
                                   </p:stCondLst>
@@ -22272,7 +22163,7 @@
                                           </p:stCondLst>
                                         </p:cTn>
                                         <p:tgtEl>
-                                          <p:spTgt spid="179"/>
+                                          <p:spTgt spid="177"/>
                                         </p:tgtEl>
                                         <p:attrNameLst>
                                           <p:attrName>style.visibility</p:attrName>
@@ -22286,7 +22177,7 @@
                                       <p:cBhvr>
                                         <p:cTn dur="1000"/>
                                         <p:tgtEl>
-                                          <p:spTgt spid="179"/>
+                                          <p:spTgt spid="177"/>
                                         </p:tgtEl>
                                       </p:cBhvr>
                                     </p:animEffect>
@@ -22329,7 +22220,7 @@
   <p:cSld>
     <p:spTree>
       <p:nvGrpSpPr>
-        <p:cNvPr id="183" name="Shape 183"/>
+        <p:cNvPr id="181" name="Shape 181"/>
         <p:cNvGrpSpPr/>
         <p:nvPr/>
       </p:nvGrpSpPr>
@@ -22343,7 +22234,7 @@
       </p:grpSpPr>
       <p:sp>
         <p:nvSpPr>
-          <p:cNvPr id="184" name="Google Shape;184;p18"/>
+          <p:cNvPr id="182" name="Google Shape;182;p18"/>
           <p:cNvSpPr txBox="1"/>
           <p:nvPr>
             <p:ph type="title"/>
@@ -22383,7 +22274,7 @@
       </p:sp>
       <p:pic>
         <p:nvPicPr>
-          <p:cNvPr id="185" name="Google Shape;185;p18"/>
+          <p:cNvPr id="183" name="Google Shape;183;p18"/>
           <p:cNvPicPr preferRelativeResize="0"/>
           <p:nvPr/>
         </p:nvPicPr>
@@ -22448,7 +22339,7 @@
                                           </p:stCondLst>
                                         </p:cTn>
                                         <p:tgtEl>
-                                          <p:spTgt spid="185"/>
+                                          <p:spTgt spid="183"/>
                                         </p:tgtEl>
                                         <p:attrNameLst>
                                           <p:attrName>style.visibility</p:attrName>
@@ -22462,7 +22353,7 @@
                                       <p:cBhvr>
                                         <p:cTn dur="1000"/>
                                         <p:tgtEl>
-                                          <p:spTgt spid="185"/>
+                                          <p:spTgt spid="183"/>
                                         </p:tgtEl>
                                       </p:cBhvr>
                                     </p:animEffect>
@@ -22505,7 +22396,7 @@
   <p:cSld>
     <p:spTree>
       <p:nvGrpSpPr>
-        <p:cNvPr id="189" name="Shape 189"/>
+        <p:cNvPr id="187" name="Shape 187"/>
         <p:cNvGrpSpPr/>
         <p:nvPr/>
       </p:nvGrpSpPr>
@@ -22519,7 +22410,7 @@
       </p:grpSpPr>
       <p:sp>
         <p:nvSpPr>
-          <p:cNvPr id="190" name="Google Shape;190;p19"/>
+          <p:cNvPr id="188" name="Google Shape;188;p19"/>
           <p:cNvSpPr txBox="1"/>
           <p:nvPr/>
         </p:nvSpPr>
@@ -22596,7 +22487,7 @@
       </p:sp>
       <p:sp>
         <p:nvSpPr>
-          <p:cNvPr id="191" name="Google Shape;191;p19"/>
+          <p:cNvPr id="189" name="Google Shape;189;p19"/>
           <p:cNvSpPr txBox="1"/>
           <p:nvPr>
             <p:ph idx="1" type="body"/>
@@ -22649,7 +22540,7 @@
       </p:sp>
       <p:pic>
         <p:nvPicPr>
-          <p:cNvPr id="192" name="Google Shape;192;p19"/>
+          <p:cNvPr id="190" name="Google Shape;190;p19"/>
           <p:cNvPicPr preferRelativeResize="0"/>
           <p:nvPr/>
         </p:nvPicPr>
@@ -22713,7 +22604,7 @@
                                           </p:stCondLst>
                                         </p:cTn>
                                         <p:tgtEl>
-                                          <p:spTgt spid="191"/>
+                                          <p:spTgt spid="189"/>
                                         </p:tgtEl>
                                         <p:attrNameLst>
                                           <p:attrName>style.visibility</p:attrName>
@@ -22727,7 +22618,7 @@
                                       <p:cBhvr>
                                         <p:cTn dur="1000"/>
                                         <p:tgtEl>
-                                          <p:spTgt spid="191"/>
+                                          <p:spTgt spid="189"/>
                                         </p:tgtEl>
                                       </p:cBhvr>
                                     </p:animEffect>
@@ -22766,7 +22657,7 @@
                                           </p:stCondLst>
                                         </p:cTn>
                                         <p:tgtEl>
-                                          <p:spTgt spid="192"/>
+                                          <p:spTgt spid="190"/>
                                         </p:tgtEl>
                                         <p:attrNameLst>
                                           <p:attrName>style.visibility</p:attrName>
@@ -22780,7 +22671,7 @@
                                       <p:cBhvr>
                                         <p:cTn dur="1000"/>
                                         <p:tgtEl>
-                                          <p:spTgt spid="192"/>
+                                          <p:spTgt spid="190"/>
                                         </p:tgtEl>
                                       </p:cBhvr>
                                     </p:animEffect>
@@ -22801,7 +22692,7 @@
                                           </p:stCondLst>
                                         </p:cTn>
                                         <p:tgtEl>
-                                          <p:spTgt spid="190"/>
+                                          <p:spTgt spid="188"/>
                                         </p:tgtEl>
                                         <p:attrNameLst>
                                           <p:attrName>style.visibility</p:attrName>
@@ -22815,7 +22706,7 @@
                                       <p:cBhvr>
                                         <p:cTn dur="1000"/>
                                         <p:tgtEl>
-                                          <p:spTgt spid="190"/>
+                                          <p:spTgt spid="188"/>
                                         </p:tgtEl>
                                       </p:cBhvr>
                                     </p:animEffect>
@@ -22858,7 +22749,7 @@
   <p:cSld>
     <p:spTree>
       <p:nvGrpSpPr>
-        <p:cNvPr id="196" name="Shape 196"/>
+        <p:cNvPr id="194" name="Shape 194"/>
         <p:cNvGrpSpPr/>
         <p:nvPr/>
       </p:nvGrpSpPr>
@@ -22872,7 +22763,7 @@
       </p:grpSpPr>
       <p:sp>
         <p:nvSpPr>
-          <p:cNvPr id="197" name="Google Shape;197;p20"/>
+          <p:cNvPr id="195" name="Google Shape;195;p20"/>
           <p:cNvSpPr txBox="1"/>
           <p:nvPr>
             <p:ph type="title"/>
@@ -22912,7 +22803,7 @@
       </p:sp>
       <p:pic>
         <p:nvPicPr>
-          <p:cNvPr id="198" name="Google Shape;198;p20">
+          <p:cNvPr id="196" name="Google Shape;196;p20">
             <a:hlinkClick r:id="rId3"/>
           </p:cNvPr>
           <p:cNvPicPr preferRelativeResize="0"/>
@@ -22942,7 +22833,7 @@
       </p:pic>
       <p:pic>
         <p:nvPicPr>
-          <p:cNvPr id="199" name="Google Shape;199;p20">
+          <p:cNvPr id="197" name="Google Shape;197;p20">
             <a:hlinkClick r:id="rId5"/>
           </p:cNvPr>
           <p:cNvPicPr preferRelativeResize="0"/>
@@ -22972,7 +22863,7 @@
       </p:pic>
       <p:pic>
         <p:nvPicPr>
-          <p:cNvPr id="200" name="Google Shape;200;p20"/>
+          <p:cNvPr id="198" name="Google Shape;198;p20"/>
           <p:cNvPicPr preferRelativeResize="0"/>
           <p:nvPr/>
         </p:nvPicPr>
@@ -23000,7 +22891,7 @@
       </p:pic>
       <p:pic>
         <p:nvPicPr>
-          <p:cNvPr id="201" name="Google Shape;201;p20">
+          <p:cNvPr id="199" name="Google Shape;199;p20">
             <a:hlinkClick r:id="rId8"/>
           </p:cNvPr>
           <p:cNvPicPr preferRelativeResize="0"/>
@@ -23030,7 +22921,7 @@
       </p:pic>
       <p:sp>
         <p:nvSpPr>
-          <p:cNvPr id="202" name="Google Shape;202;p20"/>
+          <p:cNvPr id="200" name="Google Shape;200;p20"/>
           <p:cNvSpPr txBox="1"/>
           <p:nvPr/>
         </p:nvSpPr>
@@ -23088,7 +22979,7 @@
       </p:sp>
       <p:sp>
         <p:nvSpPr>
-          <p:cNvPr id="203" name="Google Shape;203;p20"/>
+          <p:cNvPr id="201" name="Google Shape;201;p20"/>
           <p:cNvSpPr txBox="1"/>
           <p:nvPr/>
         </p:nvSpPr>
@@ -23146,7 +23037,7 @@
       </p:sp>
       <p:sp>
         <p:nvSpPr>
-          <p:cNvPr id="204" name="Google Shape;204;p20"/>
+          <p:cNvPr id="202" name="Google Shape;202;p20"/>
           <p:cNvSpPr txBox="1"/>
           <p:nvPr/>
         </p:nvSpPr>
@@ -23241,7 +23132,7 @@
                                           </p:stCondLst>
                                         </p:cTn>
                                         <p:tgtEl>
-                                          <p:spTgt spid="198"/>
+                                          <p:spTgt spid="196"/>
                                         </p:tgtEl>
                                         <p:attrNameLst>
                                           <p:attrName>style.visibility</p:attrName>
@@ -23255,7 +23146,7 @@
                                       <p:cBhvr>
                                         <p:cTn dur="1000"/>
                                         <p:tgtEl>
-                                          <p:spTgt spid="198"/>
+                                          <p:spTgt spid="196"/>
                                         </p:tgtEl>
                                       </p:cBhvr>
                                     </p:animEffect>
@@ -23294,6 +23185,41 @@
                                           </p:stCondLst>
                                         </p:cTn>
                                         <p:tgtEl>
+                                          <p:spTgt spid="199"/>
+                                        </p:tgtEl>
+                                        <p:attrNameLst>
+                                          <p:attrName>style.visibility</p:attrName>
+                                        </p:attrNameLst>
+                                      </p:cBhvr>
+                                      <p:to>
+                                        <p:strVal val="visible"/>
+                                      </p:to>
+                                    </p:set>
+                                    <p:animEffect filter="fade" transition="in">
+                                      <p:cBhvr>
+                                        <p:cTn dur="1000"/>
+                                        <p:tgtEl>
+                                          <p:spTgt spid="199"/>
+                                        </p:tgtEl>
+                                      </p:cBhvr>
+                                    </p:animEffect>
+                                  </p:childTnLst>
+                                </p:cTn>
+                              </p:par>
+                              <p:par>
+                                <p:cTn fill="hold" nodeType="withEffect" presetClass="entr" presetID="10" presetSubtype="0">
+                                  <p:stCondLst>
+                                    <p:cond delay="0"/>
+                                  </p:stCondLst>
+                                  <p:childTnLst>
+                                    <p:set>
+                                      <p:cBhvr>
+                                        <p:cTn dur="1" fill="hold">
+                                          <p:stCondLst>
+                                            <p:cond delay="0"/>
+                                          </p:stCondLst>
+                                        </p:cTn>
+                                        <p:tgtEl>
                                           <p:spTgt spid="201"/>
                                         </p:tgtEl>
                                         <p:attrNameLst>
@@ -23315,6 +23241,59 @@
                                   </p:childTnLst>
                                 </p:cTn>
                               </p:par>
+                            </p:childTnLst>
+                          </p:cTn>
+                        </p:par>
+                      </p:childTnLst>
+                    </p:cTn>
+                  </p:par>
+                  <p:par>
+                    <p:cTn fill="hold">
+                      <p:stCondLst>
+                        <p:cond delay="indefinite"/>
+                      </p:stCondLst>
+                      <p:childTnLst>
+                        <p:par>
+                          <p:cTn fill="hold">
+                            <p:stCondLst>
+                              <p:cond delay="0"/>
+                            </p:stCondLst>
+                            <p:childTnLst>
+                              <p:par>
+                                <p:cTn fill="hold" nodeType="clickEffect" presetClass="entr" presetID="10" presetSubtype="0">
+                                  <p:stCondLst>
+                                    <p:cond delay="0"/>
+                                  </p:stCondLst>
+                                  <p:childTnLst>
+                                    <p:set>
+                                      <p:cBhvr>
+                                        <p:cTn dur="1" fill="hold">
+                                          <p:stCondLst>
+                                            <p:cond delay="0"/>
+                                          </p:stCondLst>
+                                        </p:cTn>
+                                        <p:tgtEl>
+                                          <p:spTgt spid="198"/>
+                                        </p:tgtEl>
+                                        <p:attrNameLst>
+                                          <p:attrName>style.visibility</p:attrName>
+                                        </p:attrNameLst>
+                                      </p:cBhvr>
+                                      <p:to>
+                                        <p:strVal val="visible"/>
+                                      </p:to>
+                                    </p:set>
+                                    <p:animEffect filter="fade" transition="in">
+                                      <p:cBhvr>
+                                        <p:cTn dur="1000"/>
+                                        <p:tgtEl>
+                                          <p:spTgt spid="198"/>
+                                        </p:tgtEl>
+                                      </p:cBhvr>
+                                    </p:animEffect>
+                                  </p:childTnLst>
+                                </p:cTn>
+                              </p:par>
                               <p:par>
                                 <p:cTn fill="hold" nodeType="withEffect" presetClass="entr" presetID="10" presetSubtype="0">
                                   <p:stCondLst>
@@ -23329,7 +23308,7 @@
                                           </p:stCondLst>
                                         </p:cTn>
                                         <p:tgtEl>
-                                          <p:spTgt spid="203"/>
+                                          <p:spTgt spid="202"/>
                                         </p:tgtEl>
                                         <p:attrNameLst>
                                           <p:attrName>style.visibility</p:attrName>
@@ -23343,7 +23322,7 @@
                                       <p:cBhvr>
                                         <p:cTn dur="1000"/>
                                         <p:tgtEl>
-                                          <p:spTgt spid="203"/>
+                                          <p:spTgt spid="202"/>
                                         </p:tgtEl>
                                       </p:cBhvr>
                                     </p:animEffect>
@@ -23417,7 +23396,7 @@
                                           </p:stCondLst>
                                         </p:cTn>
                                         <p:tgtEl>
-                                          <p:spTgt spid="204"/>
+                                          <p:spTgt spid="197"/>
                                         </p:tgtEl>
                                         <p:attrNameLst>
                                           <p:attrName>style.visibility</p:attrName>
@@ -23431,95 +23410,7 @@
                                       <p:cBhvr>
                                         <p:cTn dur="1000"/>
                                         <p:tgtEl>
-                                          <p:spTgt spid="204"/>
-                                        </p:tgtEl>
-                                      </p:cBhvr>
-                                    </p:animEffect>
-                                  </p:childTnLst>
-                                </p:cTn>
-                              </p:par>
-                            </p:childTnLst>
-                          </p:cTn>
-                        </p:par>
-                      </p:childTnLst>
-                    </p:cTn>
-                  </p:par>
-                  <p:par>
-                    <p:cTn fill="hold">
-                      <p:stCondLst>
-                        <p:cond delay="indefinite"/>
-                      </p:stCondLst>
-                      <p:childTnLst>
-                        <p:par>
-                          <p:cTn fill="hold">
-                            <p:stCondLst>
-                              <p:cond delay="0"/>
-                            </p:stCondLst>
-                            <p:childTnLst>
-                              <p:par>
-                                <p:cTn fill="hold" nodeType="clickEffect" presetClass="entr" presetID="10" presetSubtype="0">
-                                  <p:stCondLst>
-                                    <p:cond delay="0"/>
-                                  </p:stCondLst>
-                                  <p:childTnLst>
-                                    <p:set>
-                                      <p:cBhvr>
-                                        <p:cTn dur="1" fill="hold">
-                                          <p:stCondLst>
-                                            <p:cond delay="0"/>
-                                          </p:stCondLst>
-                                        </p:cTn>
-                                        <p:tgtEl>
-                                          <p:spTgt spid="202"/>
-                                        </p:tgtEl>
-                                        <p:attrNameLst>
-                                          <p:attrName>style.visibility</p:attrName>
-                                        </p:attrNameLst>
-                                      </p:cBhvr>
-                                      <p:to>
-                                        <p:strVal val="visible"/>
-                                      </p:to>
-                                    </p:set>
-                                    <p:animEffect filter="fade" transition="in">
-                                      <p:cBhvr>
-                                        <p:cTn dur="1000"/>
-                                        <p:tgtEl>
-                                          <p:spTgt spid="202"/>
-                                        </p:tgtEl>
-                                      </p:cBhvr>
-                                    </p:animEffect>
-                                  </p:childTnLst>
-                                </p:cTn>
-                              </p:par>
-                              <p:par>
-                                <p:cTn fill="hold" nodeType="withEffect" presetClass="entr" presetID="10" presetSubtype="0">
-                                  <p:stCondLst>
-                                    <p:cond delay="0"/>
-                                  </p:stCondLst>
-                                  <p:childTnLst>
-                                    <p:set>
-                                      <p:cBhvr>
-                                        <p:cTn dur="1" fill="hold">
-                                          <p:stCondLst>
-                                            <p:cond delay="0"/>
-                                          </p:stCondLst>
-                                        </p:cTn>
-                                        <p:tgtEl>
-                                          <p:spTgt spid="199"/>
-                                        </p:tgtEl>
-                                        <p:attrNameLst>
-                                          <p:attrName>style.visibility</p:attrName>
-                                        </p:attrNameLst>
-                                      </p:cBhvr>
-                                      <p:to>
-                                        <p:strVal val="visible"/>
-                                      </p:to>
-                                    </p:set>
-                                    <p:animEffect filter="fade" transition="in">
-                                      <p:cBhvr>
-                                        <p:cTn dur="1000"/>
-                                        <p:tgtEl>
-                                          <p:spTgt spid="199"/>
+                                          <p:spTgt spid="197"/>
                                         </p:tgtEl>
                                       </p:cBhvr>
                                     </p:animEffect>
@@ -23562,7 +23453,7 @@
   <p:cSld>
     <p:spTree>
       <p:nvGrpSpPr>
-        <p:cNvPr id="208" name="Shape 208"/>
+        <p:cNvPr id="206" name="Shape 206"/>
         <p:cNvGrpSpPr/>
         <p:nvPr/>
       </p:nvGrpSpPr>
@@ -23576,7 +23467,7 @@
       </p:grpSpPr>
       <p:sp>
         <p:nvSpPr>
-          <p:cNvPr id="209" name="Google Shape;209;p21"/>
+          <p:cNvPr id="207" name="Google Shape;207;p21"/>
           <p:cNvSpPr txBox="1"/>
           <p:nvPr>
             <p:ph type="title"/>
@@ -23608,7 +23499,7 @@
             </a:pPr>
             <a:r>
               <a:rPr lang="fr"/>
-              <a:t>Document de conceptions</a:t>
+              <a:t>Documents de conceptions</a:t>
             </a:r>
             <a:endParaRPr/>
           </a:p>
